--- a/이승엽 포트폴리오.pptx
+++ b/이승엽 포트폴리오.pptx
@@ -5,17 +5,19 @@
     <p:sldMasterId id="2147483660" r:id="rId1"/>
   </p:sldMasterIdLst>
   <p:notesMasterIdLst>
-    <p:notesMasterId r:id="rId10"/>
+    <p:notesMasterId r:id="rId12"/>
   </p:notesMasterIdLst>
   <p:sldIdLst>
     <p:sldId id="307" r:id="rId2"/>
     <p:sldId id="550" r:id="rId3"/>
     <p:sldId id="567" r:id="rId4"/>
-    <p:sldId id="575" r:id="rId5"/>
-    <p:sldId id="576" r:id="rId6"/>
-    <p:sldId id="573" r:id="rId7"/>
-    <p:sldId id="574" r:id="rId8"/>
-    <p:sldId id="572" r:id="rId9"/>
+    <p:sldId id="578" r:id="rId5"/>
+    <p:sldId id="575" r:id="rId6"/>
+    <p:sldId id="576" r:id="rId7"/>
+    <p:sldId id="577" r:id="rId8"/>
+    <p:sldId id="573" r:id="rId9"/>
+    <p:sldId id="574" r:id="rId10"/>
+    <p:sldId id="572" r:id="rId11"/>
   </p:sldIdLst>
   <p:sldSz cx="9906000" cy="6858000" type="A4"/>
   <p:notesSz cx="6858000" cy="9144000"/>
@@ -215,7 +217,7 @@
           <a:p>
             <a:fld id="{0D3CF89E-AD9B-43E2-94DA-9D1BFE518FB9}" type="datetimeFigureOut">
               <a:rPr lang="ko-KR" altLang="en-US" smtClean="0"/>
-              <a:t>2021-10-04</a:t>
+              <a:t>2021-10-05</a:t>
             </a:fld>
             <a:endParaRPr lang="ko-KR" altLang="en-US"/>
           </a:p>
@@ -556,7 +558,7 @@
     </p:spTree>
     <p:extLst>
       <p:ext uri="{BB962C8B-B14F-4D97-AF65-F5344CB8AC3E}">
-        <p14:creationId xmlns:p14="http://schemas.microsoft.com/office/powerpoint/2010/main" val="2494094376"/>
+        <p14:creationId xmlns:p14="http://schemas.microsoft.com/office/powerpoint/2010/main" val="4040972105"/>
       </p:ext>
     </p:extLst>
   </p:cSld>
@@ -640,7 +642,7 @@
     </p:spTree>
     <p:extLst>
       <p:ext uri="{BB962C8B-B14F-4D97-AF65-F5344CB8AC3E}">
-        <p14:creationId xmlns:p14="http://schemas.microsoft.com/office/powerpoint/2010/main" val="2702996802"/>
+        <p14:creationId xmlns:p14="http://schemas.microsoft.com/office/powerpoint/2010/main" val="2494094376"/>
       </p:ext>
     </p:extLst>
   </p:cSld>
@@ -715,7 +717,175 @@
           <a:p>
             <a:fld id="{10216FD0-1977-4CB3-8544-053E3342F689}" type="slidenum">
               <a:rPr lang="ko-KR" altLang="en-US" smtClean="0"/>
+              <a:t>6</a:t>
+            </a:fld>
+            <a:endParaRPr lang="ko-KR" altLang="en-US"/>
+          </a:p>
+        </p:txBody>
+      </p:sp>
+    </p:spTree>
+    <p:extLst>
+      <p:ext uri="{BB962C8B-B14F-4D97-AF65-F5344CB8AC3E}">
+        <p14:creationId xmlns:p14="http://schemas.microsoft.com/office/powerpoint/2010/main" val="2702996802"/>
+      </p:ext>
+    </p:extLst>
+  </p:cSld>
+  <p:clrMapOvr>
+    <a:masterClrMapping/>
+  </p:clrMapOvr>
+</p:notes>
+</file>
+
+<file path=ppt/notesSlides/notesSlide4.xml><?xml version="1.0" encoding="utf-8"?>
+<p:notes xmlns:a="http://schemas.openxmlformats.org/drawingml/2006/main" xmlns:r="http://schemas.openxmlformats.org/officeDocument/2006/relationships" xmlns:p="http://schemas.openxmlformats.org/presentationml/2006/main">
+  <p:cSld>
+    <p:spTree>
+      <p:nvGrpSpPr>
+        <p:cNvPr id="1" name=""/>
+        <p:cNvGrpSpPr/>
+        <p:nvPr/>
+      </p:nvGrpSpPr>
+      <p:grpSpPr>
+        <a:xfrm>
+          <a:off x="0" y="0"/>
+          <a:ext cx="0" cy="0"/>
+          <a:chOff x="0" y="0"/>
+          <a:chExt cx="0" cy="0"/>
+        </a:xfrm>
+      </p:grpSpPr>
+      <p:sp>
+        <p:nvSpPr>
+          <p:cNvPr id="2" name="슬라이드 이미지 개체 틀 1"/>
+          <p:cNvSpPr>
+            <a:spLocks noGrp="1" noRot="1" noChangeAspect="1"/>
+          </p:cNvSpPr>
+          <p:nvPr>
+            <p:ph type="sldImg"/>
+          </p:nvPr>
+        </p:nvSpPr>
+        <p:spPr/>
+      </p:sp>
+      <p:sp>
+        <p:nvSpPr>
+          <p:cNvPr id="3" name="슬라이드 노트 개체 틀 2"/>
+          <p:cNvSpPr>
+            <a:spLocks noGrp="1"/>
+          </p:cNvSpPr>
+          <p:nvPr>
+            <p:ph type="body" idx="1"/>
+          </p:nvPr>
+        </p:nvSpPr>
+        <p:spPr/>
+        <p:txBody>
+          <a:bodyPr/>
+          <a:lstStyle/>
+          <a:p>
+            <a:endParaRPr lang="ko-KR" altLang="en-US" dirty="0"/>
+          </a:p>
+        </p:txBody>
+      </p:sp>
+      <p:sp>
+        <p:nvSpPr>
+          <p:cNvPr id="4" name="슬라이드 번호 개체 틀 3"/>
+          <p:cNvSpPr>
+            <a:spLocks noGrp="1"/>
+          </p:cNvSpPr>
+          <p:nvPr>
+            <p:ph type="sldNum" sz="quarter" idx="5"/>
+          </p:nvPr>
+        </p:nvSpPr>
+        <p:spPr/>
+        <p:txBody>
+          <a:bodyPr/>
+          <a:lstStyle/>
+          <a:p>
+            <a:fld id="{10216FD0-1977-4CB3-8544-053E3342F689}" type="slidenum">
+              <a:rPr lang="ko-KR" altLang="en-US" smtClean="0"/>
               <a:t>7</a:t>
+            </a:fld>
+            <a:endParaRPr lang="ko-KR" altLang="en-US"/>
+          </a:p>
+        </p:txBody>
+      </p:sp>
+    </p:spTree>
+    <p:extLst>
+      <p:ext uri="{BB962C8B-B14F-4D97-AF65-F5344CB8AC3E}">
+        <p14:creationId xmlns:p14="http://schemas.microsoft.com/office/powerpoint/2010/main" val="1041619451"/>
+      </p:ext>
+    </p:extLst>
+  </p:cSld>
+  <p:clrMapOvr>
+    <a:masterClrMapping/>
+  </p:clrMapOvr>
+</p:notes>
+</file>
+
+<file path=ppt/notesSlides/notesSlide5.xml><?xml version="1.0" encoding="utf-8"?>
+<p:notes xmlns:a="http://schemas.openxmlformats.org/drawingml/2006/main" xmlns:r="http://schemas.openxmlformats.org/officeDocument/2006/relationships" xmlns:p="http://schemas.openxmlformats.org/presentationml/2006/main">
+  <p:cSld>
+    <p:spTree>
+      <p:nvGrpSpPr>
+        <p:cNvPr id="1" name=""/>
+        <p:cNvGrpSpPr/>
+        <p:nvPr/>
+      </p:nvGrpSpPr>
+      <p:grpSpPr>
+        <a:xfrm>
+          <a:off x="0" y="0"/>
+          <a:ext cx="0" cy="0"/>
+          <a:chOff x="0" y="0"/>
+          <a:chExt cx="0" cy="0"/>
+        </a:xfrm>
+      </p:grpSpPr>
+      <p:sp>
+        <p:nvSpPr>
+          <p:cNvPr id="2" name="슬라이드 이미지 개체 틀 1"/>
+          <p:cNvSpPr>
+            <a:spLocks noGrp="1" noRot="1" noChangeAspect="1"/>
+          </p:cNvSpPr>
+          <p:nvPr>
+            <p:ph type="sldImg"/>
+          </p:nvPr>
+        </p:nvSpPr>
+        <p:spPr/>
+      </p:sp>
+      <p:sp>
+        <p:nvSpPr>
+          <p:cNvPr id="3" name="슬라이드 노트 개체 틀 2"/>
+          <p:cNvSpPr>
+            <a:spLocks noGrp="1"/>
+          </p:cNvSpPr>
+          <p:nvPr>
+            <p:ph type="body" idx="1"/>
+          </p:nvPr>
+        </p:nvSpPr>
+        <p:spPr/>
+        <p:txBody>
+          <a:bodyPr/>
+          <a:lstStyle/>
+          <a:p>
+            <a:endParaRPr lang="ko-KR" altLang="en-US" dirty="0"/>
+          </a:p>
+        </p:txBody>
+      </p:sp>
+      <p:sp>
+        <p:nvSpPr>
+          <p:cNvPr id="4" name="슬라이드 번호 개체 틀 3"/>
+          <p:cNvSpPr>
+            <a:spLocks noGrp="1"/>
+          </p:cNvSpPr>
+          <p:nvPr>
+            <p:ph type="sldNum" sz="quarter" idx="5"/>
+          </p:nvPr>
+        </p:nvSpPr>
+        <p:spPr/>
+        <p:txBody>
+          <a:bodyPr/>
+          <a:lstStyle/>
+          <a:p>
+            <a:fld id="{10216FD0-1977-4CB3-8544-053E3342F689}" type="slidenum">
+              <a:rPr lang="ko-KR" altLang="en-US" smtClean="0"/>
+              <a:t>9</a:t>
             </a:fld>
             <a:endParaRPr lang="ko-KR" altLang="en-US"/>
           </a:p>
@@ -865,7 +1035,7 @@
           <a:p>
             <a:fld id="{557C58F8-F9D5-A14E-83EB-74B7DD907103}" type="datetimeFigureOut">
               <a:rPr kumimoji="1" lang="ko-KR" altLang="en-US" smtClean="0"/>
-              <a:t>2021-10-04</a:t>
+              <a:t>2021-10-05</a:t>
             </a:fld>
             <a:endParaRPr kumimoji="1" lang="ko-KR" altLang="en-US"/>
           </a:p>
@@ -1035,7 +1205,7 @@
           <a:p>
             <a:fld id="{557C58F8-F9D5-A14E-83EB-74B7DD907103}" type="datetimeFigureOut">
               <a:rPr kumimoji="1" lang="ko-KR" altLang="en-US" smtClean="0"/>
-              <a:t>2021-10-04</a:t>
+              <a:t>2021-10-05</a:t>
             </a:fld>
             <a:endParaRPr kumimoji="1" lang="ko-KR" altLang="en-US"/>
           </a:p>
@@ -1215,7 +1385,7 @@
           <a:p>
             <a:fld id="{557C58F8-F9D5-A14E-83EB-74B7DD907103}" type="datetimeFigureOut">
               <a:rPr kumimoji="1" lang="ko-KR" altLang="en-US" smtClean="0"/>
-              <a:t>2021-10-04</a:t>
+              <a:t>2021-10-05</a:t>
             </a:fld>
             <a:endParaRPr kumimoji="1" lang="ko-KR" altLang="en-US"/>
           </a:p>
@@ -1385,7 +1555,7 @@
           <a:p>
             <a:fld id="{557C58F8-F9D5-A14E-83EB-74B7DD907103}" type="datetimeFigureOut">
               <a:rPr kumimoji="1" lang="ko-KR" altLang="en-US" smtClean="0"/>
-              <a:t>2021-10-04</a:t>
+              <a:t>2021-10-05</a:t>
             </a:fld>
             <a:endParaRPr kumimoji="1" lang="ko-KR" altLang="en-US"/>
           </a:p>
@@ -1681,7 +1851,7 @@
           <a:p>
             <a:fld id="{557C58F8-F9D5-A14E-83EB-74B7DD907103}" type="datetimeFigureOut">
               <a:rPr kumimoji="1" lang="ko-KR" altLang="en-US" smtClean="0"/>
-              <a:t>2021-10-04</a:t>
+              <a:t>2021-10-05</a:t>
             </a:fld>
             <a:endParaRPr kumimoji="1" lang="ko-KR" altLang="en-US"/>
           </a:p>
@@ -1913,7 +2083,7 @@
           <a:p>
             <a:fld id="{557C58F8-F9D5-A14E-83EB-74B7DD907103}" type="datetimeFigureOut">
               <a:rPr kumimoji="1" lang="ko-KR" altLang="en-US" smtClean="0"/>
-              <a:t>2021-10-04</a:t>
+              <a:t>2021-10-05</a:t>
             </a:fld>
             <a:endParaRPr kumimoji="1" lang="ko-KR" altLang="en-US"/>
           </a:p>
@@ -2280,7 +2450,7 @@
           <a:p>
             <a:fld id="{557C58F8-F9D5-A14E-83EB-74B7DD907103}" type="datetimeFigureOut">
               <a:rPr kumimoji="1" lang="ko-KR" altLang="en-US" smtClean="0"/>
-              <a:t>2021-10-04</a:t>
+              <a:t>2021-10-05</a:t>
             </a:fld>
             <a:endParaRPr kumimoji="1" lang="ko-KR" altLang="en-US"/>
           </a:p>
@@ -2398,7 +2568,7 @@
           <a:p>
             <a:fld id="{557C58F8-F9D5-A14E-83EB-74B7DD907103}" type="datetimeFigureOut">
               <a:rPr kumimoji="1" lang="ko-KR" altLang="en-US" smtClean="0"/>
-              <a:t>2021-10-04</a:t>
+              <a:t>2021-10-05</a:t>
             </a:fld>
             <a:endParaRPr kumimoji="1" lang="ko-KR" altLang="en-US"/>
           </a:p>
@@ -2493,7 +2663,7 @@
           <a:p>
             <a:fld id="{557C58F8-F9D5-A14E-83EB-74B7DD907103}" type="datetimeFigureOut">
               <a:rPr kumimoji="1" lang="ko-KR" altLang="en-US" smtClean="0"/>
-              <a:t>2021-10-04</a:t>
+              <a:t>2021-10-05</a:t>
             </a:fld>
             <a:endParaRPr kumimoji="1" lang="ko-KR" altLang="en-US"/>
           </a:p>
@@ -2770,7 +2940,7 @@
           <a:p>
             <a:fld id="{557C58F8-F9D5-A14E-83EB-74B7DD907103}" type="datetimeFigureOut">
               <a:rPr kumimoji="1" lang="ko-KR" altLang="en-US" smtClean="0"/>
-              <a:t>2021-10-04</a:t>
+              <a:t>2021-10-05</a:t>
             </a:fld>
             <a:endParaRPr kumimoji="1" lang="ko-KR" altLang="en-US"/>
           </a:p>
@@ -3027,7 +3197,7 @@
           <a:p>
             <a:fld id="{557C58F8-F9D5-A14E-83EB-74B7DD907103}" type="datetimeFigureOut">
               <a:rPr kumimoji="1" lang="ko-KR" altLang="en-US" smtClean="0"/>
-              <a:t>2021-10-04</a:t>
+              <a:t>2021-10-05</a:t>
             </a:fld>
             <a:endParaRPr kumimoji="1" lang="ko-KR" altLang="en-US"/>
           </a:p>
@@ -3246,7 +3416,7 @@
           <a:p>
             <a:fld id="{557C58F8-F9D5-A14E-83EB-74B7DD907103}" type="datetimeFigureOut">
               <a:rPr kumimoji="1" lang="ko-KR" altLang="en-US" smtClean="0"/>
-              <a:t>2021-10-04</a:t>
+              <a:t>2021-10-05</a:t>
             </a:fld>
             <a:endParaRPr kumimoji="1" lang="ko-KR" altLang="en-US"/>
           </a:p>
@@ -4042,6 +4212,882 @@
     <p:extLst>
       <p:ext uri="{BB962C8B-B14F-4D97-AF65-F5344CB8AC3E}">
         <p14:creationId xmlns:p14="http://schemas.microsoft.com/office/powerpoint/2010/main" val="4239172810"/>
+      </p:ext>
+    </p:extLst>
+  </p:cSld>
+  <p:clrMapOvr>
+    <a:masterClrMapping/>
+  </p:clrMapOvr>
+</p:sld>
+</file>
+
+<file path=ppt/slides/slide10.xml><?xml version="1.0" encoding="utf-8"?>
+<p:sld xmlns:a="http://schemas.openxmlformats.org/drawingml/2006/main" xmlns:r="http://schemas.openxmlformats.org/officeDocument/2006/relationships" xmlns:p="http://schemas.openxmlformats.org/presentationml/2006/main">
+  <p:cSld>
+    <p:spTree>
+      <p:nvGrpSpPr>
+        <p:cNvPr id="1" name=""/>
+        <p:cNvGrpSpPr/>
+        <p:nvPr/>
+      </p:nvGrpSpPr>
+      <p:grpSpPr>
+        <a:xfrm>
+          <a:off x="0" y="0"/>
+          <a:ext cx="0" cy="0"/>
+          <a:chOff x="0" y="0"/>
+          <a:chExt cx="0" cy="0"/>
+        </a:xfrm>
+      </p:grpSpPr>
+      <p:sp>
+        <p:nvSpPr>
+          <p:cNvPr id="5" name="직사각형 4">
+            <a:extLst>
+              <a:ext uri="{FF2B5EF4-FFF2-40B4-BE49-F238E27FC236}">
+                <a16:creationId xmlns:a16="http://schemas.microsoft.com/office/drawing/2014/main" id="{2B3F9EF3-0CD7-BF45-A62B-CCE747692D8B}"/>
+              </a:ext>
+            </a:extLst>
+          </p:cNvPr>
+          <p:cNvSpPr/>
+          <p:nvPr/>
+        </p:nvSpPr>
+        <p:spPr>
+          <a:xfrm>
+            <a:off x="235570" y="218114"/>
+            <a:ext cx="9670430" cy="6426523"/>
+          </a:xfrm>
+          <a:prstGeom prst="rect">
+            <a:avLst/>
+          </a:prstGeom>
+          <a:solidFill>
+            <a:schemeClr val="bg1"/>
+          </a:solidFill>
+          <a:ln>
+            <a:noFill/>
+          </a:ln>
+        </p:spPr>
+        <p:style>
+          <a:lnRef idx="2">
+            <a:schemeClr val="accent1">
+              <a:shade val="50000"/>
+            </a:schemeClr>
+          </a:lnRef>
+          <a:fillRef idx="1">
+            <a:schemeClr val="accent1"/>
+          </a:fillRef>
+          <a:effectRef idx="0">
+            <a:schemeClr val="accent1"/>
+          </a:effectRef>
+          <a:fontRef idx="minor">
+            <a:schemeClr val="lt1"/>
+          </a:fontRef>
+        </p:style>
+        <p:txBody>
+          <a:bodyPr rtlCol="0" anchor="ctr"/>
+          <a:lstStyle/>
+          <a:p>
+            <a:pPr algn="ctr"/>
+            <a:endParaRPr kumimoji="1" lang="ko-KR" altLang="en-US" sz="1463"/>
+          </a:p>
+        </p:txBody>
+      </p:sp>
+      <p:sp>
+        <p:nvSpPr>
+          <p:cNvPr id="28" name="직사각형 27">
+            <a:extLst>
+              <a:ext uri="{FF2B5EF4-FFF2-40B4-BE49-F238E27FC236}">
+                <a16:creationId xmlns:a16="http://schemas.microsoft.com/office/drawing/2014/main" id="{7C10AF55-6BCB-45F8-9FE6-A70ABEEB5470}"/>
+              </a:ext>
+            </a:extLst>
+          </p:cNvPr>
+          <p:cNvSpPr/>
+          <p:nvPr/>
+        </p:nvSpPr>
+        <p:spPr>
+          <a:xfrm>
+            <a:off x="802827" y="2156251"/>
+            <a:ext cx="206103" cy="45719"/>
+          </a:xfrm>
+          <a:prstGeom prst="rect">
+            <a:avLst/>
+          </a:prstGeom>
+          <a:solidFill>
+            <a:schemeClr val="bg2">
+              <a:lumMod val="75000"/>
+            </a:schemeClr>
+          </a:solidFill>
+          <a:ln>
+            <a:noFill/>
+          </a:ln>
+        </p:spPr>
+        <p:style>
+          <a:lnRef idx="2">
+            <a:schemeClr val="accent1">
+              <a:shade val="50000"/>
+            </a:schemeClr>
+          </a:lnRef>
+          <a:fillRef idx="1">
+            <a:schemeClr val="accent1"/>
+          </a:fillRef>
+          <a:effectRef idx="0">
+            <a:schemeClr val="accent1"/>
+          </a:effectRef>
+          <a:fontRef idx="minor">
+            <a:schemeClr val="lt1"/>
+          </a:fontRef>
+        </p:style>
+        <p:txBody>
+          <a:bodyPr rtlCol="0" anchor="ctr"/>
+          <a:lstStyle/>
+          <a:p>
+            <a:pPr algn="ctr"/>
+            <a:endParaRPr kumimoji="1" lang="ko-KR" altLang="en-US" sz="1463"/>
+          </a:p>
+        </p:txBody>
+      </p:sp>
+      <p:sp>
+        <p:nvSpPr>
+          <p:cNvPr id="29" name="TextBox 28">
+            <a:extLst>
+              <a:ext uri="{FF2B5EF4-FFF2-40B4-BE49-F238E27FC236}">
+                <a16:creationId xmlns:a16="http://schemas.microsoft.com/office/drawing/2014/main" id="{67463258-7260-4739-B638-37F50559702E}"/>
+              </a:ext>
+            </a:extLst>
+          </p:cNvPr>
+          <p:cNvSpPr txBox="1"/>
+          <p:nvPr/>
+        </p:nvSpPr>
+        <p:spPr>
+          <a:xfrm>
+            <a:off x="1008930" y="2051123"/>
+            <a:ext cx="1819728" cy="261610"/>
+          </a:xfrm>
+          <a:prstGeom prst="rect">
+            <a:avLst/>
+          </a:prstGeom>
+          <a:noFill/>
+        </p:spPr>
+        <p:txBody>
+          <a:bodyPr wrap="square" rtlCol="0">
+            <a:spAutoFit/>
+          </a:bodyPr>
+          <a:lstStyle/>
+          <a:p>
+            <a:r>
+              <a:rPr kumimoji="1" lang="en-US" altLang="ko-KR" sz="1100" b="1" dirty="0">
+                <a:latin typeface="THEJung120" panose="02020603020101020101" pitchFamily="18" charset="-127"/>
+                <a:ea typeface="THEJung120" panose="02020603020101020101" pitchFamily="18" charset="-127"/>
+              </a:rPr>
+              <a:t>ACTIVITY</a:t>
+            </a:r>
+            <a:r>
+              <a:rPr kumimoji="1" lang="ko-KR" altLang="en-US" sz="1100" b="1" dirty="0">
+                <a:latin typeface="THEJung120" panose="02020603020101020101" pitchFamily="18" charset="-127"/>
+                <a:ea typeface="THEJung120" panose="02020603020101020101" pitchFamily="18" charset="-127"/>
+              </a:rPr>
+              <a:t> </a:t>
+            </a:r>
+            <a:r>
+              <a:rPr kumimoji="1" lang="en-US" altLang="ko-KR" sz="1100" b="1" dirty="0">
+                <a:latin typeface="THEJung120" panose="02020603020101020101" pitchFamily="18" charset="-127"/>
+                <a:ea typeface="THEJung120" panose="02020603020101020101" pitchFamily="18" charset="-127"/>
+              </a:rPr>
+              <a:t>&amp;</a:t>
+            </a:r>
+            <a:r>
+              <a:rPr kumimoji="1" lang="ko-KR" altLang="en-US" sz="1100" b="1" dirty="0">
+                <a:latin typeface="THEJung120" panose="02020603020101020101" pitchFamily="18" charset="-127"/>
+                <a:ea typeface="THEJung120" panose="02020603020101020101" pitchFamily="18" charset="-127"/>
+              </a:rPr>
+              <a:t> </a:t>
+            </a:r>
+            <a:r>
+              <a:rPr kumimoji="1" lang="en-US" altLang="ko-KR" sz="1100" b="1" dirty="0">
+                <a:latin typeface="THEJung120" panose="02020603020101020101" pitchFamily="18" charset="-127"/>
+                <a:ea typeface="THEJung120" panose="02020603020101020101" pitchFamily="18" charset="-127"/>
+              </a:rPr>
+              <a:t>AWARDS</a:t>
+            </a:r>
+            <a:endParaRPr kumimoji="1" lang="ko-KR" altLang="en-US" sz="1100" b="1" dirty="0">
+              <a:latin typeface="THEJung120" panose="02020603020101020101" pitchFamily="18" charset="-127"/>
+              <a:ea typeface="THEJung120" panose="02020603020101020101" pitchFamily="18" charset="-127"/>
+            </a:endParaRPr>
+          </a:p>
+        </p:txBody>
+      </p:sp>
+      <p:sp>
+        <p:nvSpPr>
+          <p:cNvPr id="36" name="TextBox 35">
+            <a:extLst>
+              <a:ext uri="{FF2B5EF4-FFF2-40B4-BE49-F238E27FC236}">
+                <a16:creationId xmlns:a16="http://schemas.microsoft.com/office/drawing/2014/main" id="{A15FCF10-2B62-4230-A75D-3C5F43E9A473}"/>
+              </a:ext>
+            </a:extLst>
+          </p:cNvPr>
+          <p:cNvSpPr txBox="1"/>
+          <p:nvPr/>
+        </p:nvSpPr>
+        <p:spPr>
+          <a:xfrm>
+            <a:off x="698862" y="2438801"/>
+            <a:ext cx="1313180" cy="246221"/>
+          </a:xfrm>
+          <a:prstGeom prst="rect">
+            <a:avLst/>
+          </a:prstGeom>
+          <a:noFill/>
+        </p:spPr>
+        <p:txBody>
+          <a:bodyPr wrap="none" rtlCol="0">
+            <a:spAutoFit/>
+          </a:bodyPr>
+          <a:lstStyle/>
+          <a:p>
+            <a:r>
+              <a:rPr kumimoji="1" lang="en-US" altLang="ko-KR" sz="1000" dirty="0">
+                <a:solidFill>
+                  <a:schemeClr val="tx1">
+                    <a:lumMod val="50000"/>
+                    <a:lumOff val="50000"/>
+                  </a:schemeClr>
+                </a:solidFill>
+                <a:latin typeface="THEJung120" panose="02020603020101020101" pitchFamily="18" charset="-127"/>
+                <a:ea typeface="THEJung120" panose="02020603020101020101" pitchFamily="18" charset="-127"/>
+              </a:rPr>
+              <a:t>2017.09 ~ 2017.12 </a:t>
+            </a:r>
+            <a:endParaRPr kumimoji="1" lang="ko-KR" altLang="en-US" sz="1000" dirty="0">
+              <a:solidFill>
+                <a:schemeClr val="tx1">
+                  <a:lumMod val="50000"/>
+                  <a:lumOff val="50000"/>
+                </a:schemeClr>
+              </a:solidFill>
+              <a:latin typeface="THEJung120" panose="02020603020101020101" pitchFamily="18" charset="-127"/>
+              <a:ea typeface="THEJung120" panose="02020603020101020101" pitchFamily="18" charset="-127"/>
+            </a:endParaRPr>
+          </a:p>
+        </p:txBody>
+      </p:sp>
+      <p:sp>
+        <p:nvSpPr>
+          <p:cNvPr id="62" name="TextBox 61">
+            <a:extLst>
+              <a:ext uri="{FF2B5EF4-FFF2-40B4-BE49-F238E27FC236}">
+                <a16:creationId xmlns:a16="http://schemas.microsoft.com/office/drawing/2014/main" id="{792A242E-0DA2-404E-BE42-16AD54BA6A00}"/>
+              </a:ext>
+            </a:extLst>
+          </p:cNvPr>
+          <p:cNvSpPr txBox="1"/>
+          <p:nvPr/>
+        </p:nvSpPr>
+        <p:spPr>
+          <a:xfrm>
+            <a:off x="698862" y="2772950"/>
+            <a:ext cx="1268296" cy="246221"/>
+          </a:xfrm>
+          <a:prstGeom prst="rect">
+            <a:avLst/>
+          </a:prstGeom>
+          <a:noFill/>
+        </p:spPr>
+        <p:txBody>
+          <a:bodyPr wrap="none" rtlCol="0">
+            <a:spAutoFit/>
+          </a:bodyPr>
+          <a:lstStyle/>
+          <a:p>
+            <a:r>
+              <a:rPr kumimoji="1" lang="en-US" altLang="ko-KR" sz="1000" dirty="0">
+                <a:solidFill>
+                  <a:schemeClr val="tx1">
+                    <a:lumMod val="50000"/>
+                    <a:lumOff val="50000"/>
+                  </a:schemeClr>
+                </a:solidFill>
+                <a:latin typeface="THEJung120" panose="02020603020101020101" pitchFamily="18" charset="-127"/>
+                <a:ea typeface="THEJung120" panose="02020603020101020101" pitchFamily="18" charset="-127"/>
+              </a:rPr>
+              <a:t>2019.03 ~ 2019.07</a:t>
+            </a:r>
+            <a:endParaRPr kumimoji="1" lang="ko-KR" altLang="en-US" sz="1000" dirty="0">
+              <a:solidFill>
+                <a:schemeClr val="tx1">
+                  <a:lumMod val="50000"/>
+                  <a:lumOff val="50000"/>
+                </a:schemeClr>
+              </a:solidFill>
+              <a:latin typeface="THEJung120" panose="02020603020101020101" pitchFamily="18" charset="-127"/>
+              <a:ea typeface="THEJung120" panose="02020603020101020101" pitchFamily="18" charset="-127"/>
+            </a:endParaRPr>
+          </a:p>
+        </p:txBody>
+      </p:sp>
+      <p:sp>
+        <p:nvSpPr>
+          <p:cNvPr id="76" name="직사각형 75">
+            <a:extLst>
+              <a:ext uri="{FF2B5EF4-FFF2-40B4-BE49-F238E27FC236}">
+                <a16:creationId xmlns:a16="http://schemas.microsoft.com/office/drawing/2014/main" id="{E385CB93-8168-44E2-9990-3760E46DB94F}"/>
+              </a:ext>
+            </a:extLst>
+          </p:cNvPr>
+          <p:cNvSpPr/>
+          <p:nvPr/>
+        </p:nvSpPr>
+        <p:spPr>
+          <a:xfrm>
+            <a:off x="5354413" y="2156251"/>
+            <a:ext cx="206103" cy="45719"/>
+          </a:xfrm>
+          <a:prstGeom prst="rect">
+            <a:avLst/>
+          </a:prstGeom>
+          <a:solidFill>
+            <a:schemeClr val="bg2">
+              <a:lumMod val="75000"/>
+            </a:schemeClr>
+          </a:solidFill>
+          <a:ln>
+            <a:noFill/>
+          </a:ln>
+        </p:spPr>
+        <p:style>
+          <a:lnRef idx="2">
+            <a:schemeClr val="accent1">
+              <a:shade val="50000"/>
+            </a:schemeClr>
+          </a:lnRef>
+          <a:fillRef idx="1">
+            <a:schemeClr val="accent1"/>
+          </a:fillRef>
+          <a:effectRef idx="0">
+            <a:schemeClr val="accent1"/>
+          </a:effectRef>
+          <a:fontRef idx="minor">
+            <a:schemeClr val="lt1"/>
+          </a:fontRef>
+        </p:style>
+        <p:txBody>
+          <a:bodyPr rtlCol="0" anchor="ctr"/>
+          <a:lstStyle/>
+          <a:p>
+            <a:pPr algn="ctr"/>
+            <a:endParaRPr kumimoji="1" lang="ko-KR" altLang="en-US" sz="1463"/>
+          </a:p>
+        </p:txBody>
+      </p:sp>
+      <p:sp>
+        <p:nvSpPr>
+          <p:cNvPr id="77" name="TextBox 76">
+            <a:extLst>
+              <a:ext uri="{FF2B5EF4-FFF2-40B4-BE49-F238E27FC236}">
+                <a16:creationId xmlns:a16="http://schemas.microsoft.com/office/drawing/2014/main" id="{649BC077-8B18-481A-9274-391108CD7B8C}"/>
+              </a:ext>
+            </a:extLst>
+          </p:cNvPr>
+          <p:cNvSpPr txBox="1"/>
+          <p:nvPr/>
+        </p:nvSpPr>
+        <p:spPr>
+          <a:xfrm>
+            <a:off x="5560516" y="2044447"/>
+            <a:ext cx="1615950" cy="261610"/>
+          </a:xfrm>
+          <a:prstGeom prst="rect">
+            <a:avLst/>
+          </a:prstGeom>
+          <a:noFill/>
+        </p:spPr>
+        <p:txBody>
+          <a:bodyPr wrap="square" rtlCol="0">
+            <a:spAutoFit/>
+          </a:bodyPr>
+          <a:lstStyle/>
+          <a:p>
+            <a:r>
+              <a:rPr kumimoji="1" lang="en-US" altLang="ko-KR" sz="1100" b="1" dirty="0">
+                <a:latin typeface="THEJung120" panose="02020603020101020101" pitchFamily="18" charset="-127"/>
+                <a:ea typeface="THEJung120" panose="02020603020101020101" pitchFamily="18" charset="-127"/>
+              </a:rPr>
+              <a:t>LICENSE</a:t>
+            </a:r>
+            <a:endParaRPr kumimoji="1" lang="ko-KR" altLang="en-US" sz="1000" b="1" dirty="0">
+              <a:latin typeface="THEJung120" panose="02020603020101020101" pitchFamily="18" charset="-127"/>
+              <a:ea typeface="THEJung120" panose="02020603020101020101" pitchFamily="18" charset="-127"/>
+            </a:endParaRPr>
+          </a:p>
+        </p:txBody>
+      </p:sp>
+      <p:sp>
+        <p:nvSpPr>
+          <p:cNvPr id="80" name="TextBox 79">
+            <a:extLst>
+              <a:ext uri="{FF2B5EF4-FFF2-40B4-BE49-F238E27FC236}">
+                <a16:creationId xmlns:a16="http://schemas.microsoft.com/office/drawing/2014/main" id="{EEF4D7F6-4493-4FFE-8B5A-EFC9CAE605D7}"/>
+              </a:ext>
+            </a:extLst>
+          </p:cNvPr>
+          <p:cNvSpPr txBox="1"/>
+          <p:nvPr/>
+        </p:nvSpPr>
+        <p:spPr>
+          <a:xfrm>
+            <a:off x="5275009" y="2413596"/>
+            <a:ext cx="806631" cy="246221"/>
+          </a:xfrm>
+          <a:prstGeom prst="rect">
+            <a:avLst/>
+          </a:prstGeom>
+          <a:noFill/>
+        </p:spPr>
+        <p:txBody>
+          <a:bodyPr wrap="none" rtlCol="0">
+            <a:spAutoFit/>
+          </a:bodyPr>
+          <a:lstStyle/>
+          <a:p>
+            <a:r>
+              <a:rPr kumimoji="1" lang="en-US" altLang="ko-KR" sz="1000" dirty="0">
+                <a:solidFill>
+                  <a:schemeClr val="tx1">
+                    <a:lumMod val="50000"/>
+                    <a:lumOff val="50000"/>
+                  </a:schemeClr>
+                </a:solidFill>
+                <a:latin typeface="THEJung120" panose="02020603020101020101" pitchFamily="18" charset="-127"/>
+                <a:ea typeface="THEJung120" panose="02020603020101020101" pitchFamily="18" charset="-127"/>
+              </a:rPr>
+              <a:t>2019.09.12</a:t>
+            </a:r>
+            <a:endParaRPr kumimoji="1" lang="ko-KR" altLang="en-US" sz="1000" dirty="0">
+              <a:solidFill>
+                <a:schemeClr val="tx1">
+                  <a:lumMod val="50000"/>
+                  <a:lumOff val="50000"/>
+                </a:schemeClr>
+              </a:solidFill>
+              <a:latin typeface="THEJung120" panose="02020603020101020101" pitchFamily="18" charset="-127"/>
+              <a:ea typeface="THEJung120" panose="02020603020101020101" pitchFamily="18" charset="-127"/>
+            </a:endParaRPr>
+          </a:p>
+        </p:txBody>
+      </p:sp>
+      <p:sp>
+        <p:nvSpPr>
+          <p:cNvPr id="81" name="TextBox 80">
+            <a:extLst>
+              <a:ext uri="{FF2B5EF4-FFF2-40B4-BE49-F238E27FC236}">
+                <a16:creationId xmlns:a16="http://schemas.microsoft.com/office/drawing/2014/main" id="{46996166-DEBF-4CEE-B324-A84490C016C9}"/>
+              </a:ext>
+            </a:extLst>
+          </p:cNvPr>
+          <p:cNvSpPr txBox="1"/>
+          <p:nvPr/>
+        </p:nvSpPr>
+        <p:spPr>
+          <a:xfrm>
+            <a:off x="6040710" y="2413596"/>
+            <a:ext cx="1702710" cy="246221"/>
+          </a:xfrm>
+          <a:prstGeom prst="rect">
+            <a:avLst/>
+          </a:prstGeom>
+          <a:noFill/>
+        </p:spPr>
+        <p:txBody>
+          <a:bodyPr wrap="none" rtlCol="0">
+            <a:spAutoFit/>
+          </a:bodyPr>
+          <a:lstStyle/>
+          <a:p>
+            <a:r>
+              <a:rPr kumimoji="1" lang="en-US" altLang="ko-KR" sz="1000" dirty="0" err="1">
+                <a:solidFill>
+                  <a:schemeClr val="tx1">
+                    <a:lumMod val="50000"/>
+                    <a:lumOff val="50000"/>
+                  </a:schemeClr>
+                </a:solidFill>
+                <a:latin typeface="THEJung120" panose="02020603020101020101" pitchFamily="18" charset="-127"/>
+                <a:ea typeface="THEJung120" panose="02020603020101020101" pitchFamily="18" charset="-127"/>
+              </a:rPr>
+              <a:t>OPIC</a:t>
+            </a:r>
+            <a:r>
+              <a:rPr kumimoji="1" lang="en-US" altLang="ko-KR" sz="1000" dirty="0">
+                <a:solidFill>
+                  <a:schemeClr val="tx1">
+                    <a:lumMod val="50000"/>
+                    <a:lumOff val="50000"/>
+                  </a:schemeClr>
+                </a:solidFill>
+                <a:latin typeface="THEJung120" panose="02020603020101020101" pitchFamily="18" charset="-127"/>
+                <a:ea typeface="THEJung120" panose="02020603020101020101" pitchFamily="18" charset="-127"/>
+              </a:rPr>
+              <a:t> – Advanced Low(AL)</a:t>
+            </a:r>
+            <a:endParaRPr kumimoji="1" lang="ko-KR" altLang="en-US" sz="1000" dirty="0">
+              <a:solidFill>
+                <a:schemeClr val="tx1">
+                  <a:lumMod val="50000"/>
+                  <a:lumOff val="50000"/>
+                </a:schemeClr>
+              </a:solidFill>
+              <a:latin typeface="THEJung120" panose="02020603020101020101" pitchFamily="18" charset="-127"/>
+              <a:ea typeface="THEJung120" panose="02020603020101020101" pitchFamily="18" charset="-127"/>
+            </a:endParaRPr>
+          </a:p>
+        </p:txBody>
+      </p:sp>
+      <p:grpSp>
+        <p:nvGrpSpPr>
+          <p:cNvPr id="26" name="그룹 25">
+            <a:extLst>
+              <a:ext uri="{FF2B5EF4-FFF2-40B4-BE49-F238E27FC236}">
+                <a16:creationId xmlns:a16="http://schemas.microsoft.com/office/drawing/2014/main" id="{3D324D16-FA20-4D17-AD34-3B4E3AF6C7B0}"/>
+              </a:ext>
+            </a:extLst>
+          </p:cNvPr>
+          <p:cNvGrpSpPr/>
+          <p:nvPr/>
+        </p:nvGrpSpPr>
+        <p:grpSpPr>
+          <a:xfrm>
+            <a:off x="351449" y="452819"/>
+            <a:ext cx="3530256" cy="657764"/>
+            <a:chOff x="351449" y="452819"/>
+            <a:chExt cx="3530256" cy="657764"/>
+          </a:xfrm>
+        </p:grpSpPr>
+        <p:sp>
+          <p:nvSpPr>
+            <p:cNvPr id="27" name="TextBox 26">
+              <a:extLst>
+                <a:ext uri="{FF2B5EF4-FFF2-40B4-BE49-F238E27FC236}">
+                  <a16:creationId xmlns:a16="http://schemas.microsoft.com/office/drawing/2014/main" id="{765BF1CD-60DD-4BAE-BD4C-D3A4966F3423}"/>
+                </a:ext>
+              </a:extLst>
+            </p:cNvPr>
+            <p:cNvSpPr txBox="1"/>
+            <p:nvPr/>
+          </p:nvSpPr>
+          <p:spPr>
+            <a:xfrm>
+              <a:off x="463182" y="864362"/>
+              <a:ext cx="1282277" cy="230832"/>
+            </a:xfrm>
+            <a:prstGeom prst="rect">
+              <a:avLst/>
+            </a:prstGeom>
+            <a:noFill/>
+          </p:spPr>
+          <p:txBody>
+            <a:bodyPr wrap="square" rtlCol="0">
+              <a:spAutoFit/>
+            </a:bodyPr>
+            <a:lstStyle/>
+            <a:p>
+              <a:r>
+                <a:rPr lang="ko-KR" altLang="en-US" sz="900" dirty="0">
+                  <a:solidFill>
+                    <a:schemeClr val="accent3">
+                      <a:lumMod val="75000"/>
+                    </a:schemeClr>
+                  </a:solidFill>
+                  <a:latin typeface="NanumBarunGothic" panose="020B0603020101020101" pitchFamily="34" charset="-127"/>
+                  <a:ea typeface="NanumBarunGothic" panose="020B0603020101020101" pitchFamily="34" charset="-127"/>
+                </a:rPr>
+                <a:t>인적사항</a:t>
+              </a:r>
+              <a:endParaRPr lang="ko-KR" altLang="en-US" sz="700" dirty="0">
+                <a:solidFill>
+                  <a:schemeClr val="accent3">
+                    <a:lumMod val="75000"/>
+                  </a:schemeClr>
+                </a:solidFill>
+                <a:latin typeface="NanumBarunGothic" panose="020B0603020101020101" pitchFamily="34" charset="-127"/>
+                <a:ea typeface="NanumBarunGothic" panose="020B0603020101020101" pitchFamily="34" charset="-127"/>
+              </a:endParaRPr>
+            </a:p>
+          </p:txBody>
+        </p:sp>
+        <p:sp>
+          <p:nvSpPr>
+            <p:cNvPr id="30" name="TextBox 29">
+              <a:extLst>
+                <a:ext uri="{FF2B5EF4-FFF2-40B4-BE49-F238E27FC236}">
+                  <a16:creationId xmlns:a16="http://schemas.microsoft.com/office/drawing/2014/main" id="{812C2522-980D-4EAF-A5F5-717911DEDE64}"/>
+                </a:ext>
+              </a:extLst>
+            </p:cNvPr>
+            <p:cNvSpPr txBox="1"/>
+            <p:nvPr/>
+          </p:nvSpPr>
+          <p:spPr>
+            <a:xfrm>
+              <a:off x="1164070" y="864362"/>
+              <a:ext cx="830163" cy="230832"/>
+            </a:xfrm>
+            <a:prstGeom prst="rect">
+              <a:avLst/>
+            </a:prstGeom>
+            <a:noFill/>
+          </p:spPr>
+          <p:txBody>
+            <a:bodyPr wrap="square" rtlCol="0">
+              <a:spAutoFit/>
+            </a:bodyPr>
+            <a:lstStyle/>
+            <a:p>
+              <a:r>
+                <a:rPr lang="ko-KR" altLang="en-US" sz="900" dirty="0">
+                  <a:solidFill>
+                    <a:schemeClr val="accent3">
+                      <a:lumMod val="75000"/>
+                    </a:schemeClr>
+                  </a:solidFill>
+                  <a:latin typeface="NanumBarunGothic" panose="020B0603020101020101" pitchFamily="34" charset="-127"/>
+                  <a:ea typeface="NanumBarunGothic" panose="020B0603020101020101" pitchFamily="34" charset="-127"/>
+                </a:rPr>
+                <a:t>이수 과목</a:t>
+              </a:r>
+            </a:p>
+          </p:txBody>
+        </p:sp>
+        <p:sp>
+          <p:nvSpPr>
+            <p:cNvPr id="31" name="TextBox 30">
+              <a:extLst>
+                <a:ext uri="{FF2B5EF4-FFF2-40B4-BE49-F238E27FC236}">
+                  <a16:creationId xmlns:a16="http://schemas.microsoft.com/office/drawing/2014/main" id="{5DC9E580-2EA0-45CF-B93D-8109673C28E4}"/>
+                </a:ext>
+              </a:extLst>
+            </p:cNvPr>
+            <p:cNvSpPr txBox="1"/>
+            <p:nvPr/>
+          </p:nvSpPr>
+          <p:spPr>
+            <a:xfrm>
+              <a:off x="1881749" y="861711"/>
+              <a:ext cx="1282277" cy="230832"/>
+            </a:xfrm>
+            <a:prstGeom prst="rect">
+              <a:avLst/>
+            </a:prstGeom>
+            <a:noFill/>
+          </p:spPr>
+          <p:txBody>
+            <a:bodyPr wrap="square" rtlCol="0">
+              <a:spAutoFit/>
+            </a:bodyPr>
+            <a:lstStyle/>
+            <a:p>
+              <a:r>
+                <a:rPr lang="en-US" altLang="ko-KR" sz="900" dirty="0">
+                  <a:solidFill>
+                    <a:schemeClr val="accent3">
+                      <a:lumMod val="75000"/>
+                    </a:schemeClr>
+                  </a:solidFill>
+                  <a:latin typeface="NanumBarunGothic" panose="020B0603020101020101" pitchFamily="34" charset="-127"/>
+                  <a:ea typeface="NanumBarunGothic" panose="020B0603020101020101" pitchFamily="34" charset="-127"/>
+                </a:rPr>
+                <a:t>PROJECTS</a:t>
+              </a:r>
+              <a:endParaRPr lang="ko-KR" altLang="en-US" sz="800" dirty="0">
+                <a:solidFill>
+                  <a:schemeClr val="accent3">
+                    <a:lumMod val="75000"/>
+                  </a:schemeClr>
+                </a:solidFill>
+                <a:latin typeface="NanumBarunGothic" panose="020B0603020101020101" pitchFamily="34" charset="-127"/>
+                <a:ea typeface="NanumBarunGothic" panose="020B0603020101020101" pitchFamily="34" charset="-127"/>
+              </a:endParaRPr>
+            </a:p>
+          </p:txBody>
+        </p:sp>
+        <p:sp>
+          <p:nvSpPr>
+            <p:cNvPr id="32" name="TextBox 31">
+              <a:extLst>
+                <a:ext uri="{FF2B5EF4-FFF2-40B4-BE49-F238E27FC236}">
+                  <a16:creationId xmlns:a16="http://schemas.microsoft.com/office/drawing/2014/main" id="{13BD290D-D487-40C4-BB79-4FFE305190F4}"/>
+                </a:ext>
+              </a:extLst>
+            </p:cNvPr>
+            <p:cNvSpPr txBox="1"/>
+            <p:nvPr/>
+          </p:nvSpPr>
+          <p:spPr>
+            <a:xfrm>
+              <a:off x="2612739" y="864362"/>
+              <a:ext cx="1268966" cy="246221"/>
+            </a:xfrm>
+            <a:prstGeom prst="rect">
+              <a:avLst/>
+            </a:prstGeom>
+            <a:noFill/>
+          </p:spPr>
+          <p:txBody>
+            <a:bodyPr wrap="square" rtlCol="0">
+              <a:spAutoFit/>
+            </a:bodyPr>
+            <a:lstStyle/>
+            <a:p>
+              <a:r>
+                <a:rPr lang="ko-KR" altLang="en-US" sz="1000" b="1" dirty="0">
+                  <a:latin typeface="NanumBarunGothic" panose="020B0603020101020101" pitchFamily="34" charset="-127"/>
+                  <a:ea typeface="NanumBarunGothic" panose="020B0603020101020101" pitchFamily="34" charset="-127"/>
+                </a:rPr>
+                <a:t>교내외활동</a:t>
+              </a:r>
+              <a:r>
+                <a:rPr lang="en-US" altLang="ko-KR" sz="1000" b="1" dirty="0">
+                  <a:latin typeface="NanumBarunGothic" panose="020B0603020101020101" pitchFamily="34" charset="-127"/>
+                  <a:ea typeface="NanumBarunGothic" panose="020B0603020101020101" pitchFamily="34" charset="-127"/>
+                </a:rPr>
+                <a:t>/</a:t>
+              </a:r>
+              <a:r>
+                <a:rPr lang="ko-KR" altLang="en-US" sz="1000" b="1" dirty="0">
+                  <a:latin typeface="NanumBarunGothic" panose="020B0603020101020101" pitchFamily="34" charset="-127"/>
+                  <a:ea typeface="NanumBarunGothic" panose="020B0603020101020101" pitchFamily="34" charset="-127"/>
+                </a:rPr>
+                <a:t>자격증</a:t>
+              </a:r>
+            </a:p>
+          </p:txBody>
+        </p:sp>
+        <p:sp>
+          <p:nvSpPr>
+            <p:cNvPr id="33" name="TextBox 32">
+              <a:extLst>
+                <a:ext uri="{FF2B5EF4-FFF2-40B4-BE49-F238E27FC236}">
+                  <a16:creationId xmlns:a16="http://schemas.microsoft.com/office/drawing/2014/main" id="{8EFF71DE-7CEC-430D-96D4-59FBA2BDF0B6}"/>
+                </a:ext>
+              </a:extLst>
+            </p:cNvPr>
+            <p:cNvSpPr txBox="1"/>
+            <p:nvPr/>
+          </p:nvSpPr>
+          <p:spPr>
+            <a:xfrm>
+              <a:off x="351449" y="452819"/>
+              <a:ext cx="2836739" cy="369332"/>
+            </a:xfrm>
+            <a:prstGeom prst="rect">
+              <a:avLst/>
+            </a:prstGeom>
+            <a:noFill/>
+          </p:spPr>
+          <p:txBody>
+            <a:bodyPr wrap="square" rtlCol="0">
+              <a:spAutoFit/>
+            </a:bodyPr>
+            <a:lstStyle/>
+            <a:p>
+              <a:r>
+                <a:rPr lang="en-US" altLang="ko-KR" sz="1000" b="1" dirty="0">
+                  <a:solidFill>
+                    <a:srgbClr val="EC8A62"/>
+                  </a:solidFill>
+                  <a:latin typeface="NanumBarunGothic" panose="020B0603020101020101" pitchFamily="34" charset="-127"/>
+                  <a:ea typeface="NanumBarunGothic" panose="020B0603020101020101" pitchFamily="34" charset="-127"/>
+                </a:rPr>
+                <a:t>  </a:t>
+              </a:r>
+              <a:r>
+                <a:rPr lang="en-US" altLang="ko-KR" b="1" dirty="0">
+                  <a:solidFill>
+                    <a:srgbClr val="EC8A62"/>
+                  </a:solidFill>
+                  <a:latin typeface="NanumBarunGothic" panose="020B0603020101020101" pitchFamily="34" charset="-127"/>
+                  <a:ea typeface="NanumBarunGothic" panose="020B0603020101020101" pitchFamily="34" charset="-127"/>
+                </a:rPr>
+                <a:t>[PORTFOLIO] </a:t>
+              </a:r>
+              <a:r>
+                <a:rPr lang="ko-KR" altLang="en-US" b="1" dirty="0">
+                  <a:solidFill>
+                    <a:srgbClr val="EC8A62"/>
+                  </a:solidFill>
+                  <a:latin typeface="NanumBarunGothic" panose="020B0603020101020101" pitchFamily="34" charset="-127"/>
+                  <a:ea typeface="NanumBarunGothic" panose="020B0603020101020101" pitchFamily="34" charset="-127"/>
+                </a:rPr>
+                <a:t>홍길동</a:t>
+              </a:r>
+              <a:endParaRPr lang="ko-KR" altLang="en-US" sz="1000" b="1" dirty="0">
+                <a:solidFill>
+                  <a:srgbClr val="EC8A62"/>
+                </a:solidFill>
+                <a:latin typeface="NanumBarunGothic" panose="020B0603020101020101" pitchFamily="34" charset="-127"/>
+                <a:ea typeface="NanumBarunGothic" panose="020B0603020101020101" pitchFamily="34" charset="-127"/>
+              </a:endParaRPr>
+            </a:p>
+          </p:txBody>
+        </p:sp>
+      </p:grpSp>
+      <p:sp>
+        <p:nvSpPr>
+          <p:cNvPr id="39" name="TextBox 38">
+            <a:extLst>
+              <a:ext uri="{FF2B5EF4-FFF2-40B4-BE49-F238E27FC236}">
+                <a16:creationId xmlns:a16="http://schemas.microsoft.com/office/drawing/2014/main" id="{6BB0614F-D9F9-4A54-ACF6-C1EA1280A3E8}"/>
+              </a:ext>
+            </a:extLst>
+          </p:cNvPr>
+          <p:cNvSpPr txBox="1"/>
+          <p:nvPr/>
+        </p:nvSpPr>
+        <p:spPr>
+          <a:xfrm>
+            <a:off x="2100081" y="2442885"/>
+            <a:ext cx="1085554" cy="246221"/>
+          </a:xfrm>
+          <a:prstGeom prst="rect">
+            <a:avLst/>
+          </a:prstGeom>
+          <a:noFill/>
+        </p:spPr>
+        <p:txBody>
+          <a:bodyPr wrap="none" rtlCol="0">
+            <a:spAutoFit/>
+          </a:bodyPr>
+          <a:lstStyle/>
+          <a:p>
+            <a:r>
+              <a:rPr kumimoji="1" lang="en-US" altLang="ko-KR" sz="1000" dirty="0">
+                <a:solidFill>
+                  <a:schemeClr val="tx1">
+                    <a:lumMod val="50000"/>
+                    <a:lumOff val="50000"/>
+                  </a:schemeClr>
+                </a:solidFill>
+                <a:latin typeface="THEJung120" panose="02020603020101020101" pitchFamily="18" charset="-127"/>
+                <a:ea typeface="THEJung120" panose="02020603020101020101" pitchFamily="18" charset="-127"/>
+              </a:rPr>
+              <a:t>OOO </a:t>
+            </a:r>
+            <a:r>
+              <a:rPr kumimoji="1" lang="ko-KR" altLang="en-US" sz="1000" dirty="0">
+                <a:solidFill>
+                  <a:schemeClr val="tx1">
+                    <a:lumMod val="50000"/>
+                    <a:lumOff val="50000"/>
+                  </a:schemeClr>
+                </a:solidFill>
+                <a:latin typeface="THEJung120" panose="02020603020101020101" pitchFamily="18" charset="-127"/>
+                <a:ea typeface="THEJung120" panose="02020603020101020101" pitchFamily="18" charset="-127"/>
+              </a:rPr>
+              <a:t>활동 참여</a:t>
+            </a:r>
+          </a:p>
+        </p:txBody>
+      </p:sp>
+    </p:spTree>
+    <p:extLst>
+      <p:ext uri="{BB962C8B-B14F-4D97-AF65-F5344CB8AC3E}">
+        <p14:creationId xmlns:p14="http://schemas.microsoft.com/office/powerpoint/2010/main" val="1806846976"/>
       </p:ext>
     </p:extLst>
   </p:cSld>
@@ -9580,6 +10626,1601 @@
                 <a:latin typeface="Arita-dotum(TTF) Medium" panose="02020603020101020101" pitchFamily="18" charset="-127"/>
                 <a:ea typeface="Arita-dotum(TTF) Medium" panose="02020603020101020101" pitchFamily="18" charset="-127"/>
               </a:rPr>
+              <a:t>Deep Learning Project – CCTV</a:t>
+            </a:r>
+            <a:r>
+              <a:rPr lang="ko-KR" altLang="en-US" sz="2000" b="1" dirty="0">
+                <a:latin typeface="Arita-dotum(TTF) Medium" panose="02020603020101020101" pitchFamily="18" charset="-127"/>
+                <a:ea typeface="Arita-dotum(TTF) Medium" panose="02020603020101020101" pitchFamily="18" charset="-127"/>
+              </a:rPr>
+              <a:t>를 기반으로 한 터널 내 사고감지</a:t>
+            </a:r>
+            <a:endParaRPr lang="en-US" altLang="ko-KR" sz="2000" b="1" dirty="0">
+              <a:latin typeface="Arita-dotum(TTF) Medium" panose="02020603020101020101" pitchFamily="18" charset="-127"/>
+              <a:ea typeface="Arita-dotum(TTF) Medium" panose="02020603020101020101" pitchFamily="18" charset="-127"/>
+            </a:endParaRPr>
+          </a:p>
+        </p:txBody>
+      </p:sp>
+      <p:cxnSp>
+        <p:nvCxnSpPr>
+          <p:cNvPr id="20" name="직선 연결선 19">
+            <a:extLst>
+              <a:ext uri="{FF2B5EF4-FFF2-40B4-BE49-F238E27FC236}">
+                <a16:creationId xmlns:a16="http://schemas.microsoft.com/office/drawing/2014/main" id="{97742B75-B8B9-487E-B3B8-E5FF3049E6A0}"/>
+              </a:ext>
+            </a:extLst>
+          </p:cNvPr>
+          <p:cNvCxnSpPr>
+            <a:cxnSpLocks/>
+          </p:cNvCxnSpPr>
+          <p:nvPr/>
+        </p:nvCxnSpPr>
+        <p:spPr>
+          <a:xfrm>
+            <a:off x="426551" y="1790947"/>
+            <a:ext cx="9092601" cy="0"/>
+          </a:xfrm>
+          <a:prstGeom prst="line">
+            <a:avLst/>
+          </a:prstGeom>
+          <a:ln>
+            <a:solidFill>
+              <a:schemeClr val="accent3">
+                <a:lumMod val="60000"/>
+                <a:lumOff val="40000"/>
+              </a:schemeClr>
+            </a:solidFill>
+          </a:ln>
+        </p:spPr>
+        <p:style>
+          <a:lnRef idx="1">
+            <a:schemeClr val="accent1"/>
+          </a:lnRef>
+          <a:fillRef idx="0">
+            <a:schemeClr val="accent1"/>
+          </a:fillRef>
+          <a:effectRef idx="0">
+            <a:schemeClr val="accent1"/>
+          </a:effectRef>
+          <a:fontRef idx="minor">
+            <a:schemeClr val="tx1"/>
+          </a:fontRef>
+        </p:style>
+      </p:cxnSp>
+      <p:grpSp>
+        <p:nvGrpSpPr>
+          <p:cNvPr id="23" name="그룹 22">
+            <a:extLst>
+              <a:ext uri="{FF2B5EF4-FFF2-40B4-BE49-F238E27FC236}">
+                <a16:creationId xmlns:a16="http://schemas.microsoft.com/office/drawing/2014/main" id="{4180F67F-0724-4D66-A68F-0E73F2425794}"/>
+              </a:ext>
+            </a:extLst>
+          </p:cNvPr>
+          <p:cNvGrpSpPr/>
+          <p:nvPr/>
+        </p:nvGrpSpPr>
+        <p:grpSpPr>
+          <a:xfrm>
+            <a:off x="6249801" y="2207710"/>
+            <a:ext cx="1641796" cy="585939"/>
+            <a:chOff x="6657264" y="2669246"/>
+            <a:chExt cx="1641796" cy="585939"/>
+          </a:xfrm>
+        </p:grpSpPr>
+        <p:sp>
+          <p:nvSpPr>
+            <p:cNvPr id="66" name="삼각형 45">
+              <a:extLst>
+                <a:ext uri="{FF2B5EF4-FFF2-40B4-BE49-F238E27FC236}">
+                  <a16:creationId xmlns:a16="http://schemas.microsoft.com/office/drawing/2014/main" id="{81BA3A99-2E6D-4C45-9040-29385300940B}"/>
+                </a:ext>
+              </a:extLst>
+            </p:cNvPr>
+            <p:cNvSpPr/>
+            <p:nvPr/>
+          </p:nvSpPr>
+          <p:spPr>
+            <a:xfrm rot="5400000">
+              <a:off x="6652273" y="2730796"/>
+              <a:ext cx="133104" cy="123122"/>
+            </a:xfrm>
+            <a:prstGeom prst="triangle">
+              <a:avLst/>
+            </a:prstGeom>
+            <a:solidFill>
+              <a:srgbClr val="F4BA5B"/>
+            </a:solidFill>
+            <a:ln>
+              <a:noFill/>
+            </a:ln>
+          </p:spPr>
+          <p:style>
+            <a:lnRef idx="2">
+              <a:schemeClr val="accent1">
+                <a:shade val="50000"/>
+              </a:schemeClr>
+            </a:lnRef>
+            <a:fillRef idx="1">
+              <a:schemeClr val="accent1"/>
+            </a:fillRef>
+            <a:effectRef idx="0">
+              <a:schemeClr val="accent1"/>
+            </a:effectRef>
+            <a:fontRef idx="minor">
+              <a:schemeClr val="lt1"/>
+            </a:fontRef>
+          </p:style>
+          <p:txBody>
+            <a:bodyPr rtlCol="0" anchor="ctr"/>
+            <a:lstStyle/>
+            <a:p>
+              <a:pPr algn="ctr"/>
+              <a:endParaRPr kumimoji="1" lang="ko-KR" altLang="en-US" sz="1463"/>
+            </a:p>
+          </p:txBody>
+        </p:sp>
+        <p:sp>
+          <p:nvSpPr>
+            <p:cNvPr id="67" name="TextBox 66">
+              <a:extLst>
+                <a:ext uri="{FF2B5EF4-FFF2-40B4-BE49-F238E27FC236}">
+                  <a16:creationId xmlns:a16="http://schemas.microsoft.com/office/drawing/2014/main" id="{FF7742DA-91A1-4A0F-BD46-EF234665869B}"/>
+                </a:ext>
+              </a:extLst>
+            </p:cNvPr>
+            <p:cNvSpPr txBox="1"/>
+            <p:nvPr/>
+          </p:nvSpPr>
+          <p:spPr>
+            <a:xfrm>
+              <a:off x="6812234" y="2669246"/>
+              <a:ext cx="1354009" cy="276999"/>
+            </a:xfrm>
+            <a:prstGeom prst="rect">
+              <a:avLst/>
+            </a:prstGeom>
+            <a:noFill/>
+          </p:spPr>
+          <p:txBody>
+            <a:bodyPr wrap="square" rtlCol="0">
+              <a:spAutoFit/>
+            </a:bodyPr>
+            <a:lstStyle/>
+            <a:p>
+              <a:r>
+                <a:rPr kumimoji="1" lang="ko-KR" altLang="en-US" sz="1200" b="1" dirty="0">
+                  <a:latin typeface="THEJung120" panose="02020603020101020101" pitchFamily="18" charset="-127"/>
+                  <a:ea typeface="THEJung120" panose="02020603020101020101" pitchFamily="18" charset="-127"/>
+                </a:rPr>
+                <a:t>진행 기간</a:t>
+              </a:r>
+            </a:p>
+          </p:txBody>
+        </p:sp>
+        <p:sp>
+          <p:nvSpPr>
+            <p:cNvPr id="68" name="TextBox 67">
+              <a:extLst>
+                <a:ext uri="{FF2B5EF4-FFF2-40B4-BE49-F238E27FC236}">
+                  <a16:creationId xmlns:a16="http://schemas.microsoft.com/office/drawing/2014/main" id="{2D945192-38BF-4D10-9B7B-47EF81C22699}"/>
+                </a:ext>
+              </a:extLst>
+            </p:cNvPr>
+            <p:cNvSpPr txBox="1"/>
+            <p:nvPr/>
+          </p:nvSpPr>
+          <p:spPr>
+            <a:xfrm>
+              <a:off x="6657264" y="3001269"/>
+              <a:ext cx="1641796" cy="253916"/>
+            </a:xfrm>
+            <a:prstGeom prst="rect">
+              <a:avLst/>
+            </a:prstGeom>
+            <a:noFill/>
+          </p:spPr>
+          <p:txBody>
+            <a:bodyPr wrap="none" rtlCol="0">
+              <a:spAutoFit/>
+            </a:bodyPr>
+            <a:lstStyle/>
+            <a:p>
+              <a:r>
+                <a:rPr kumimoji="1" lang="en-US" altLang="ko-KR" sz="1050" dirty="0">
+                  <a:solidFill>
+                    <a:schemeClr val="tx1">
+                      <a:lumMod val="50000"/>
+                      <a:lumOff val="50000"/>
+                    </a:schemeClr>
+                  </a:solidFill>
+                  <a:latin typeface="THEJung120" panose="02020603020101020101" pitchFamily="18" charset="-127"/>
+                  <a:ea typeface="THEJung120" panose="02020603020101020101" pitchFamily="18" charset="-127"/>
+                </a:rPr>
+                <a:t>2020.07 06~ 2020.08.14</a:t>
+              </a:r>
+              <a:endParaRPr kumimoji="1" lang="ko-KR" altLang="en-US" sz="1050" dirty="0">
+                <a:solidFill>
+                  <a:schemeClr val="tx1">
+                    <a:lumMod val="50000"/>
+                    <a:lumOff val="50000"/>
+                  </a:schemeClr>
+                </a:solidFill>
+                <a:latin typeface="THEJung120" panose="02020603020101020101" pitchFamily="18" charset="-127"/>
+                <a:ea typeface="THEJung120" panose="02020603020101020101" pitchFamily="18" charset="-127"/>
+              </a:endParaRPr>
+            </a:p>
+          </p:txBody>
+        </p:sp>
+      </p:grpSp>
+      <p:grpSp>
+        <p:nvGrpSpPr>
+          <p:cNvPr id="24" name="그룹 23">
+            <a:extLst>
+              <a:ext uri="{FF2B5EF4-FFF2-40B4-BE49-F238E27FC236}">
+                <a16:creationId xmlns:a16="http://schemas.microsoft.com/office/drawing/2014/main" id="{F8354CD0-4592-469D-AC1E-60C691B7767C}"/>
+              </a:ext>
+            </a:extLst>
+          </p:cNvPr>
+          <p:cNvGrpSpPr/>
+          <p:nvPr/>
+        </p:nvGrpSpPr>
+        <p:grpSpPr>
+          <a:xfrm>
+            <a:off x="6254124" y="3031139"/>
+            <a:ext cx="1976823" cy="1016004"/>
+            <a:chOff x="6657264" y="3368786"/>
+            <a:chExt cx="1976823" cy="1016004"/>
+          </a:xfrm>
+        </p:grpSpPr>
+        <p:sp>
+          <p:nvSpPr>
+            <p:cNvPr id="146" name="삼각형 45">
+              <a:extLst>
+                <a:ext uri="{FF2B5EF4-FFF2-40B4-BE49-F238E27FC236}">
+                  <a16:creationId xmlns:a16="http://schemas.microsoft.com/office/drawing/2014/main" id="{D4316302-52B8-4D2D-8955-7220CC5E1169}"/>
+                </a:ext>
+              </a:extLst>
+            </p:cNvPr>
+            <p:cNvSpPr/>
+            <p:nvPr/>
+          </p:nvSpPr>
+          <p:spPr>
+            <a:xfrm rot="5400000">
+              <a:off x="6652273" y="3430336"/>
+              <a:ext cx="133104" cy="123122"/>
+            </a:xfrm>
+            <a:prstGeom prst="triangle">
+              <a:avLst/>
+            </a:prstGeom>
+            <a:solidFill>
+              <a:srgbClr val="F4BA5B"/>
+            </a:solidFill>
+            <a:ln>
+              <a:noFill/>
+            </a:ln>
+          </p:spPr>
+          <p:style>
+            <a:lnRef idx="2">
+              <a:schemeClr val="accent1">
+                <a:shade val="50000"/>
+              </a:schemeClr>
+            </a:lnRef>
+            <a:fillRef idx="1">
+              <a:schemeClr val="accent1"/>
+            </a:fillRef>
+            <a:effectRef idx="0">
+              <a:schemeClr val="accent1"/>
+            </a:effectRef>
+            <a:fontRef idx="minor">
+              <a:schemeClr val="lt1"/>
+            </a:fontRef>
+          </p:style>
+          <p:txBody>
+            <a:bodyPr rtlCol="0" anchor="ctr"/>
+            <a:lstStyle/>
+            <a:p>
+              <a:pPr algn="ctr"/>
+              <a:endParaRPr kumimoji="1" lang="ko-KR" altLang="en-US" sz="1463"/>
+            </a:p>
+          </p:txBody>
+        </p:sp>
+        <p:sp>
+          <p:nvSpPr>
+            <p:cNvPr id="147" name="TextBox 146">
+              <a:extLst>
+                <a:ext uri="{FF2B5EF4-FFF2-40B4-BE49-F238E27FC236}">
+                  <a16:creationId xmlns:a16="http://schemas.microsoft.com/office/drawing/2014/main" id="{CB579934-064B-4677-90FE-D6A21BBA8A5C}"/>
+                </a:ext>
+              </a:extLst>
+            </p:cNvPr>
+            <p:cNvSpPr txBox="1"/>
+            <p:nvPr/>
+          </p:nvSpPr>
+          <p:spPr>
+            <a:xfrm>
+              <a:off x="6812234" y="3368786"/>
+              <a:ext cx="1354009" cy="276999"/>
+            </a:xfrm>
+            <a:prstGeom prst="rect">
+              <a:avLst/>
+            </a:prstGeom>
+            <a:noFill/>
+          </p:spPr>
+          <p:txBody>
+            <a:bodyPr wrap="square" rtlCol="0">
+              <a:spAutoFit/>
+            </a:bodyPr>
+            <a:lstStyle/>
+            <a:p>
+              <a:r>
+                <a:rPr kumimoji="1" lang="ko-KR" altLang="en-US" sz="1200" b="1" dirty="0">
+                  <a:latin typeface="THEJung120" panose="02020603020101020101" pitchFamily="18" charset="-127"/>
+                  <a:ea typeface="THEJung120" panose="02020603020101020101" pitchFamily="18" charset="-127"/>
+                </a:rPr>
+                <a:t>기능</a:t>
+              </a:r>
+            </a:p>
+          </p:txBody>
+        </p:sp>
+        <p:sp>
+          <p:nvSpPr>
+            <p:cNvPr id="148" name="TextBox 147">
+              <a:extLst>
+                <a:ext uri="{FF2B5EF4-FFF2-40B4-BE49-F238E27FC236}">
+                  <a16:creationId xmlns:a16="http://schemas.microsoft.com/office/drawing/2014/main" id="{4BF8215D-85B0-40E7-9A77-5F269FAE6158}"/>
+                </a:ext>
+              </a:extLst>
+            </p:cNvPr>
+            <p:cNvSpPr txBox="1"/>
+            <p:nvPr/>
+          </p:nvSpPr>
+          <p:spPr>
+            <a:xfrm>
+              <a:off x="6657264" y="3646126"/>
+              <a:ext cx="1976823" cy="738664"/>
+            </a:xfrm>
+            <a:prstGeom prst="rect">
+              <a:avLst/>
+            </a:prstGeom>
+            <a:noFill/>
+          </p:spPr>
+          <p:txBody>
+            <a:bodyPr wrap="none" rtlCol="0">
+              <a:spAutoFit/>
+            </a:bodyPr>
+            <a:lstStyle/>
+            <a:p>
+              <a:r>
+                <a:rPr kumimoji="1" lang="en-US" altLang="ko-KR" sz="1050" dirty="0">
+                  <a:solidFill>
+                    <a:schemeClr val="tx1">
+                      <a:lumMod val="50000"/>
+                      <a:lumOff val="50000"/>
+                    </a:schemeClr>
+                  </a:solidFill>
+                  <a:latin typeface="THEJung120" panose="02020603020101020101" pitchFamily="18" charset="-127"/>
+                  <a:ea typeface="THEJung120" panose="02020603020101020101" pitchFamily="18" charset="-127"/>
+                </a:rPr>
+                <a:t>VR </a:t>
+              </a:r>
+              <a:r>
+                <a:rPr kumimoji="1" lang="ko-KR" altLang="en-US" sz="1050" dirty="0">
+                  <a:solidFill>
+                    <a:schemeClr val="tx1">
+                      <a:lumMod val="50000"/>
+                      <a:lumOff val="50000"/>
+                    </a:schemeClr>
+                  </a:solidFill>
+                  <a:latin typeface="THEJung120" panose="02020603020101020101" pitchFamily="18" charset="-127"/>
+                  <a:ea typeface="THEJung120" panose="02020603020101020101" pitchFamily="18" charset="-127"/>
+                </a:rPr>
+                <a:t>컨트롤러 지게차 상호작용</a:t>
+              </a:r>
+              <a:endParaRPr kumimoji="1" lang="en-US" altLang="ko-KR" sz="1050" dirty="0">
+                <a:solidFill>
+                  <a:schemeClr val="tx1">
+                    <a:lumMod val="50000"/>
+                    <a:lumOff val="50000"/>
+                  </a:schemeClr>
+                </a:solidFill>
+                <a:latin typeface="THEJung120" panose="02020603020101020101" pitchFamily="18" charset="-127"/>
+                <a:ea typeface="THEJung120" panose="02020603020101020101" pitchFamily="18" charset="-127"/>
+              </a:endParaRPr>
+            </a:p>
+            <a:p>
+              <a:r>
+                <a:rPr kumimoji="1" lang="ko-KR" altLang="en-US" sz="1050" dirty="0">
+                  <a:solidFill>
+                    <a:schemeClr val="tx1">
+                      <a:lumMod val="50000"/>
+                      <a:lumOff val="50000"/>
+                    </a:schemeClr>
+                  </a:solidFill>
+                  <a:latin typeface="THEJung120" panose="02020603020101020101" pitchFamily="18" charset="-127"/>
+                  <a:ea typeface="THEJung120" panose="02020603020101020101" pitchFamily="18" charset="-127"/>
+                </a:rPr>
+                <a:t>규칙 위반 시 위반사유 표시</a:t>
+              </a:r>
+              <a:endParaRPr kumimoji="1" lang="en-US" altLang="ko-KR" sz="1050" dirty="0">
+                <a:solidFill>
+                  <a:schemeClr val="tx1">
+                    <a:lumMod val="50000"/>
+                    <a:lumOff val="50000"/>
+                  </a:schemeClr>
+                </a:solidFill>
+                <a:latin typeface="THEJung120" panose="02020603020101020101" pitchFamily="18" charset="-127"/>
+                <a:ea typeface="THEJung120" panose="02020603020101020101" pitchFamily="18" charset="-127"/>
+              </a:endParaRPr>
+            </a:p>
+            <a:p>
+              <a:r>
+                <a:rPr kumimoji="1" lang="ko-KR" altLang="en-US" sz="1050" dirty="0">
+                  <a:solidFill>
+                    <a:schemeClr val="tx1">
+                      <a:lumMod val="50000"/>
+                      <a:lumOff val="50000"/>
+                    </a:schemeClr>
+                  </a:solidFill>
+                  <a:latin typeface="THEJung120" panose="02020603020101020101" pitchFamily="18" charset="-127"/>
+                  <a:ea typeface="THEJung120" panose="02020603020101020101" pitchFamily="18" charset="-127"/>
+                </a:rPr>
+                <a:t>기능 시험 기반 규칙 적용</a:t>
+              </a:r>
+              <a:endParaRPr kumimoji="1" lang="en-US" altLang="ko-KR" sz="1050" dirty="0">
+                <a:solidFill>
+                  <a:schemeClr val="tx1">
+                    <a:lumMod val="50000"/>
+                    <a:lumOff val="50000"/>
+                  </a:schemeClr>
+                </a:solidFill>
+                <a:latin typeface="THEJung120" panose="02020603020101020101" pitchFamily="18" charset="-127"/>
+                <a:ea typeface="THEJung120" panose="02020603020101020101" pitchFamily="18" charset="-127"/>
+              </a:endParaRPr>
+            </a:p>
+            <a:p>
+              <a:r>
+                <a:rPr kumimoji="1" lang="ko-KR" altLang="en-US" sz="1050" dirty="0">
+                  <a:solidFill>
+                    <a:schemeClr val="tx1">
+                      <a:lumMod val="50000"/>
+                      <a:lumOff val="50000"/>
+                    </a:schemeClr>
+                  </a:solidFill>
+                  <a:latin typeface="THEJung120" panose="02020603020101020101" pitchFamily="18" charset="-127"/>
+                  <a:ea typeface="THEJung120" panose="02020603020101020101" pitchFamily="18" charset="-127"/>
+                </a:rPr>
+                <a:t>백미러 구현</a:t>
+              </a:r>
+              <a:endParaRPr kumimoji="1" lang="en-US" altLang="ko-KR" sz="1050" dirty="0">
+                <a:solidFill>
+                  <a:schemeClr val="tx1">
+                    <a:lumMod val="50000"/>
+                    <a:lumOff val="50000"/>
+                  </a:schemeClr>
+                </a:solidFill>
+                <a:latin typeface="THEJung120" panose="02020603020101020101" pitchFamily="18" charset="-127"/>
+                <a:ea typeface="THEJung120" panose="02020603020101020101" pitchFamily="18" charset="-127"/>
+              </a:endParaRPr>
+            </a:p>
+          </p:txBody>
+        </p:sp>
+      </p:grpSp>
+      <p:grpSp>
+        <p:nvGrpSpPr>
+          <p:cNvPr id="27" name="그룹 26">
+            <a:extLst>
+              <a:ext uri="{FF2B5EF4-FFF2-40B4-BE49-F238E27FC236}">
+                <a16:creationId xmlns:a16="http://schemas.microsoft.com/office/drawing/2014/main" id="{723DFFFF-8D2D-4283-972F-D56BB7E15D45}"/>
+              </a:ext>
+            </a:extLst>
+          </p:cNvPr>
+          <p:cNvGrpSpPr/>
+          <p:nvPr/>
+        </p:nvGrpSpPr>
+        <p:grpSpPr>
+          <a:xfrm>
+            <a:off x="351449" y="452819"/>
+            <a:ext cx="3455355" cy="642375"/>
+            <a:chOff x="351449" y="452819"/>
+            <a:chExt cx="3455355" cy="642375"/>
+          </a:xfrm>
+        </p:grpSpPr>
+        <p:sp>
+          <p:nvSpPr>
+            <p:cNvPr id="29" name="TextBox 28">
+              <a:extLst>
+                <a:ext uri="{FF2B5EF4-FFF2-40B4-BE49-F238E27FC236}">
+                  <a16:creationId xmlns:a16="http://schemas.microsoft.com/office/drawing/2014/main" id="{08B0DFB2-A94A-4FC2-B63B-4E888CF56106}"/>
+                </a:ext>
+              </a:extLst>
+            </p:cNvPr>
+            <p:cNvSpPr txBox="1"/>
+            <p:nvPr/>
+          </p:nvSpPr>
+          <p:spPr>
+            <a:xfrm>
+              <a:off x="463182" y="864362"/>
+              <a:ext cx="1282277" cy="230832"/>
+            </a:xfrm>
+            <a:prstGeom prst="rect">
+              <a:avLst/>
+            </a:prstGeom>
+            <a:noFill/>
+          </p:spPr>
+          <p:txBody>
+            <a:bodyPr wrap="square" rtlCol="0">
+              <a:spAutoFit/>
+            </a:bodyPr>
+            <a:lstStyle/>
+            <a:p>
+              <a:r>
+                <a:rPr lang="ko-KR" altLang="en-US" sz="900" dirty="0">
+                  <a:solidFill>
+                    <a:schemeClr val="accent3">
+                      <a:lumMod val="75000"/>
+                    </a:schemeClr>
+                  </a:solidFill>
+                  <a:latin typeface="NanumBarunGothic" panose="020B0603020101020101" pitchFamily="34" charset="-127"/>
+                  <a:ea typeface="NanumBarunGothic" panose="020B0603020101020101" pitchFamily="34" charset="-127"/>
+                </a:rPr>
+                <a:t>인적사항</a:t>
+              </a:r>
+              <a:endParaRPr lang="ko-KR" altLang="en-US" sz="700" dirty="0">
+                <a:solidFill>
+                  <a:schemeClr val="accent3">
+                    <a:lumMod val="75000"/>
+                  </a:schemeClr>
+                </a:solidFill>
+                <a:latin typeface="NanumBarunGothic" panose="020B0603020101020101" pitchFamily="34" charset="-127"/>
+                <a:ea typeface="NanumBarunGothic" panose="020B0603020101020101" pitchFamily="34" charset="-127"/>
+              </a:endParaRPr>
+            </a:p>
+          </p:txBody>
+        </p:sp>
+        <p:sp>
+          <p:nvSpPr>
+            <p:cNvPr id="30" name="TextBox 29">
+              <a:extLst>
+                <a:ext uri="{FF2B5EF4-FFF2-40B4-BE49-F238E27FC236}">
+                  <a16:creationId xmlns:a16="http://schemas.microsoft.com/office/drawing/2014/main" id="{2156B9E7-7D28-4192-9C5B-8D9FD35A790C}"/>
+                </a:ext>
+              </a:extLst>
+            </p:cNvPr>
+            <p:cNvSpPr txBox="1"/>
+            <p:nvPr/>
+          </p:nvSpPr>
+          <p:spPr>
+            <a:xfrm>
+              <a:off x="1164070" y="864362"/>
+              <a:ext cx="830163" cy="230832"/>
+            </a:xfrm>
+            <a:prstGeom prst="rect">
+              <a:avLst/>
+            </a:prstGeom>
+            <a:noFill/>
+          </p:spPr>
+          <p:txBody>
+            <a:bodyPr wrap="square" rtlCol="0">
+              <a:spAutoFit/>
+            </a:bodyPr>
+            <a:lstStyle/>
+            <a:p>
+              <a:r>
+                <a:rPr lang="ko-KR" altLang="en-US" sz="900" dirty="0">
+                  <a:solidFill>
+                    <a:schemeClr val="accent3">
+                      <a:lumMod val="75000"/>
+                    </a:schemeClr>
+                  </a:solidFill>
+                  <a:latin typeface="NanumBarunGothic" panose="020B0603020101020101" pitchFamily="34" charset="-127"/>
+                  <a:ea typeface="NanumBarunGothic" panose="020B0603020101020101" pitchFamily="34" charset="-127"/>
+                </a:rPr>
+                <a:t>이수 과목</a:t>
+              </a:r>
+            </a:p>
+          </p:txBody>
+        </p:sp>
+        <p:sp>
+          <p:nvSpPr>
+            <p:cNvPr id="31" name="TextBox 30">
+              <a:extLst>
+                <a:ext uri="{FF2B5EF4-FFF2-40B4-BE49-F238E27FC236}">
+                  <a16:creationId xmlns:a16="http://schemas.microsoft.com/office/drawing/2014/main" id="{C367887D-C509-407A-8051-E8DFFE71EB53}"/>
+                </a:ext>
+              </a:extLst>
+            </p:cNvPr>
+            <p:cNvSpPr txBox="1"/>
+            <p:nvPr/>
+          </p:nvSpPr>
+          <p:spPr>
+            <a:xfrm>
+              <a:off x="1881749" y="846723"/>
+              <a:ext cx="1282277" cy="246221"/>
+            </a:xfrm>
+            <a:prstGeom prst="rect">
+              <a:avLst/>
+            </a:prstGeom>
+            <a:noFill/>
+          </p:spPr>
+          <p:txBody>
+            <a:bodyPr wrap="square" rtlCol="0">
+              <a:spAutoFit/>
+            </a:bodyPr>
+            <a:lstStyle/>
+            <a:p>
+              <a:r>
+                <a:rPr lang="en-US" altLang="ko-KR" sz="1000" b="1" dirty="0">
+                  <a:latin typeface="NanumBarunGothic" panose="020B0603020101020101" pitchFamily="34" charset="-127"/>
+                  <a:ea typeface="NanumBarunGothic" panose="020B0603020101020101" pitchFamily="34" charset="-127"/>
+                </a:rPr>
+                <a:t>PROJECTS</a:t>
+              </a:r>
+              <a:endParaRPr lang="ko-KR" altLang="en-US" sz="900" b="1" dirty="0">
+                <a:latin typeface="NanumBarunGothic" panose="020B0603020101020101" pitchFamily="34" charset="-127"/>
+                <a:ea typeface="NanumBarunGothic" panose="020B0603020101020101" pitchFamily="34" charset="-127"/>
+              </a:endParaRPr>
+            </a:p>
+          </p:txBody>
+        </p:sp>
+        <p:sp>
+          <p:nvSpPr>
+            <p:cNvPr id="33" name="TextBox 32">
+              <a:extLst>
+                <a:ext uri="{FF2B5EF4-FFF2-40B4-BE49-F238E27FC236}">
+                  <a16:creationId xmlns:a16="http://schemas.microsoft.com/office/drawing/2014/main" id="{FC34CD92-D8EB-4DFD-9846-CB3C6A607BC9}"/>
+                </a:ext>
+              </a:extLst>
+            </p:cNvPr>
+            <p:cNvSpPr txBox="1"/>
+            <p:nvPr/>
+          </p:nvSpPr>
+          <p:spPr>
+            <a:xfrm>
+              <a:off x="2612739" y="864362"/>
+              <a:ext cx="1194065" cy="230832"/>
+            </a:xfrm>
+            <a:prstGeom prst="rect">
+              <a:avLst/>
+            </a:prstGeom>
+            <a:noFill/>
+          </p:spPr>
+          <p:txBody>
+            <a:bodyPr wrap="square" rtlCol="0">
+              <a:spAutoFit/>
+            </a:bodyPr>
+            <a:lstStyle/>
+            <a:p>
+              <a:r>
+                <a:rPr lang="ko-KR" altLang="en-US" sz="900" dirty="0">
+                  <a:solidFill>
+                    <a:schemeClr val="tx1">
+                      <a:lumMod val="50000"/>
+                      <a:lumOff val="50000"/>
+                    </a:schemeClr>
+                  </a:solidFill>
+                  <a:latin typeface="NanumBarunGothic" panose="020B0603020101020101" pitchFamily="34" charset="-127"/>
+                  <a:ea typeface="NanumBarunGothic" panose="020B0603020101020101" pitchFamily="34" charset="-127"/>
+                </a:rPr>
+                <a:t>교내외활동</a:t>
+              </a:r>
+              <a:r>
+                <a:rPr lang="en-US" altLang="ko-KR" sz="900" dirty="0">
+                  <a:solidFill>
+                    <a:schemeClr val="tx1">
+                      <a:lumMod val="50000"/>
+                      <a:lumOff val="50000"/>
+                    </a:schemeClr>
+                  </a:solidFill>
+                  <a:latin typeface="NanumBarunGothic" panose="020B0603020101020101" pitchFamily="34" charset="-127"/>
+                  <a:ea typeface="NanumBarunGothic" panose="020B0603020101020101" pitchFamily="34" charset="-127"/>
+                </a:rPr>
+                <a:t>/</a:t>
+              </a:r>
+              <a:r>
+                <a:rPr lang="ko-KR" altLang="en-US" sz="900" dirty="0">
+                  <a:solidFill>
+                    <a:schemeClr val="tx1">
+                      <a:lumMod val="50000"/>
+                      <a:lumOff val="50000"/>
+                    </a:schemeClr>
+                  </a:solidFill>
+                  <a:latin typeface="NanumBarunGothic" panose="020B0603020101020101" pitchFamily="34" charset="-127"/>
+                  <a:ea typeface="NanumBarunGothic" panose="020B0603020101020101" pitchFamily="34" charset="-127"/>
+                </a:rPr>
+                <a:t>자격증</a:t>
+              </a:r>
+            </a:p>
+          </p:txBody>
+        </p:sp>
+        <p:sp>
+          <p:nvSpPr>
+            <p:cNvPr id="34" name="TextBox 33">
+              <a:extLst>
+                <a:ext uri="{FF2B5EF4-FFF2-40B4-BE49-F238E27FC236}">
+                  <a16:creationId xmlns:a16="http://schemas.microsoft.com/office/drawing/2014/main" id="{BE726CB8-2F4E-46E7-9682-5727ED496137}"/>
+                </a:ext>
+              </a:extLst>
+            </p:cNvPr>
+            <p:cNvSpPr txBox="1"/>
+            <p:nvPr/>
+          </p:nvSpPr>
+          <p:spPr>
+            <a:xfrm>
+              <a:off x="351449" y="452819"/>
+              <a:ext cx="2836739" cy="369332"/>
+            </a:xfrm>
+            <a:prstGeom prst="rect">
+              <a:avLst/>
+            </a:prstGeom>
+            <a:noFill/>
+          </p:spPr>
+          <p:txBody>
+            <a:bodyPr wrap="square" rtlCol="0">
+              <a:spAutoFit/>
+            </a:bodyPr>
+            <a:lstStyle/>
+            <a:p>
+              <a:r>
+                <a:rPr lang="en-US" altLang="ko-KR" sz="1000" b="1" dirty="0">
+                  <a:solidFill>
+                    <a:srgbClr val="EC8A62"/>
+                  </a:solidFill>
+                  <a:latin typeface="NanumBarunGothic" panose="020B0603020101020101" pitchFamily="34" charset="-127"/>
+                  <a:ea typeface="NanumBarunGothic" panose="020B0603020101020101" pitchFamily="34" charset="-127"/>
+                </a:rPr>
+                <a:t>  </a:t>
+              </a:r>
+              <a:r>
+                <a:rPr lang="en-US" altLang="ko-KR" b="1" dirty="0">
+                  <a:solidFill>
+                    <a:srgbClr val="EC8A62"/>
+                  </a:solidFill>
+                  <a:latin typeface="NanumBarunGothic" panose="020B0603020101020101" pitchFamily="34" charset="-127"/>
+                  <a:ea typeface="NanumBarunGothic" panose="020B0603020101020101" pitchFamily="34" charset="-127"/>
+                </a:rPr>
+                <a:t>[PORTFOLIO] </a:t>
+              </a:r>
+              <a:r>
+                <a:rPr lang="ko-KR" altLang="en-US" b="1" dirty="0">
+                  <a:solidFill>
+                    <a:srgbClr val="EC8A62"/>
+                  </a:solidFill>
+                  <a:latin typeface="NanumBarunGothic" panose="020B0603020101020101" pitchFamily="34" charset="-127"/>
+                  <a:ea typeface="NanumBarunGothic" panose="020B0603020101020101" pitchFamily="34" charset="-127"/>
+                </a:rPr>
+                <a:t>이승엽</a:t>
+              </a:r>
+              <a:endParaRPr lang="ko-KR" altLang="en-US" sz="1000" b="1" dirty="0">
+                <a:solidFill>
+                  <a:srgbClr val="EC8A62"/>
+                </a:solidFill>
+                <a:latin typeface="NanumBarunGothic" panose="020B0603020101020101" pitchFamily="34" charset="-127"/>
+                <a:ea typeface="NanumBarunGothic" panose="020B0603020101020101" pitchFamily="34" charset="-127"/>
+              </a:endParaRPr>
+            </a:p>
+          </p:txBody>
+        </p:sp>
+      </p:grpSp>
+      <p:grpSp>
+        <p:nvGrpSpPr>
+          <p:cNvPr id="44" name="그룹 43">
+            <a:extLst>
+              <a:ext uri="{FF2B5EF4-FFF2-40B4-BE49-F238E27FC236}">
+                <a16:creationId xmlns:a16="http://schemas.microsoft.com/office/drawing/2014/main" id="{A87E8E9E-58EE-4413-A78D-D2CBCCA25C8C}"/>
+              </a:ext>
+            </a:extLst>
+          </p:cNvPr>
+          <p:cNvGrpSpPr/>
+          <p:nvPr/>
+        </p:nvGrpSpPr>
+        <p:grpSpPr>
+          <a:xfrm>
+            <a:off x="6249801" y="4150130"/>
+            <a:ext cx="3266000" cy="1070687"/>
+            <a:chOff x="6657264" y="2669246"/>
+            <a:chExt cx="3266000" cy="1070687"/>
+          </a:xfrm>
+        </p:grpSpPr>
+        <p:sp>
+          <p:nvSpPr>
+            <p:cNvPr id="45" name="삼각형 45">
+              <a:extLst>
+                <a:ext uri="{FF2B5EF4-FFF2-40B4-BE49-F238E27FC236}">
+                  <a16:creationId xmlns:a16="http://schemas.microsoft.com/office/drawing/2014/main" id="{FEF2F2D1-8E9E-413E-8037-4D38173513DC}"/>
+                </a:ext>
+              </a:extLst>
+            </p:cNvPr>
+            <p:cNvSpPr/>
+            <p:nvPr/>
+          </p:nvSpPr>
+          <p:spPr>
+            <a:xfrm rot="5400000">
+              <a:off x="6652273" y="2730796"/>
+              <a:ext cx="133104" cy="123122"/>
+            </a:xfrm>
+            <a:prstGeom prst="triangle">
+              <a:avLst/>
+            </a:prstGeom>
+            <a:solidFill>
+              <a:srgbClr val="F4BA5B"/>
+            </a:solidFill>
+            <a:ln>
+              <a:noFill/>
+            </a:ln>
+          </p:spPr>
+          <p:style>
+            <a:lnRef idx="2">
+              <a:schemeClr val="accent1">
+                <a:shade val="50000"/>
+              </a:schemeClr>
+            </a:lnRef>
+            <a:fillRef idx="1">
+              <a:schemeClr val="accent1"/>
+            </a:fillRef>
+            <a:effectRef idx="0">
+              <a:schemeClr val="accent1"/>
+            </a:effectRef>
+            <a:fontRef idx="minor">
+              <a:schemeClr val="lt1"/>
+            </a:fontRef>
+          </p:style>
+          <p:txBody>
+            <a:bodyPr rtlCol="0" anchor="ctr"/>
+            <a:lstStyle/>
+            <a:p>
+              <a:pPr algn="ctr"/>
+              <a:endParaRPr kumimoji="1" lang="ko-KR" altLang="en-US" sz="1463"/>
+            </a:p>
+          </p:txBody>
+        </p:sp>
+        <p:sp>
+          <p:nvSpPr>
+            <p:cNvPr id="46" name="TextBox 45">
+              <a:extLst>
+                <a:ext uri="{FF2B5EF4-FFF2-40B4-BE49-F238E27FC236}">
+                  <a16:creationId xmlns:a16="http://schemas.microsoft.com/office/drawing/2014/main" id="{6CCEE92C-7DE7-4740-AC2C-36AD465730CC}"/>
+                </a:ext>
+              </a:extLst>
+            </p:cNvPr>
+            <p:cNvSpPr txBox="1"/>
+            <p:nvPr/>
+          </p:nvSpPr>
+          <p:spPr>
+            <a:xfrm>
+              <a:off x="6812234" y="2669246"/>
+              <a:ext cx="1354009" cy="276999"/>
+            </a:xfrm>
+            <a:prstGeom prst="rect">
+              <a:avLst/>
+            </a:prstGeom>
+            <a:noFill/>
+          </p:spPr>
+          <p:txBody>
+            <a:bodyPr wrap="square" rtlCol="0">
+              <a:spAutoFit/>
+            </a:bodyPr>
+            <a:lstStyle/>
+            <a:p>
+              <a:r>
+                <a:rPr kumimoji="1" lang="ko-KR" altLang="en-US" sz="1200" b="1" dirty="0">
+                  <a:latin typeface="THEJung120" panose="02020603020101020101" pitchFamily="18" charset="-127"/>
+                  <a:ea typeface="THEJung120" panose="02020603020101020101" pitchFamily="18" charset="-127"/>
+                </a:rPr>
+                <a:t>프로젝트 설명</a:t>
+              </a:r>
+            </a:p>
+          </p:txBody>
+        </p:sp>
+        <p:sp>
+          <p:nvSpPr>
+            <p:cNvPr id="47" name="TextBox 46">
+              <a:extLst>
+                <a:ext uri="{FF2B5EF4-FFF2-40B4-BE49-F238E27FC236}">
+                  <a16:creationId xmlns:a16="http://schemas.microsoft.com/office/drawing/2014/main" id="{7B285D69-70FD-43E4-8059-8346E4F180C4}"/>
+                </a:ext>
+              </a:extLst>
+            </p:cNvPr>
+            <p:cNvSpPr txBox="1"/>
+            <p:nvPr/>
+          </p:nvSpPr>
+          <p:spPr>
+            <a:xfrm>
+              <a:off x="6657264" y="3001269"/>
+              <a:ext cx="3266000" cy="738664"/>
+            </a:xfrm>
+            <a:prstGeom prst="rect">
+              <a:avLst/>
+            </a:prstGeom>
+            <a:noFill/>
+          </p:spPr>
+          <p:txBody>
+            <a:bodyPr wrap="square" rtlCol="0">
+              <a:spAutoFit/>
+            </a:bodyPr>
+            <a:lstStyle/>
+            <a:p>
+              <a:pPr eaLnBrk="0" hangingPunct="0"/>
+              <a:r>
+                <a:rPr kumimoji="1" lang="en-US" altLang="ko-KR" sz="1050" dirty="0">
+                  <a:solidFill>
+                    <a:schemeClr val="tx1">
+                      <a:lumMod val="50000"/>
+                      <a:lumOff val="50000"/>
+                    </a:schemeClr>
+                  </a:solidFill>
+                  <a:latin typeface="THEJung120" panose="02020603020101020101" pitchFamily="18" charset="-127"/>
+                  <a:ea typeface="THEJung120" panose="02020603020101020101" pitchFamily="18" charset="-127"/>
+                </a:rPr>
+                <a:t>Unity</a:t>
+              </a:r>
+              <a:r>
+                <a:rPr kumimoji="1" lang="ko-KR" altLang="en-US" sz="1050" dirty="0">
+                  <a:solidFill>
+                    <a:schemeClr val="tx1">
+                      <a:lumMod val="50000"/>
+                      <a:lumOff val="50000"/>
+                    </a:schemeClr>
+                  </a:solidFill>
+                  <a:latin typeface="THEJung120" panose="02020603020101020101" pitchFamily="18" charset="-127"/>
+                  <a:ea typeface="THEJung120" panose="02020603020101020101" pitchFamily="18" charset="-127"/>
+                </a:rPr>
+                <a:t>를 통해 개발된 </a:t>
+              </a:r>
+              <a:r>
+                <a:rPr kumimoji="1" lang="en-US" altLang="ko-KR" sz="1050" dirty="0">
+                  <a:solidFill>
+                    <a:schemeClr val="tx1">
+                      <a:lumMod val="50000"/>
+                      <a:lumOff val="50000"/>
+                    </a:schemeClr>
+                  </a:solidFill>
+                  <a:latin typeface="THEJung120" panose="02020603020101020101" pitchFamily="18" charset="-127"/>
+                  <a:ea typeface="THEJung120" panose="02020603020101020101" pitchFamily="18" charset="-127"/>
+                </a:rPr>
+                <a:t>VR</a:t>
+              </a:r>
+              <a:r>
+                <a:rPr kumimoji="1" lang="ko-KR" altLang="en-US" sz="1050" dirty="0">
+                  <a:solidFill>
+                    <a:schemeClr val="tx1">
+                      <a:lumMod val="50000"/>
+                      <a:lumOff val="50000"/>
+                    </a:schemeClr>
+                  </a:solidFill>
+                  <a:latin typeface="THEJung120" panose="02020603020101020101" pitchFamily="18" charset="-127"/>
+                  <a:ea typeface="THEJung120" panose="02020603020101020101" pitchFamily="18" charset="-127"/>
+                </a:rPr>
+                <a:t>기반 지게차 시뮬레이터 프로그램으로 실제 지게차 운전 기능사와 동일한 맵 구성</a:t>
+              </a:r>
+              <a:r>
+                <a:rPr kumimoji="1" lang="en-US" altLang="ko-KR" sz="1050" dirty="0">
+                  <a:solidFill>
+                    <a:schemeClr val="tx1">
+                      <a:lumMod val="50000"/>
+                      <a:lumOff val="50000"/>
+                    </a:schemeClr>
+                  </a:solidFill>
+                  <a:latin typeface="THEJung120" panose="02020603020101020101" pitchFamily="18" charset="-127"/>
+                  <a:ea typeface="THEJung120" panose="02020603020101020101" pitchFamily="18" charset="-127"/>
+                </a:rPr>
+                <a:t>, </a:t>
+              </a:r>
+              <a:r>
+                <a:rPr kumimoji="1" lang="ko-KR" altLang="en-US" sz="1050" dirty="0">
+                  <a:solidFill>
+                    <a:schemeClr val="tx1">
+                      <a:lumMod val="50000"/>
+                      <a:lumOff val="50000"/>
+                    </a:schemeClr>
+                  </a:solidFill>
+                  <a:latin typeface="THEJung120" panose="02020603020101020101" pitchFamily="18" charset="-127"/>
+                  <a:ea typeface="THEJung120" panose="02020603020101020101" pitchFamily="18" charset="-127"/>
+                </a:rPr>
+                <a:t>기능 구현들을 통해 사용자의 지게차 기능 이해를 돕는 프로그램이다</a:t>
+              </a:r>
+              <a:r>
+                <a:rPr kumimoji="1" lang="en-US" altLang="ko-KR" sz="1050" dirty="0">
+                  <a:solidFill>
+                    <a:schemeClr val="tx1">
+                      <a:lumMod val="50000"/>
+                      <a:lumOff val="50000"/>
+                    </a:schemeClr>
+                  </a:solidFill>
+                  <a:latin typeface="THEJung120" panose="02020603020101020101" pitchFamily="18" charset="-127"/>
+                  <a:ea typeface="THEJung120" panose="02020603020101020101" pitchFamily="18" charset="-127"/>
+                </a:rPr>
+                <a:t>.</a:t>
+              </a:r>
+            </a:p>
+          </p:txBody>
+        </p:sp>
+      </p:grpSp>
+      <p:grpSp>
+        <p:nvGrpSpPr>
+          <p:cNvPr id="54" name="그룹 53">
+            <a:extLst>
+              <a:ext uri="{FF2B5EF4-FFF2-40B4-BE49-F238E27FC236}">
+                <a16:creationId xmlns:a16="http://schemas.microsoft.com/office/drawing/2014/main" id="{AA1A521A-A55B-423C-BDFC-095FEA984DDB}"/>
+              </a:ext>
+            </a:extLst>
+          </p:cNvPr>
+          <p:cNvGrpSpPr/>
+          <p:nvPr/>
+        </p:nvGrpSpPr>
+        <p:grpSpPr>
+          <a:xfrm>
+            <a:off x="8164382" y="2191057"/>
+            <a:ext cx="1508979" cy="585939"/>
+            <a:chOff x="6657264" y="2669246"/>
+            <a:chExt cx="1508979" cy="585939"/>
+          </a:xfrm>
+        </p:grpSpPr>
+        <p:sp>
+          <p:nvSpPr>
+            <p:cNvPr id="55" name="삼각형 45">
+              <a:extLst>
+                <a:ext uri="{FF2B5EF4-FFF2-40B4-BE49-F238E27FC236}">
+                  <a16:creationId xmlns:a16="http://schemas.microsoft.com/office/drawing/2014/main" id="{316E335C-4377-4551-A3FF-F538F5DBA443}"/>
+                </a:ext>
+              </a:extLst>
+            </p:cNvPr>
+            <p:cNvSpPr/>
+            <p:nvPr/>
+          </p:nvSpPr>
+          <p:spPr>
+            <a:xfrm rot="5400000">
+              <a:off x="6652273" y="2730796"/>
+              <a:ext cx="133104" cy="123122"/>
+            </a:xfrm>
+            <a:prstGeom prst="triangle">
+              <a:avLst/>
+            </a:prstGeom>
+            <a:solidFill>
+              <a:srgbClr val="F4BA5B"/>
+            </a:solidFill>
+            <a:ln>
+              <a:noFill/>
+            </a:ln>
+          </p:spPr>
+          <p:style>
+            <a:lnRef idx="2">
+              <a:schemeClr val="accent1">
+                <a:shade val="50000"/>
+              </a:schemeClr>
+            </a:lnRef>
+            <a:fillRef idx="1">
+              <a:schemeClr val="accent1"/>
+            </a:fillRef>
+            <a:effectRef idx="0">
+              <a:schemeClr val="accent1"/>
+            </a:effectRef>
+            <a:fontRef idx="minor">
+              <a:schemeClr val="lt1"/>
+            </a:fontRef>
+          </p:style>
+          <p:txBody>
+            <a:bodyPr rtlCol="0" anchor="ctr"/>
+            <a:lstStyle/>
+            <a:p>
+              <a:pPr algn="ctr"/>
+              <a:endParaRPr kumimoji="1" lang="ko-KR" altLang="en-US" sz="1463"/>
+            </a:p>
+          </p:txBody>
+        </p:sp>
+        <p:sp>
+          <p:nvSpPr>
+            <p:cNvPr id="56" name="TextBox 55">
+              <a:extLst>
+                <a:ext uri="{FF2B5EF4-FFF2-40B4-BE49-F238E27FC236}">
+                  <a16:creationId xmlns:a16="http://schemas.microsoft.com/office/drawing/2014/main" id="{1AFA309F-BC4E-4DFD-9F4A-A4E87E99556F}"/>
+                </a:ext>
+              </a:extLst>
+            </p:cNvPr>
+            <p:cNvSpPr txBox="1"/>
+            <p:nvPr/>
+          </p:nvSpPr>
+          <p:spPr>
+            <a:xfrm>
+              <a:off x="6812234" y="2669246"/>
+              <a:ext cx="1354009" cy="276999"/>
+            </a:xfrm>
+            <a:prstGeom prst="rect">
+              <a:avLst/>
+            </a:prstGeom>
+            <a:noFill/>
+          </p:spPr>
+          <p:txBody>
+            <a:bodyPr wrap="square" rtlCol="0">
+              <a:spAutoFit/>
+            </a:bodyPr>
+            <a:lstStyle/>
+            <a:p>
+              <a:r>
+                <a:rPr kumimoji="1" lang="ko-KR" altLang="en-US" sz="1200" b="1" dirty="0">
+                  <a:latin typeface="THEJung120" panose="02020603020101020101" pitchFamily="18" charset="-127"/>
+                  <a:ea typeface="THEJung120" panose="02020603020101020101" pitchFamily="18" charset="-127"/>
+                </a:rPr>
+                <a:t>개발인원</a:t>
+              </a:r>
+            </a:p>
+          </p:txBody>
+        </p:sp>
+        <p:sp>
+          <p:nvSpPr>
+            <p:cNvPr id="57" name="TextBox 56">
+              <a:extLst>
+                <a:ext uri="{FF2B5EF4-FFF2-40B4-BE49-F238E27FC236}">
+                  <a16:creationId xmlns:a16="http://schemas.microsoft.com/office/drawing/2014/main" id="{EB0B94E1-5A3F-4180-A81D-030F3327DD50}"/>
+                </a:ext>
+              </a:extLst>
+            </p:cNvPr>
+            <p:cNvSpPr txBox="1"/>
+            <p:nvPr/>
+          </p:nvSpPr>
+          <p:spPr>
+            <a:xfrm>
+              <a:off x="6657264" y="3001269"/>
+              <a:ext cx="393056" cy="253916"/>
+            </a:xfrm>
+            <a:prstGeom prst="rect">
+              <a:avLst/>
+            </a:prstGeom>
+            <a:noFill/>
+          </p:spPr>
+          <p:txBody>
+            <a:bodyPr wrap="none" rtlCol="0">
+              <a:spAutoFit/>
+            </a:bodyPr>
+            <a:lstStyle/>
+            <a:p>
+              <a:r>
+                <a:rPr kumimoji="1" lang="en-US" altLang="ko-KR" sz="1050" dirty="0">
+                  <a:solidFill>
+                    <a:schemeClr val="tx1">
+                      <a:lumMod val="50000"/>
+                      <a:lumOff val="50000"/>
+                    </a:schemeClr>
+                  </a:solidFill>
+                  <a:latin typeface="THEJung120" panose="02020603020101020101" pitchFamily="18" charset="-127"/>
+                  <a:ea typeface="THEJung120" panose="02020603020101020101" pitchFamily="18" charset="-127"/>
+                </a:rPr>
+                <a:t>4</a:t>
+              </a:r>
+              <a:r>
+                <a:rPr kumimoji="1" lang="ko-KR" altLang="en-US" sz="1050" dirty="0">
+                  <a:solidFill>
+                    <a:schemeClr val="tx1">
+                      <a:lumMod val="50000"/>
+                      <a:lumOff val="50000"/>
+                    </a:schemeClr>
+                  </a:solidFill>
+                  <a:latin typeface="THEJung120" panose="02020603020101020101" pitchFamily="18" charset="-127"/>
+                  <a:ea typeface="THEJung120" panose="02020603020101020101" pitchFamily="18" charset="-127"/>
+                </a:rPr>
+                <a:t>명</a:t>
+              </a:r>
+              <a:endParaRPr kumimoji="1" lang="en-US" altLang="ko-KR" sz="1050" dirty="0">
+                <a:solidFill>
+                  <a:schemeClr val="tx1">
+                    <a:lumMod val="50000"/>
+                    <a:lumOff val="50000"/>
+                  </a:schemeClr>
+                </a:solidFill>
+                <a:latin typeface="THEJung120" panose="02020603020101020101" pitchFamily="18" charset="-127"/>
+                <a:ea typeface="THEJung120" panose="02020603020101020101" pitchFamily="18" charset="-127"/>
+              </a:endParaRPr>
+            </a:p>
+          </p:txBody>
+        </p:sp>
+      </p:grpSp>
+      <p:grpSp>
+        <p:nvGrpSpPr>
+          <p:cNvPr id="58" name="그룹 57">
+            <a:extLst>
+              <a:ext uri="{FF2B5EF4-FFF2-40B4-BE49-F238E27FC236}">
+                <a16:creationId xmlns:a16="http://schemas.microsoft.com/office/drawing/2014/main" id="{6DD84803-2C42-4EF2-8D53-E46F7E8442D4}"/>
+              </a:ext>
+            </a:extLst>
+          </p:cNvPr>
+          <p:cNvGrpSpPr/>
+          <p:nvPr/>
+        </p:nvGrpSpPr>
+        <p:grpSpPr>
+          <a:xfrm>
+            <a:off x="8161497" y="3029041"/>
+            <a:ext cx="1508979" cy="694564"/>
+            <a:chOff x="6657264" y="3368786"/>
+            <a:chExt cx="1508979" cy="694564"/>
+          </a:xfrm>
+        </p:grpSpPr>
+        <p:sp>
+          <p:nvSpPr>
+            <p:cNvPr id="59" name="삼각형 45">
+              <a:extLst>
+                <a:ext uri="{FF2B5EF4-FFF2-40B4-BE49-F238E27FC236}">
+                  <a16:creationId xmlns:a16="http://schemas.microsoft.com/office/drawing/2014/main" id="{6A064AA8-CC8B-4DB7-A51E-7A3879BDCF20}"/>
+                </a:ext>
+              </a:extLst>
+            </p:cNvPr>
+            <p:cNvSpPr/>
+            <p:nvPr/>
+          </p:nvSpPr>
+          <p:spPr>
+            <a:xfrm rot="5400000">
+              <a:off x="6652273" y="3430336"/>
+              <a:ext cx="133104" cy="123122"/>
+            </a:xfrm>
+            <a:prstGeom prst="triangle">
+              <a:avLst/>
+            </a:prstGeom>
+            <a:solidFill>
+              <a:srgbClr val="F4BA5B"/>
+            </a:solidFill>
+            <a:ln>
+              <a:noFill/>
+            </a:ln>
+          </p:spPr>
+          <p:style>
+            <a:lnRef idx="2">
+              <a:schemeClr val="accent1">
+                <a:shade val="50000"/>
+              </a:schemeClr>
+            </a:lnRef>
+            <a:fillRef idx="1">
+              <a:schemeClr val="accent1"/>
+            </a:fillRef>
+            <a:effectRef idx="0">
+              <a:schemeClr val="accent1"/>
+            </a:effectRef>
+            <a:fontRef idx="minor">
+              <a:schemeClr val="lt1"/>
+            </a:fontRef>
+          </p:style>
+          <p:txBody>
+            <a:bodyPr rtlCol="0" anchor="ctr"/>
+            <a:lstStyle/>
+            <a:p>
+              <a:pPr algn="ctr"/>
+              <a:endParaRPr kumimoji="1" lang="ko-KR" altLang="en-US" sz="1463"/>
+            </a:p>
+          </p:txBody>
+        </p:sp>
+        <p:sp>
+          <p:nvSpPr>
+            <p:cNvPr id="60" name="TextBox 59">
+              <a:extLst>
+                <a:ext uri="{FF2B5EF4-FFF2-40B4-BE49-F238E27FC236}">
+                  <a16:creationId xmlns:a16="http://schemas.microsoft.com/office/drawing/2014/main" id="{07C3476C-C47A-41EC-87FB-FE5EF9CB3A6F}"/>
+                </a:ext>
+              </a:extLst>
+            </p:cNvPr>
+            <p:cNvSpPr txBox="1"/>
+            <p:nvPr/>
+          </p:nvSpPr>
+          <p:spPr>
+            <a:xfrm>
+              <a:off x="6812234" y="3368786"/>
+              <a:ext cx="1354009" cy="276999"/>
+            </a:xfrm>
+            <a:prstGeom prst="rect">
+              <a:avLst/>
+            </a:prstGeom>
+            <a:noFill/>
+          </p:spPr>
+          <p:txBody>
+            <a:bodyPr wrap="square" rtlCol="0">
+              <a:spAutoFit/>
+            </a:bodyPr>
+            <a:lstStyle/>
+            <a:p>
+              <a:r>
+                <a:rPr kumimoji="1" lang="en-US" altLang="ko-KR" sz="1200" b="1" dirty="0">
+                  <a:latin typeface="THEJung120" panose="02020603020101020101" pitchFamily="18" charset="-127"/>
+                  <a:ea typeface="THEJung120" panose="02020603020101020101" pitchFamily="18" charset="-127"/>
+                </a:rPr>
+                <a:t>SKILLS / IDE</a:t>
+              </a:r>
+              <a:endParaRPr kumimoji="1" lang="ko-KR" altLang="en-US" sz="1200" b="1" dirty="0">
+                <a:latin typeface="THEJung120" panose="02020603020101020101" pitchFamily="18" charset="-127"/>
+                <a:ea typeface="THEJung120" panose="02020603020101020101" pitchFamily="18" charset="-127"/>
+              </a:endParaRPr>
+            </a:p>
+          </p:txBody>
+        </p:sp>
+        <p:sp>
+          <p:nvSpPr>
+            <p:cNvPr id="61" name="TextBox 60">
+              <a:extLst>
+                <a:ext uri="{FF2B5EF4-FFF2-40B4-BE49-F238E27FC236}">
+                  <a16:creationId xmlns:a16="http://schemas.microsoft.com/office/drawing/2014/main" id="{C2EF1987-02DD-4CD0-87B2-C6D98E043FB4}"/>
+                </a:ext>
+              </a:extLst>
+            </p:cNvPr>
+            <p:cNvSpPr txBox="1"/>
+            <p:nvPr/>
+          </p:nvSpPr>
+          <p:spPr>
+            <a:xfrm>
+              <a:off x="6660149" y="3647852"/>
+              <a:ext cx="503664" cy="415498"/>
+            </a:xfrm>
+            <a:prstGeom prst="rect">
+              <a:avLst/>
+            </a:prstGeom>
+            <a:noFill/>
+          </p:spPr>
+          <p:txBody>
+            <a:bodyPr wrap="none" rtlCol="0">
+              <a:spAutoFit/>
+            </a:bodyPr>
+            <a:lstStyle/>
+            <a:p>
+              <a:r>
+                <a:rPr kumimoji="1" lang="en-US" altLang="ko-KR" sz="1050" dirty="0">
+                  <a:solidFill>
+                    <a:schemeClr val="tx1">
+                      <a:lumMod val="50000"/>
+                      <a:lumOff val="50000"/>
+                    </a:schemeClr>
+                  </a:solidFill>
+                  <a:latin typeface="THEJung120" panose="02020603020101020101" pitchFamily="18" charset="-127"/>
+                  <a:ea typeface="THEJung120" panose="02020603020101020101" pitchFamily="18" charset="-127"/>
+                </a:rPr>
+                <a:t>C#</a:t>
+              </a:r>
+            </a:p>
+            <a:p>
+              <a:r>
+                <a:rPr kumimoji="1" lang="en-US" altLang="ko-KR" sz="1050" dirty="0">
+                  <a:solidFill>
+                    <a:schemeClr val="tx1">
+                      <a:lumMod val="50000"/>
+                      <a:lumOff val="50000"/>
+                    </a:schemeClr>
+                  </a:solidFill>
+                  <a:latin typeface="THEJung120" panose="02020603020101020101" pitchFamily="18" charset="-127"/>
+                  <a:ea typeface="THEJung120" panose="02020603020101020101" pitchFamily="18" charset="-127"/>
+                </a:rPr>
+                <a:t>Unity</a:t>
+              </a:r>
+            </a:p>
+          </p:txBody>
+        </p:sp>
+      </p:grpSp>
+      <p:grpSp>
+        <p:nvGrpSpPr>
+          <p:cNvPr id="14" name="그룹 13">
+            <a:extLst>
+              <a:ext uri="{FF2B5EF4-FFF2-40B4-BE49-F238E27FC236}">
+                <a16:creationId xmlns:a16="http://schemas.microsoft.com/office/drawing/2014/main" id="{7E205A67-892E-443D-B478-FD9CF18594DC}"/>
+              </a:ext>
+            </a:extLst>
+          </p:cNvPr>
+          <p:cNvGrpSpPr/>
+          <p:nvPr/>
+        </p:nvGrpSpPr>
+        <p:grpSpPr>
+          <a:xfrm>
+            <a:off x="6249801" y="5374522"/>
+            <a:ext cx="2986468" cy="488430"/>
+            <a:chOff x="6253152" y="5636807"/>
+            <a:chExt cx="2986468" cy="488430"/>
+          </a:xfrm>
+        </p:grpSpPr>
+        <p:sp>
+          <p:nvSpPr>
+            <p:cNvPr id="149" name="삼각형 45">
+              <a:extLst>
+                <a:ext uri="{FF2B5EF4-FFF2-40B4-BE49-F238E27FC236}">
+                  <a16:creationId xmlns:a16="http://schemas.microsoft.com/office/drawing/2014/main" id="{079A80A8-5369-461E-B6E4-135C69EE1526}"/>
+                </a:ext>
+              </a:extLst>
+            </p:cNvPr>
+            <p:cNvSpPr/>
+            <p:nvPr/>
+          </p:nvSpPr>
+          <p:spPr>
+            <a:xfrm rot="5400000">
+              <a:off x="6248161" y="5698357"/>
+              <a:ext cx="133104" cy="123122"/>
+            </a:xfrm>
+            <a:prstGeom prst="triangle">
+              <a:avLst/>
+            </a:prstGeom>
+            <a:solidFill>
+              <a:srgbClr val="F4BA5B"/>
+            </a:solidFill>
+            <a:ln>
+              <a:noFill/>
+            </a:ln>
+          </p:spPr>
+          <p:style>
+            <a:lnRef idx="2">
+              <a:schemeClr val="accent1">
+                <a:shade val="50000"/>
+              </a:schemeClr>
+            </a:lnRef>
+            <a:fillRef idx="1">
+              <a:schemeClr val="accent1"/>
+            </a:fillRef>
+            <a:effectRef idx="0">
+              <a:schemeClr val="accent1"/>
+            </a:effectRef>
+            <a:fontRef idx="minor">
+              <a:schemeClr val="lt1"/>
+            </a:fontRef>
+          </p:style>
+          <p:txBody>
+            <a:bodyPr rtlCol="0" anchor="ctr"/>
+            <a:lstStyle/>
+            <a:p>
+              <a:pPr algn="ctr"/>
+              <a:endParaRPr kumimoji="1" lang="ko-KR" altLang="en-US" sz="1463"/>
+            </a:p>
+          </p:txBody>
+        </p:sp>
+        <p:sp>
+          <p:nvSpPr>
+            <p:cNvPr id="150" name="TextBox 149">
+              <a:extLst>
+                <a:ext uri="{FF2B5EF4-FFF2-40B4-BE49-F238E27FC236}">
+                  <a16:creationId xmlns:a16="http://schemas.microsoft.com/office/drawing/2014/main" id="{2C68DE23-AD92-4A6A-9490-222E27A3994C}"/>
+                </a:ext>
+              </a:extLst>
+            </p:cNvPr>
+            <p:cNvSpPr txBox="1"/>
+            <p:nvPr/>
+          </p:nvSpPr>
+          <p:spPr>
+            <a:xfrm>
+              <a:off x="6408121" y="5636807"/>
+              <a:ext cx="1759611" cy="276999"/>
+            </a:xfrm>
+            <a:prstGeom prst="rect">
+              <a:avLst/>
+            </a:prstGeom>
+            <a:noFill/>
+          </p:spPr>
+          <p:txBody>
+            <a:bodyPr wrap="square" rtlCol="0">
+              <a:spAutoFit/>
+            </a:bodyPr>
+            <a:lstStyle/>
+            <a:p>
+              <a:r>
+                <a:rPr kumimoji="1" lang="ko-KR" altLang="en-US" sz="1200" b="1" dirty="0">
+                  <a:latin typeface="THEJung120" panose="02020603020101020101" pitchFamily="18" charset="-127"/>
+                  <a:ea typeface="THEJung120" panose="02020603020101020101" pitchFamily="18" charset="-127"/>
+                </a:rPr>
+                <a:t>관련정보</a:t>
+              </a:r>
+              <a:r>
+                <a:rPr kumimoji="1" lang="en-US" altLang="ko-KR" sz="1200" b="1" dirty="0">
+                  <a:latin typeface="THEJung120" panose="02020603020101020101" pitchFamily="18" charset="-127"/>
+                  <a:ea typeface="THEJung120" panose="02020603020101020101" pitchFamily="18" charset="-127"/>
+                </a:rPr>
+                <a:t>(Github URL</a:t>
+              </a:r>
+              <a:r>
+                <a:rPr kumimoji="1" lang="en-US" altLang="ko-KR" sz="1050" b="1" dirty="0">
+                  <a:latin typeface="THEJung120" panose="02020603020101020101" pitchFamily="18" charset="-127"/>
+                  <a:ea typeface="THEJung120" panose="02020603020101020101" pitchFamily="18" charset="-127"/>
+                </a:rPr>
+                <a:t>)</a:t>
+              </a:r>
+              <a:endParaRPr kumimoji="1" lang="ko-KR" altLang="en-US" sz="1050" b="1" dirty="0">
+                <a:latin typeface="THEJung120" panose="02020603020101020101" pitchFamily="18" charset="-127"/>
+                <a:ea typeface="THEJung120" panose="02020603020101020101" pitchFamily="18" charset="-127"/>
+              </a:endParaRPr>
+            </a:p>
+          </p:txBody>
+        </p:sp>
+        <p:sp>
+          <p:nvSpPr>
+            <p:cNvPr id="63" name="TextBox 62">
+              <a:extLst>
+                <a:ext uri="{FF2B5EF4-FFF2-40B4-BE49-F238E27FC236}">
+                  <a16:creationId xmlns:a16="http://schemas.microsoft.com/office/drawing/2014/main" id="{8461F896-2F95-4A36-BBF4-3E97C2382EBE}"/>
+                </a:ext>
+              </a:extLst>
+            </p:cNvPr>
+            <p:cNvSpPr txBox="1"/>
+            <p:nvPr/>
+          </p:nvSpPr>
+          <p:spPr>
+            <a:xfrm>
+              <a:off x="6253152" y="5871321"/>
+              <a:ext cx="2986468" cy="253916"/>
+            </a:xfrm>
+            <a:prstGeom prst="rect">
+              <a:avLst/>
+            </a:prstGeom>
+            <a:noFill/>
+          </p:spPr>
+          <p:txBody>
+            <a:bodyPr wrap="square" rtlCol="0">
+              <a:spAutoFit/>
+            </a:bodyPr>
+            <a:lstStyle/>
+            <a:p>
+              <a:endParaRPr kumimoji="1" lang="ko-KR" altLang="en-US" sz="1050" dirty="0">
+                <a:solidFill>
+                  <a:schemeClr val="tx1">
+                    <a:lumMod val="50000"/>
+                    <a:lumOff val="50000"/>
+                  </a:schemeClr>
+                </a:solidFill>
+                <a:latin typeface="THEJung120" panose="02020603020101020101" pitchFamily="18" charset="-127"/>
+                <a:ea typeface="THEJung120" panose="02020603020101020101" pitchFamily="18" charset="-127"/>
+              </a:endParaRPr>
+            </a:p>
+          </p:txBody>
+        </p:sp>
+      </p:grpSp>
+    </p:spTree>
+    <p:extLst>
+      <p:ext uri="{BB962C8B-B14F-4D97-AF65-F5344CB8AC3E}">
+        <p14:creationId xmlns:p14="http://schemas.microsoft.com/office/powerpoint/2010/main" val="1971834140"/>
+      </p:ext>
+    </p:extLst>
+  </p:cSld>
+  <p:clrMapOvr>
+    <a:masterClrMapping/>
+  </p:clrMapOvr>
+</p:sld>
+</file>
+
+<file path=ppt/slides/slide5.xml><?xml version="1.0" encoding="utf-8"?>
+<p:sld xmlns:a="http://schemas.openxmlformats.org/drawingml/2006/main" xmlns:r="http://schemas.openxmlformats.org/officeDocument/2006/relationships" xmlns:p="http://schemas.openxmlformats.org/presentationml/2006/main">
+  <p:cSld>
+    <p:spTree>
+      <p:nvGrpSpPr>
+        <p:cNvPr id="1" name=""/>
+        <p:cNvGrpSpPr/>
+        <p:nvPr/>
+      </p:nvGrpSpPr>
+      <p:grpSpPr>
+        <a:xfrm>
+          <a:off x="0" y="0"/>
+          <a:ext cx="0" cy="0"/>
+          <a:chOff x="0" y="0"/>
+          <a:chExt cx="0" cy="0"/>
+        </a:xfrm>
+      </p:grpSpPr>
+      <p:sp>
+        <p:nvSpPr>
+          <p:cNvPr id="32" name="TextBox 31">
+            <a:extLst>
+              <a:ext uri="{FF2B5EF4-FFF2-40B4-BE49-F238E27FC236}">
+                <a16:creationId xmlns:a16="http://schemas.microsoft.com/office/drawing/2014/main" id="{93B28E24-544C-4B74-8F2C-E7F4BBBAC81A}"/>
+              </a:ext>
+            </a:extLst>
+          </p:cNvPr>
+          <p:cNvSpPr txBox="1"/>
+          <p:nvPr/>
+        </p:nvSpPr>
+        <p:spPr>
+          <a:xfrm>
+            <a:off x="426551" y="1401224"/>
+            <a:ext cx="7893970" cy="400110"/>
+          </a:xfrm>
+          <a:prstGeom prst="rect">
+            <a:avLst/>
+          </a:prstGeom>
+          <a:noFill/>
+        </p:spPr>
+        <p:txBody>
+          <a:bodyPr wrap="square" rtlCol="0">
+            <a:spAutoFit/>
+          </a:bodyPr>
+          <a:lstStyle/>
+          <a:p>
+            <a:r>
+              <a:rPr lang="en-US" altLang="ko-KR" sz="2000" b="1" dirty="0">
+                <a:latin typeface="Arita-dotum(TTF) Medium" panose="02020603020101020101" pitchFamily="18" charset="-127"/>
+                <a:ea typeface="Arita-dotum(TTF) Medium" panose="02020603020101020101" pitchFamily="18" charset="-127"/>
+              </a:rPr>
               <a:t>Android APP Project – </a:t>
             </a:r>
             <a:r>
@@ -11524,7 +14165,7 @@
 </p:sld>
 </file>
 
-<file path=ppt/slides/slide5.xml><?xml version="1.0" encoding="utf-8"?>
+<file path=ppt/slides/slide6.xml><?xml version="1.0" encoding="utf-8"?>
 <p:sld xmlns:a="http://schemas.openxmlformats.org/drawingml/2006/main" xmlns:r="http://schemas.openxmlformats.org/officeDocument/2006/relationships" xmlns:p="http://schemas.openxmlformats.org/presentationml/2006/main">
   <p:cSld>
     <p:spTree>
@@ -13147,7 +15788,7 @@
                   <a:latin typeface="THEJung120" panose="02020603020101020101" pitchFamily="18" charset="-127"/>
                   <a:ea typeface="THEJung120" panose="02020603020101020101" pitchFamily="18" charset="-127"/>
                 </a:rPr>
-                <a:t>https://github.com/cxv963/PORTFOLIO/tree/master/Multi-Thread%20Chatting%20Project</a:t>
+                <a:t>https://github.com/cxv963/PORTFOLIO/tree/master/Unity%20Bim%20Project</a:t>
               </a:r>
               <a:endParaRPr kumimoji="1" lang="ko-KR" altLang="en-US" sz="1050" dirty="0">
                 <a:solidFill>
@@ -13316,7 +15957,1602 @@
 </p:sld>
 </file>
 
-<file path=ppt/slides/slide6.xml><?xml version="1.0" encoding="utf-8"?>
+<file path=ppt/slides/slide7.xml><?xml version="1.0" encoding="utf-8"?>
+<p:sld xmlns:a="http://schemas.openxmlformats.org/drawingml/2006/main" xmlns:r="http://schemas.openxmlformats.org/officeDocument/2006/relationships" xmlns:p="http://schemas.openxmlformats.org/presentationml/2006/main">
+  <p:cSld>
+    <p:spTree>
+      <p:nvGrpSpPr>
+        <p:cNvPr id="1" name=""/>
+        <p:cNvGrpSpPr/>
+        <p:nvPr/>
+      </p:nvGrpSpPr>
+      <p:grpSpPr>
+        <a:xfrm>
+          <a:off x="0" y="0"/>
+          <a:ext cx="0" cy="0"/>
+          <a:chOff x="0" y="0"/>
+          <a:chExt cx="0" cy="0"/>
+        </a:xfrm>
+      </p:grpSpPr>
+      <p:sp>
+        <p:nvSpPr>
+          <p:cNvPr id="32" name="TextBox 31">
+            <a:extLst>
+              <a:ext uri="{FF2B5EF4-FFF2-40B4-BE49-F238E27FC236}">
+                <a16:creationId xmlns:a16="http://schemas.microsoft.com/office/drawing/2014/main" id="{93B28E24-544C-4B74-8F2C-E7F4BBBAC81A}"/>
+              </a:ext>
+            </a:extLst>
+          </p:cNvPr>
+          <p:cNvSpPr txBox="1"/>
+          <p:nvPr/>
+        </p:nvSpPr>
+        <p:spPr>
+          <a:xfrm>
+            <a:off x="426551" y="1401224"/>
+            <a:ext cx="7893970" cy="400110"/>
+          </a:xfrm>
+          <a:prstGeom prst="rect">
+            <a:avLst/>
+          </a:prstGeom>
+          <a:noFill/>
+        </p:spPr>
+        <p:txBody>
+          <a:bodyPr wrap="square" rtlCol="0">
+            <a:spAutoFit/>
+          </a:bodyPr>
+          <a:lstStyle/>
+          <a:p>
+            <a:r>
+              <a:rPr lang="en-US" altLang="ko-KR" sz="2000" b="1" dirty="0">
+                <a:latin typeface="Arita-dotum(TTF) Medium" panose="02020603020101020101" pitchFamily="18" charset="-127"/>
+                <a:ea typeface="Arita-dotum(TTF) Medium" panose="02020603020101020101" pitchFamily="18" charset="-127"/>
+              </a:rPr>
+              <a:t>Unity VR Project – </a:t>
+            </a:r>
+            <a:r>
+              <a:rPr lang="ko-KR" altLang="en-US" sz="2000" b="1" dirty="0">
+                <a:latin typeface="Arita-dotum(TTF) Medium" panose="02020603020101020101" pitchFamily="18" charset="-127"/>
+                <a:ea typeface="Arita-dotum(TTF) Medium" panose="02020603020101020101" pitchFamily="18" charset="-127"/>
+              </a:rPr>
+              <a:t>지게차 시뮬레이터</a:t>
+            </a:r>
+            <a:endParaRPr lang="en-US" altLang="ko-KR" sz="2000" b="1" dirty="0">
+              <a:latin typeface="Arita-dotum(TTF) Medium" panose="02020603020101020101" pitchFamily="18" charset="-127"/>
+              <a:ea typeface="Arita-dotum(TTF) Medium" panose="02020603020101020101" pitchFamily="18" charset="-127"/>
+            </a:endParaRPr>
+          </a:p>
+        </p:txBody>
+      </p:sp>
+      <p:cxnSp>
+        <p:nvCxnSpPr>
+          <p:cNvPr id="20" name="직선 연결선 19">
+            <a:extLst>
+              <a:ext uri="{FF2B5EF4-FFF2-40B4-BE49-F238E27FC236}">
+                <a16:creationId xmlns:a16="http://schemas.microsoft.com/office/drawing/2014/main" id="{97742B75-B8B9-487E-B3B8-E5FF3049E6A0}"/>
+              </a:ext>
+            </a:extLst>
+          </p:cNvPr>
+          <p:cNvCxnSpPr>
+            <a:cxnSpLocks/>
+          </p:cNvCxnSpPr>
+          <p:nvPr/>
+        </p:nvCxnSpPr>
+        <p:spPr>
+          <a:xfrm>
+            <a:off x="426551" y="1790947"/>
+            <a:ext cx="9092601" cy="0"/>
+          </a:xfrm>
+          <a:prstGeom prst="line">
+            <a:avLst/>
+          </a:prstGeom>
+          <a:ln>
+            <a:solidFill>
+              <a:schemeClr val="accent3">
+                <a:lumMod val="60000"/>
+                <a:lumOff val="40000"/>
+              </a:schemeClr>
+            </a:solidFill>
+          </a:ln>
+        </p:spPr>
+        <p:style>
+          <a:lnRef idx="1">
+            <a:schemeClr val="accent1"/>
+          </a:lnRef>
+          <a:fillRef idx="0">
+            <a:schemeClr val="accent1"/>
+          </a:fillRef>
+          <a:effectRef idx="0">
+            <a:schemeClr val="accent1"/>
+          </a:effectRef>
+          <a:fontRef idx="minor">
+            <a:schemeClr val="tx1"/>
+          </a:fontRef>
+        </p:style>
+      </p:cxnSp>
+      <p:grpSp>
+        <p:nvGrpSpPr>
+          <p:cNvPr id="23" name="그룹 22">
+            <a:extLst>
+              <a:ext uri="{FF2B5EF4-FFF2-40B4-BE49-F238E27FC236}">
+                <a16:creationId xmlns:a16="http://schemas.microsoft.com/office/drawing/2014/main" id="{4180F67F-0724-4D66-A68F-0E73F2425794}"/>
+              </a:ext>
+            </a:extLst>
+          </p:cNvPr>
+          <p:cNvGrpSpPr/>
+          <p:nvPr/>
+        </p:nvGrpSpPr>
+        <p:grpSpPr>
+          <a:xfrm>
+            <a:off x="6249801" y="2207710"/>
+            <a:ext cx="1641796" cy="585939"/>
+            <a:chOff x="6657264" y="2669246"/>
+            <a:chExt cx="1641796" cy="585939"/>
+          </a:xfrm>
+        </p:grpSpPr>
+        <p:sp>
+          <p:nvSpPr>
+            <p:cNvPr id="66" name="삼각형 45">
+              <a:extLst>
+                <a:ext uri="{FF2B5EF4-FFF2-40B4-BE49-F238E27FC236}">
+                  <a16:creationId xmlns:a16="http://schemas.microsoft.com/office/drawing/2014/main" id="{81BA3A99-2E6D-4C45-9040-29385300940B}"/>
+                </a:ext>
+              </a:extLst>
+            </p:cNvPr>
+            <p:cNvSpPr/>
+            <p:nvPr/>
+          </p:nvSpPr>
+          <p:spPr>
+            <a:xfrm rot="5400000">
+              <a:off x="6652273" y="2730796"/>
+              <a:ext cx="133104" cy="123122"/>
+            </a:xfrm>
+            <a:prstGeom prst="triangle">
+              <a:avLst/>
+            </a:prstGeom>
+            <a:solidFill>
+              <a:srgbClr val="F4BA5B"/>
+            </a:solidFill>
+            <a:ln>
+              <a:noFill/>
+            </a:ln>
+          </p:spPr>
+          <p:style>
+            <a:lnRef idx="2">
+              <a:schemeClr val="accent1">
+                <a:shade val="50000"/>
+              </a:schemeClr>
+            </a:lnRef>
+            <a:fillRef idx="1">
+              <a:schemeClr val="accent1"/>
+            </a:fillRef>
+            <a:effectRef idx="0">
+              <a:schemeClr val="accent1"/>
+            </a:effectRef>
+            <a:fontRef idx="minor">
+              <a:schemeClr val="lt1"/>
+            </a:fontRef>
+          </p:style>
+          <p:txBody>
+            <a:bodyPr rtlCol="0" anchor="ctr"/>
+            <a:lstStyle/>
+            <a:p>
+              <a:pPr algn="ctr"/>
+              <a:endParaRPr kumimoji="1" lang="ko-KR" altLang="en-US" sz="1463"/>
+            </a:p>
+          </p:txBody>
+        </p:sp>
+        <p:sp>
+          <p:nvSpPr>
+            <p:cNvPr id="67" name="TextBox 66">
+              <a:extLst>
+                <a:ext uri="{FF2B5EF4-FFF2-40B4-BE49-F238E27FC236}">
+                  <a16:creationId xmlns:a16="http://schemas.microsoft.com/office/drawing/2014/main" id="{FF7742DA-91A1-4A0F-BD46-EF234665869B}"/>
+                </a:ext>
+              </a:extLst>
+            </p:cNvPr>
+            <p:cNvSpPr txBox="1"/>
+            <p:nvPr/>
+          </p:nvSpPr>
+          <p:spPr>
+            <a:xfrm>
+              <a:off x="6812234" y="2669246"/>
+              <a:ext cx="1354009" cy="276999"/>
+            </a:xfrm>
+            <a:prstGeom prst="rect">
+              <a:avLst/>
+            </a:prstGeom>
+            <a:noFill/>
+          </p:spPr>
+          <p:txBody>
+            <a:bodyPr wrap="square" rtlCol="0">
+              <a:spAutoFit/>
+            </a:bodyPr>
+            <a:lstStyle/>
+            <a:p>
+              <a:r>
+                <a:rPr kumimoji="1" lang="ko-KR" altLang="en-US" sz="1200" b="1" dirty="0">
+                  <a:latin typeface="THEJung120" panose="02020603020101020101" pitchFamily="18" charset="-127"/>
+                  <a:ea typeface="THEJung120" panose="02020603020101020101" pitchFamily="18" charset="-127"/>
+                </a:rPr>
+                <a:t>진행 기간</a:t>
+              </a:r>
+            </a:p>
+          </p:txBody>
+        </p:sp>
+        <p:sp>
+          <p:nvSpPr>
+            <p:cNvPr id="68" name="TextBox 67">
+              <a:extLst>
+                <a:ext uri="{FF2B5EF4-FFF2-40B4-BE49-F238E27FC236}">
+                  <a16:creationId xmlns:a16="http://schemas.microsoft.com/office/drawing/2014/main" id="{2D945192-38BF-4D10-9B7B-47EF81C22699}"/>
+                </a:ext>
+              </a:extLst>
+            </p:cNvPr>
+            <p:cNvSpPr txBox="1"/>
+            <p:nvPr/>
+          </p:nvSpPr>
+          <p:spPr>
+            <a:xfrm>
+              <a:off x="6657264" y="3001269"/>
+              <a:ext cx="1641796" cy="253916"/>
+            </a:xfrm>
+            <a:prstGeom prst="rect">
+              <a:avLst/>
+            </a:prstGeom>
+            <a:noFill/>
+          </p:spPr>
+          <p:txBody>
+            <a:bodyPr wrap="none" rtlCol="0">
+              <a:spAutoFit/>
+            </a:bodyPr>
+            <a:lstStyle/>
+            <a:p>
+              <a:r>
+                <a:rPr kumimoji="1" lang="en-US" altLang="ko-KR" sz="1050" dirty="0">
+                  <a:solidFill>
+                    <a:schemeClr val="tx1">
+                      <a:lumMod val="50000"/>
+                      <a:lumOff val="50000"/>
+                    </a:schemeClr>
+                  </a:solidFill>
+                  <a:latin typeface="THEJung120" panose="02020603020101020101" pitchFamily="18" charset="-127"/>
+                  <a:ea typeface="THEJung120" panose="02020603020101020101" pitchFamily="18" charset="-127"/>
+                </a:rPr>
+                <a:t>2020.07 06~ 2020.08.14</a:t>
+              </a:r>
+              <a:endParaRPr kumimoji="1" lang="ko-KR" altLang="en-US" sz="1050" dirty="0">
+                <a:solidFill>
+                  <a:schemeClr val="tx1">
+                    <a:lumMod val="50000"/>
+                    <a:lumOff val="50000"/>
+                  </a:schemeClr>
+                </a:solidFill>
+                <a:latin typeface="THEJung120" panose="02020603020101020101" pitchFamily="18" charset="-127"/>
+                <a:ea typeface="THEJung120" panose="02020603020101020101" pitchFamily="18" charset="-127"/>
+              </a:endParaRPr>
+            </a:p>
+          </p:txBody>
+        </p:sp>
+      </p:grpSp>
+      <p:grpSp>
+        <p:nvGrpSpPr>
+          <p:cNvPr id="24" name="그룹 23">
+            <a:extLst>
+              <a:ext uri="{FF2B5EF4-FFF2-40B4-BE49-F238E27FC236}">
+                <a16:creationId xmlns:a16="http://schemas.microsoft.com/office/drawing/2014/main" id="{F8354CD0-4592-469D-AC1E-60C691B7767C}"/>
+              </a:ext>
+            </a:extLst>
+          </p:cNvPr>
+          <p:cNvGrpSpPr/>
+          <p:nvPr/>
+        </p:nvGrpSpPr>
+        <p:grpSpPr>
+          <a:xfrm>
+            <a:off x="6254124" y="3031139"/>
+            <a:ext cx="1976823" cy="1016004"/>
+            <a:chOff x="6657264" y="3368786"/>
+            <a:chExt cx="1976823" cy="1016004"/>
+          </a:xfrm>
+        </p:grpSpPr>
+        <p:sp>
+          <p:nvSpPr>
+            <p:cNvPr id="146" name="삼각형 45">
+              <a:extLst>
+                <a:ext uri="{FF2B5EF4-FFF2-40B4-BE49-F238E27FC236}">
+                  <a16:creationId xmlns:a16="http://schemas.microsoft.com/office/drawing/2014/main" id="{D4316302-52B8-4D2D-8955-7220CC5E1169}"/>
+                </a:ext>
+              </a:extLst>
+            </p:cNvPr>
+            <p:cNvSpPr/>
+            <p:nvPr/>
+          </p:nvSpPr>
+          <p:spPr>
+            <a:xfrm rot="5400000">
+              <a:off x="6652273" y="3430336"/>
+              <a:ext cx="133104" cy="123122"/>
+            </a:xfrm>
+            <a:prstGeom prst="triangle">
+              <a:avLst/>
+            </a:prstGeom>
+            <a:solidFill>
+              <a:srgbClr val="F4BA5B"/>
+            </a:solidFill>
+            <a:ln>
+              <a:noFill/>
+            </a:ln>
+          </p:spPr>
+          <p:style>
+            <a:lnRef idx="2">
+              <a:schemeClr val="accent1">
+                <a:shade val="50000"/>
+              </a:schemeClr>
+            </a:lnRef>
+            <a:fillRef idx="1">
+              <a:schemeClr val="accent1"/>
+            </a:fillRef>
+            <a:effectRef idx="0">
+              <a:schemeClr val="accent1"/>
+            </a:effectRef>
+            <a:fontRef idx="minor">
+              <a:schemeClr val="lt1"/>
+            </a:fontRef>
+          </p:style>
+          <p:txBody>
+            <a:bodyPr rtlCol="0" anchor="ctr"/>
+            <a:lstStyle/>
+            <a:p>
+              <a:pPr algn="ctr"/>
+              <a:endParaRPr kumimoji="1" lang="ko-KR" altLang="en-US" sz="1463"/>
+            </a:p>
+          </p:txBody>
+        </p:sp>
+        <p:sp>
+          <p:nvSpPr>
+            <p:cNvPr id="147" name="TextBox 146">
+              <a:extLst>
+                <a:ext uri="{FF2B5EF4-FFF2-40B4-BE49-F238E27FC236}">
+                  <a16:creationId xmlns:a16="http://schemas.microsoft.com/office/drawing/2014/main" id="{CB579934-064B-4677-90FE-D6A21BBA8A5C}"/>
+                </a:ext>
+              </a:extLst>
+            </p:cNvPr>
+            <p:cNvSpPr txBox="1"/>
+            <p:nvPr/>
+          </p:nvSpPr>
+          <p:spPr>
+            <a:xfrm>
+              <a:off x="6812234" y="3368786"/>
+              <a:ext cx="1354009" cy="276999"/>
+            </a:xfrm>
+            <a:prstGeom prst="rect">
+              <a:avLst/>
+            </a:prstGeom>
+            <a:noFill/>
+          </p:spPr>
+          <p:txBody>
+            <a:bodyPr wrap="square" rtlCol="0">
+              <a:spAutoFit/>
+            </a:bodyPr>
+            <a:lstStyle/>
+            <a:p>
+              <a:r>
+                <a:rPr kumimoji="1" lang="ko-KR" altLang="en-US" sz="1200" b="1" dirty="0">
+                  <a:latin typeface="THEJung120" panose="02020603020101020101" pitchFamily="18" charset="-127"/>
+                  <a:ea typeface="THEJung120" panose="02020603020101020101" pitchFamily="18" charset="-127"/>
+                </a:rPr>
+                <a:t>기능</a:t>
+              </a:r>
+            </a:p>
+          </p:txBody>
+        </p:sp>
+        <p:sp>
+          <p:nvSpPr>
+            <p:cNvPr id="148" name="TextBox 147">
+              <a:extLst>
+                <a:ext uri="{FF2B5EF4-FFF2-40B4-BE49-F238E27FC236}">
+                  <a16:creationId xmlns:a16="http://schemas.microsoft.com/office/drawing/2014/main" id="{4BF8215D-85B0-40E7-9A77-5F269FAE6158}"/>
+                </a:ext>
+              </a:extLst>
+            </p:cNvPr>
+            <p:cNvSpPr txBox="1"/>
+            <p:nvPr/>
+          </p:nvSpPr>
+          <p:spPr>
+            <a:xfrm>
+              <a:off x="6657264" y="3646126"/>
+              <a:ext cx="1976823" cy="738664"/>
+            </a:xfrm>
+            <a:prstGeom prst="rect">
+              <a:avLst/>
+            </a:prstGeom>
+            <a:noFill/>
+          </p:spPr>
+          <p:txBody>
+            <a:bodyPr wrap="none" rtlCol="0">
+              <a:spAutoFit/>
+            </a:bodyPr>
+            <a:lstStyle/>
+            <a:p>
+              <a:r>
+                <a:rPr kumimoji="1" lang="en-US" altLang="ko-KR" sz="1050" dirty="0">
+                  <a:solidFill>
+                    <a:schemeClr val="tx1">
+                      <a:lumMod val="50000"/>
+                      <a:lumOff val="50000"/>
+                    </a:schemeClr>
+                  </a:solidFill>
+                  <a:latin typeface="THEJung120" panose="02020603020101020101" pitchFamily="18" charset="-127"/>
+                  <a:ea typeface="THEJung120" panose="02020603020101020101" pitchFamily="18" charset="-127"/>
+                </a:rPr>
+                <a:t>VR </a:t>
+              </a:r>
+              <a:r>
+                <a:rPr kumimoji="1" lang="ko-KR" altLang="en-US" sz="1050" dirty="0">
+                  <a:solidFill>
+                    <a:schemeClr val="tx1">
+                      <a:lumMod val="50000"/>
+                      <a:lumOff val="50000"/>
+                    </a:schemeClr>
+                  </a:solidFill>
+                  <a:latin typeface="THEJung120" panose="02020603020101020101" pitchFamily="18" charset="-127"/>
+                  <a:ea typeface="THEJung120" panose="02020603020101020101" pitchFamily="18" charset="-127"/>
+                </a:rPr>
+                <a:t>컨트롤러 지게차 상호작용</a:t>
+              </a:r>
+              <a:endParaRPr kumimoji="1" lang="en-US" altLang="ko-KR" sz="1050" dirty="0">
+                <a:solidFill>
+                  <a:schemeClr val="tx1">
+                    <a:lumMod val="50000"/>
+                    <a:lumOff val="50000"/>
+                  </a:schemeClr>
+                </a:solidFill>
+                <a:latin typeface="THEJung120" panose="02020603020101020101" pitchFamily="18" charset="-127"/>
+                <a:ea typeface="THEJung120" panose="02020603020101020101" pitchFamily="18" charset="-127"/>
+              </a:endParaRPr>
+            </a:p>
+            <a:p>
+              <a:r>
+                <a:rPr kumimoji="1" lang="ko-KR" altLang="en-US" sz="1050" dirty="0">
+                  <a:solidFill>
+                    <a:schemeClr val="tx1">
+                      <a:lumMod val="50000"/>
+                      <a:lumOff val="50000"/>
+                    </a:schemeClr>
+                  </a:solidFill>
+                  <a:latin typeface="THEJung120" panose="02020603020101020101" pitchFamily="18" charset="-127"/>
+                  <a:ea typeface="THEJung120" panose="02020603020101020101" pitchFamily="18" charset="-127"/>
+                </a:rPr>
+                <a:t>규칙 위반 시 위반사유 표시</a:t>
+              </a:r>
+              <a:endParaRPr kumimoji="1" lang="en-US" altLang="ko-KR" sz="1050" dirty="0">
+                <a:solidFill>
+                  <a:schemeClr val="tx1">
+                    <a:lumMod val="50000"/>
+                    <a:lumOff val="50000"/>
+                  </a:schemeClr>
+                </a:solidFill>
+                <a:latin typeface="THEJung120" panose="02020603020101020101" pitchFamily="18" charset="-127"/>
+                <a:ea typeface="THEJung120" panose="02020603020101020101" pitchFamily="18" charset="-127"/>
+              </a:endParaRPr>
+            </a:p>
+            <a:p>
+              <a:r>
+                <a:rPr kumimoji="1" lang="ko-KR" altLang="en-US" sz="1050" dirty="0">
+                  <a:solidFill>
+                    <a:schemeClr val="tx1">
+                      <a:lumMod val="50000"/>
+                      <a:lumOff val="50000"/>
+                    </a:schemeClr>
+                  </a:solidFill>
+                  <a:latin typeface="THEJung120" panose="02020603020101020101" pitchFamily="18" charset="-127"/>
+                  <a:ea typeface="THEJung120" panose="02020603020101020101" pitchFamily="18" charset="-127"/>
+                </a:rPr>
+                <a:t>기능 시험 기반 규칙 적용</a:t>
+              </a:r>
+              <a:endParaRPr kumimoji="1" lang="en-US" altLang="ko-KR" sz="1050" dirty="0">
+                <a:solidFill>
+                  <a:schemeClr val="tx1">
+                    <a:lumMod val="50000"/>
+                    <a:lumOff val="50000"/>
+                  </a:schemeClr>
+                </a:solidFill>
+                <a:latin typeface="THEJung120" panose="02020603020101020101" pitchFamily="18" charset="-127"/>
+                <a:ea typeface="THEJung120" panose="02020603020101020101" pitchFamily="18" charset="-127"/>
+              </a:endParaRPr>
+            </a:p>
+            <a:p>
+              <a:r>
+                <a:rPr kumimoji="1" lang="ko-KR" altLang="en-US" sz="1050" dirty="0">
+                  <a:solidFill>
+                    <a:schemeClr val="tx1">
+                      <a:lumMod val="50000"/>
+                      <a:lumOff val="50000"/>
+                    </a:schemeClr>
+                  </a:solidFill>
+                  <a:latin typeface="THEJung120" panose="02020603020101020101" pitchFamily="18" charset="-127"/>
+                  <a:ea typeface="THEJung120" panose="02020603020101020101" pitchFamily="18" charset="-127"/>
+                </a:rPr>
+                <a:t>백미러 구현</a:t>
+              </a:r>
+              <a:endParaRPr kumimoji="1" lang="en-US" altLang="ko-KR" sz="1050" dirty="0">
+                <a:solidFill>
+                  <a:schemeClr val="tx1">
+                    <a:lumMod val="50000"/>
+                    <a:lumOff val="50000"/>
+                  </a:schemeClr>
+                </a:solidFill>
+                <a:latin typeface="THEJung120" panose="02020603020101020101" pitchFamily="18" charset="-127"/>
+                <a:ea typeface="THEJung120" panose="02020603020101020101" pitchFamily="18" charset="-127"/>
+              </a:endParaRPr>
+            </a:p>
+          </p:txBody>
+        </p:sp>
+      </p:grpSp>
+      <p:grpSp>
+        <p:nvGrpSpPr>
+          <p:cNvPr id="27" name="그룹 26">
+            <a:extLst>
+              <a:ext uri="{FF2B5EF4-FFF2-40B4-BE49-F238E27FC236}">
+                <a16:creationId xmlns:a16="http://schemas.microsoft.com/office/drawing/2014/main" id="{723DFFFF-8D2D-4283-972F-D56BB7E15D45}"/>
+              </a:ext>
+            </a:extLst>
+          </p:cNvPr>
+          <p:cNvGrpSpPr/>
+          <p:nvPr/>
+        </p:nvGrpSpPr>
+        <p:grpSpPr>
+          <a:xfrm>
+            <a:off x="351449" y="452819"/>
+            <a:ext cx="3455355" cy="642375"/>
+            <a:chOff x="351449" y="452819"/>
+            <a:chExt cx="3455355" cy="642375"/>
+          </a:xfrm>
+        </p:grpSpPr>
+        <p:sp>
+          <p:nvSpPr>
+            <p:cNvPr id="29" name="TextBox 28">
+              <a:extLst>
+                <a:ext uri="{FF2B5EF4-FFF2-40B4-BE49-F238E27FC236}">
+                  <a16:creationId xmlns:a16="http://schemas.microsoft.com/office/drawing/2014/main" id="{08B0DFB2-A94A-4FC2-B63B-4E888CF56106}"/>
+                </a:ext>
+              </a:extLst>
+            </p:cNvPr>
+            <p:cNvSpPr txBox="1"/>
+            <p:nvPr/>
+          </p:nvSpPr>
+          <p:spPr>
+            <a:xfrm>
+              <a:off x="463182" y="864362"/>
+              <a:ext cx="1282277" cy="230832"/>
+            </a:xfrm>
+            <a:prstGeom prst="rect">
+              <a:avLst/>
+            </a:prstGeom>
+            <a:noFill/>
+          </p:spPr>
+          <p:txBody>
+            <a:bodyPr wrap="square" rtlCol="0">
+              <a:spAutoFit/>
+            </a:bodyPr>
+            <a:lstStyle/>
+            <a:p>
+              <a:r>
+                <a:rPr lang="ko-KR" altLang="en-US" sz="900" dirty="0">
+                  <a:solidFill>
+                    <a:schemeClr val="accent3">
+                      <a:lumMod val="75000"/>
+                    </a:schemeClr>
+                  </a:solidFill>
+                  <a:latin typeface="NanumBarunGothic" panose="020B0603020101020101" pitchFamily="34" charset="-127"/>
+                  <a:ea typeface="NanumBarunGothic" panose="020B0603020101020101" pitchFamily="34" charset="-127"/>
+                </a:rPr>
+                <a:t>인적사항</a:t>
+              </a:r>
+              <a:endParaRPr lang="ko-KR" altLang="en-US" sz="700" dirty="0">
+                <a:solidFill>
+                  <a:schemeClr val="accent3">
+                    <a:lumMod val="75000"/>
+                  </a:schemeClr>
+                </a:solidFill>
+                <a:latin typeface="NanumBarunGothic" panose="020B0603020101020101" pitchFamily="34" charset="-127"/>
+                <a:ea typeface="NanumBarunGothic" panose="020B0603020101020101" pitchFamily="34" charset="-127"/>
+              </a:endParaRPr>
+            </a:p>
+          </p:txBody>
+        </p:sp>
+        <p:sp>
+          <p:nvSpPr>
+            <p:cNvPr id="30" name="TextBox 29">
+              <a:extLst>
+                <a:ext uri="{FF2B5EF4-FFF2-40B4-BE49-F238E27FC236}">
+                  <a16:creationId xmlns:a16="http://schemas.microsoft.com/office/drawing/2014/main" id="{2156B9E7-7D28-4192-9C5B-8D9FD35A790C}"/>
+                </a:ext>
+              </a:extLst>
+            </p:cNvPr>
+            <p:cNvSpPr txBox="1"/>
+            <p:nvPr/>
+          </p:nvSpPr>
+          <p:spPr>
+            <a:xfrm>
+              <a:off x="1164070" y="864362"/>
+              <a:ext cx="830163" cy="230832"/>
+            </a:xfrm>
+            <a:prstGeom prst="rect">
+              <a:avLst/>
+            </a:prstGeom>
+            <a:noFill/>
+          </p:spPr>
+          <p:txBody>
+            <a:bodyPr wrap="square" rtlCol="0">
+              <a:spAutoFit/>
+            </a:bodyPr>
+            <a:lstStyle/>
+            <a:p>
+              <a:r>
+                <a:rPr lang="ko-KR" altLang="en-US" sz="900" dirty="0">
+                  <a:solidFill>
+                    <a:schemeClr val="accent3">
+                      <a:lumMod val="75000"/>
+                    </a:schemeClr>
+                  </a:solidFill>
+                  <a:latin typeface="NanumBarunGothic" panose="020B0603020101020101" pitchFamily="34" charset="-127"/>
+                  <a:ea typeface="NanumBarunGothic" panose="020B0603020101020101" pitchFamily="34" charset="-127"/>
+                </a:rPr>
+                <a:t>이수 과목</a:t>
+              </a:r>
+            </a:p>
+          </p:txBody>
+        </p:sp>
+        <p:sp>
+          <p:nvSpPr>
+            <p:cNvPr id="31" name="TextBox 30">
+              <a:extLst>
+                <a:ext uri="{FF2B5EF4-FFF2-40B4-BE49-F238E27FC236}">
+                  <a16:creationId xmlns:a16="http://schemas.microsoft.com/office/drawing/2014/main" id="{C367887D-C509-407A-8051-E8DFFE71EB53}"/>
+                </a:ext>
+              </a:extLst>
+            </p:cNvPr>
+            <p:cNvSpPr txBox="1"/>
+            <p:nvPr/>
+          </p:nvSpPr>
+          <p:spPr>
+            <a:xfrm>
+              <a:off x="1881749" y="846723"/>
+              <a:ext cx="1282277" cy="246221"/>
+            </a:xfrm>
+            <a:prstGeom prst="rect">
+              <a:avLst/>
+            </a:prstGeom>
+            <a:noFill/>
+          </p:spPr>
+          <p:txBody>
+            <a:bodyPr wrap="square" rtlCol="0">
+              <a:spAutoFit/>
+            </a:bodyPr>
+            <a:lstStyle/>
+            <a:p>
+              <a:r>
+                <a:rPr lang="en-US" altLang="ko-KR" sz="1000" b="1" dirty="0">
+                  <a:latin typeface="NanumBarunGothic" panose="020B0603020101020101" pitchFamily="34" charset="-127"/>
+                  <a:ea typeface="NanumBarunGothic" panose="020B0603020101020101" pitchFamily="34" charset="-127"/>
+                </a:rPr>
+                <a:t>PROJECTS</a:t>
+              </a:r>
+              <a:endParaRPr lang="ko-KR" altLang="en-US" sz="900" b="1" dirty="0">
+                <a:latin typeface="NanumBarunGothic" panose="020B0603020101020101" pitchFamily="34" charset="-127"/>
+                <a:ea typeface="NanumBarunGothic" panose="020B0603020101020101" pitchFamily="34" charset="-127"/>
+              </a:endParaRPr>
+            </a:p>
+          </p:txBody>
+        </p:sp>
+        <p:sp>
+          <p:nvSpPr>
+            <p:cNvPr id="33" name="TextBox 32">
+              <a:extLst>
+                <a:ext uri="{FF2B5EF4-FFF2-40B4-BE49-F238E27FC236}">
+                  <a16:creationId xmlns:a16="http://schemas.microsoft.com/office/drawing/2014/main" id="{FC34CD92-D8EB-4DFD-9846-CB3C6A607BC9}"/>
+                </a:ext>
+              </a:extLst>
+            </p:cNvPr>
+            <p:cNvSpPr txBox="1"/>
+            <p:nvPr/>
+          </p:nvSpPr>
+          <p:spPr>
+            <a:xfrm>
+              <a:off x="2612739" y="864362"/>
+              <a:ext cx="1194065" cy="230832"/>
+            </a:xfrm>
+            <a:prstGeom prst="rect">
+              <a:avLst/>
+            </a:prstGeom>
+            <a:noFill/>
+          </p:spPr>
+          <p:txBody>
+            <a:bodyPr wrap="square" rtlCol="0">
+              <a:spAutoFit/>
+            </a:bodyPr>
+            <a:lstStyle/>
+            <a:p>
+              <a:r>
+                <a:rPr lang="ko-KR" altLang="en-US" sz="900" dirty="0">
+                  <a:solidFill>
+                    <a:schemeClr val="tx1">
+                      <a:lumMod val="50000"/>
+                      <a:lumOff val="50000"/>
+                    </a:schemeClr>
+                  </a:solidFill>
+                  <a:latin typeface="NanumBarunGothic" panose="020B0603020101020101" pitchFamily="34" charset="-127"/>
+                  <a:ea typeface="NanumBarunGothic" panose="020B0603020101020101" pitchFamily="34" charset="-127"/>
+                </a:rPr>
+                <a:t>교내외활동</a:t>
+              </a:r>
+              <a:r>
+                <a:rPr lang="en-US" altLang="ko-KR" sz="900" dirty="0">
+                  <a:solidFill>
+                    <a:schemeClr val="tx1">
+                      <a:lumMod val="50000"/>
+                      <a:lumOff val="50000"/>
+                    </a:schemeClr>
+                  </a:solidFill>
+                  <a:latin typeface="NanumBarunGothic" panose="020B0603020101020101" pitchFamily="34" charset="-127"/>
+                  <a:ea typeface="NanumBarunGothic" panose="020B0603020101020101" pitchFamily="34" charset="-127"/>
+                </a:rPr>
+                <a:t>/</a:t>
+              </a:r>
+              <a:r>
+                <a:rPr lang="ko-KR" altLang="en-US" sz="900" dirty="0">
+                  <a:solidFill>
+                    <a:schemeClr val="tx1">
+                      <a:lumMod val="50000"/>
+                      <a:lumOff val="50000"/>
+                    </a:schemeClr>
+                  </a:solidFill>
+                  <a:latin typeface="NanumBarunGothic" panose="020B0603020101020101" pitchFamily="34" charset="-127"/>
+                  <a:ea typeface="NanumBarunGothic" panose="020B0603020101020101" pitchFamily="34" charset="-127"/>
+                </a:rPr>
+                <a:t>자격증</a:t>
+              </a:r>
+            </a:p>
+          </p:txBody>
+        </p:sp>
+        <p:sp>
+          <p:nvSpPr>
+            <p:cNvPr id="34" name="TextBox 33">
+              <a:extLst>
+                <a:ext uri="{FF2B5EF4-FFF2-40B4-BE49-F238E27FC236}">
+                  <a16:creationId xmlns:a16="http://schemas.microsoft.com/office/drawing/2014/main" id="{BE726CB8-2F4E-46E7-9682-5727ED496137}"/>
+                </a:ext>
+              </a:extLst>
+            </p:cNvPr>
+            <p:cNvSpPr txBox="1"/>
+            <p:nvPr/>
+          </p:nvSpPr>
+          <p:spPr>
+            <a:xfrm>
+              <a:off x="351449" y="452819"/>
+              <a:ext cx="2836739" cy="369332"/>
+            </a:xfrm>
+            <a:prstGeom prst="rect">
+              <a:avLst/>
+            </a:prstGeom>
+            <a:noFill/>
+          </p:spPr>
+          <p:txBody>
+            <a:bodyPr wrap="square" rtlCol="0">
+              <a:spAutoFit/>
+            </a:bodyPr>
+            <a:lstStyle/>
+            <a:p>
+              <a:r>
+                <a:rPr lang="en-US" altLang="ko-KR" sz="1000" b="1" dirty="0">
+                  <a:solidFill>
+                    <a:srgbClr val="EC8A62"/>
+                  </a:solidFill>
+                  <a:latin typeface="NanumBarunGothic" panose="020B0603020101020101" pitchFamily="34" charset="-127"/>
+                  <a:ea typeface="NanumBarunGothic" panose="020B0603020101020101" pitchFamily="34" charset="-127"/>
+                </a:rPr>
+                <a:t>  </a:t>
+              </a:r>
+              <a:r>
+                <a:rPr lang="en-US" altLang="ko-KR" b="1" dirty="0">
+                  <a:solidFill>
+                    <a:srgbClr val="EC8A62"/>
+                  </a:solidFill>
+                  <a:latin typeface="NanumBarunGothic" panose="020B0603020101020101" pitchFamily="34" charset="-127"/>
+                  <a:ea typeface="NanumBarunGothic" panose="020B0603020101020101" pitchFamily="34" charset="-127"/>
+                </a:rPr>
+                <a:t>[PORTFOLIO] </a:t>
+              </a:r>
+              <a:r>
+                <a:rPr lang="ko-KR" altLang="en-US" b="1" dirty="0">
+                  <a:solidFill>
+                    <a:srgbClr val="EC8A62"/>
+                  </a:solidFill>
+                  <a:latin typeface="NanumBarunGothic" panose="020B0603020101020101" pitchFamily="34" charset="-127"/>
+                  <a:ea typeface="NanumBarunGothic" panose="020B0603020101020101" pitchFamily="34" charset="-127"/>
+                </a:rPr>
+                <a:t>이승엽</a:t>
+              </a:r>
+              <a:endParaRPr lang="ko-KR" altLang="en-US" sz="1000" b="1" dirty="0">
+                <a:solidFill>
+                  <a:srgbClr val="EC8A62"/>
+                </a:solidFill>
+                <a:latin typeface="NanumBarunGothic" panose="020B0603020101020101" pitchFamily="34" charset="-127"/>
+                <a:ea typeface="NanumBarunGothic" panose="020B0603020101020101" pitchFamily="34" charset="-127"/>
+              </a:endParaRPr>
+            </a:p>
+          </p:txBody>
+        </p:sp>
+      </p:grpSp>
+      <p:grpSp>
+        <p:nvGrpSpPr>
+          <p:cNvPr id="44" name="그룹 43">
+            <a:extLst>
+              <a:ext uri="{FF2B5EF4-FFF2-40B4-BE49-F238E27FC236}">
+                <a16:creationId xmlns:a16="http://schemas.microsoft.com/office/drawing/2014/main" id="{A87E8E9E-58EE-4413-A78D-D2CBCCA25C8C}"/>
+              </a:ext>
+            </a:extLst>
+          </p:cNvPr>
+          <p:cNvGrpSpPr/>
+          <p:nvPr/>
+        </p:nvGrpSpPr>
+        <p:grpSpPr>
+          <a:xfrm>
+            <a:off x="6249801" y="4150130"/>
+            <a:ext cx="3266000" cy="1070687"/>
+            <a:chOff x="6657264" y="2669246"/>
+            <a:chExt cx="3266000" cy="1070687"/>
+          </a:xfrm>
+        </p:grpSpPr>
+        <p:sp>
+          <p:nvSpPr>
+            <p:cNvPr id="45" name="삼각형 45">
+              <a:extLst>
+                <a:ext uri="{FF2B5EF4-FFF2-40B4-BE49-F238E27FC236}">
+                  <a16:creationId xmlns:a16="http://schemas.microsoft.com/office/drawing/2014/main" id="{FEF2F2D1-8E9E-413E-8037-4D38173513DC}"/>
+                </a:ext>
+              </a:extLst>
+            </p:cNvPr>
+            <p:cNvSpPr/>
+            <p:nvPr/>
+          </p:nvSpPr>
+          <p:spPr>
+            <a:xfrm rot="5400000">
+              <a:off x="6652273" y="2730796"/>
+              <a:ext cx="133104" cy="123122"/>
+            </a:xfrm>
+            <a:prstGeom prst="triangle">
+              <a:avLst/>
+            </a:prstGeom>
+            <a:solidFill>
+              <a:srgbClr val="F4BA5B"/>
+            </a:solidFill>
+            <a:ln>
+              <a:noFill/>
+            </a:ln>
+          </p:spPr>
+          <p:style>
+            <a:lnRef idx="2">
+              <a:schemeClr val="accent1">
+                <a:shade val="50000"/>
+              </a:schemeClr>
+            </a:lnRef>
+            <a:fillRef idx="1">
+              <a:schemeClr val="accent1"/>
+            </a:fillRef>
+            <a:effectRef idx="0">
+              <a:schemeClr val="accent1"/>
+            </a:effectRef>
+            <a:fontRef idx="minor">
+              <a:schemeClr val="lt1"/>
+            </a:fontRef>
+          </p:style>
+          <p:txBody>
+            <a:bodyPr rtlCol="0" anchor="ctr"/>
+            <a:lstStyle/>
+            <a:p>
+              <a:pPr algn="ctr"/>
+              <a:endParaRPr kumimoji="1" lang="ko-KR" altLang="en-US" sz="1463"/>
+            </a:p>
+          </p:txBody>
+        </p:sp>
+        <p:sp>
+          <p:nvSpPr>
+            <p:cNvPr id="46" name="TextBox 45">
+              <a:extLst>
+                <a:ext uri="{FF2B5EF4-FFF2-40B4-BE49-F238E27FC236}">
+                  <a16:creationId xmlns:a16="http://schemas.microsoft.com/office/drawing/2014/main" id="{6CCEE92C-7DE7-4740-AC2C-36AD465730CC}"/>
+                </a:ext>
+              </a:extLst>
+            </p:cNvPr>
+            <p:cNvSpPr txBox="1"/>
+            <p:nvPr/>
+          </p:nvSpPr>
+          <p:spPr>
+            <a:xfrm>
+              <a:off x="6812234" y="2669246"/>
+              <a:ext cx="1354009" cy="276999"/>
+            </a:xfrm>
+            <a:prstGeom prst="rect">
+              <a:avLst/>
+            </a:prstGeom>
+            <a:noFill/>
+          </p:spPr>
+          <p:txBody>
+            <a:bodyPr wrap="square" rtlCol="0">
+              <a:spAutoFit/>
+            </a:bodyPr>
+            <a:lstStyle/>
+            <a:p>
+              <a:r>
+                <a:rPr kumimoji="1" lang="ko-KR" altLang="en-US" sz="1200" b="1" dirty="0">
+                  <a:latin typeface="THEJung120" panose="02020603020101020101" pitchFamily="18" charset="-127"/>
+                  <a:ea typeface="THEJung120" panose="02020603020101020101" pitchFamily="18" charset="-127"/>
+                </a:rPr>
+                <a:t>프로젝트 설명</a:t>
+              </a:r>
+            </a:p>
+          </p:txBody>
+        </p:sp>
+        <p:sp>
+          <p:nvSpPr>
+            <p:cNvPr id="47" name="TextBox 46">
+              <a:extLst>
+                <a:ext uri="{FF2B5EF4-FFF2-40B4-BE49-F238E27FC236}">
+                  <a16:creationId xmlns:a16="http://schemas.microsoft.com/office/drawing/2014/main" id="{7B285D69-70FD-43E4-8059-8346E4F180C4}"/>
+                </a:ext>
+              </a:extLst>
+            </p:cNvPr>
+            <p:cNvSpPr txBox="1"/>
+            <p:nvPr/>
+          </p:nvSpPr>
+          <p:spPr>
+            <a:xfrm>
+              <a:off x="6657264" y="3001269"/>
+              <a:ext cx="3266000" cy="738664"/>
+            </a:xfrm>
+            <a:prstGeom prst="rect">
+              <a:avLst/>
+            </a:prstGeom>
+            <a:noFill/>
+          </p:spPr>
+          <p:txBody>
+            <a:bodyPr wrap="square" rtlCol="0">
+              <a:spAutoFit/>
+            </a:bodyPr>
+            <a:lstStyle/>
+            <a:p>
+              <a:pPr eaLnBrk="0" hangingPunct="0"/>
+              <a:r>
+                <a:rPr kumimoji="1" lang="en-US" altLang="ko-KR" sz="1050" dirty="0">
+                  <a:solidFill>
+                    <a:schemeClr val="tx1">
+                      <a:lumMod val="50000"/>
+                      <a:lumOff val="50000"/>
+                    </a:schemeClr>
+                  </a:solidFill>
+                  <a:latin typeface="THEJung120" panose="02020603020101020101" pitchFamily="18" charset="-127"/>
+                  <a:ea typeface="THEJung120" panose="02020603020101020101" pitchFamily="18" charset="-127"/>
+                </a:rPr>
+                <a:t>Unity</a:t>
+              </a:r>
+              <a:r>
+                <a:rPr kumimoji="1" lang="ko-KR" altLang="en-US" sz="1050" dirty="0">
+                  <a:solidFill>
+                    <a:schemeClr val="tx1">
+                      <a:lumMod val="50000"/>
+                      <a:lumOff val="50000"/>
+                    </a:schemeClr>
+                  </a:solidFill>
+                  <a:latin typeface="THEJung120" panose="02020603020101020101" pitchFamily="18" charset="-127"/>
+                  <a:ea typeface="THEJung120" panose="02020603020101020101" pitchFamily="18" charset="-127"/>
+                </a:rPr>
+                <a:t>를 통해 개발된 </a:t>
+              </a:r>
+              <a:r>
+                <a:rPr kumimoji="1" lang="en-US" altLang="ko-KR" sz="1050" dirty="0">
+                  <a:solidFill>
+                    <a:schemeClr val="tx1">
+                      <a:lumMod val="50000"/>
+                      <a:lumOff val="50000"/>
+                    </a:schemeClr>
+                  </a:solidFill>
+                  <a:latin typeface="THEJung120" panose="02020603020101020101" pitchFamily="18" charset="-127"/>
+                  <a:ea typeface="THEJung120" panose="02020603020101020101" pitchFamily="18" charset="-127"/>
+                </a:rPr>
+                <a:t>VR</a:t>
+              </a:r>
+              <a:r>
+                <a:rPr kumimoji="1" lang="ko-KR" altLang="en-US" sz="1050" dirty="0">
+                  <a:solidFill>
+                    <a:schemeClr val="tx1">
+                      <a:lumMod val="50000"/>
+                      <a:lumOff val="50000"/>
+                    </a:schemeClr>
+                  </a:solidFill>
+                  <a:latin typeface="THEJung120" panose="02020603020101020101" pitchFamily="18" charset="-127"/>
+                  <a:ea typeface="THEJung120" panose="02020603020101020101" pitchFamily="18" charset="-127"/>
+                </a:rPr>
+                <a:t>기반 지게차 시뮬레이터 프로그램으로 실제 지게차 운전 기능사와 동일한 맵 구성</a:t>
+              </a:r>
+              <a:r>
+                <a:rPr kumimoji="1" lang="en-US" altLang="ko-KR" sz="1050" dirty="0">
+                  <a:solidFill>
+                    <a:schemeClr val="tx1">
+                      <a:lumMod val="50000"/>
+                      <a:lumOff val="50000"/>
+                    </a:schemeClr>
+                  </a:solidFill>
+                  <a:latin typeface="THEJung120" panose="02020603020101020101" pitchFamily="18" charset="-127"/>
+                  <a:ea typeface="THEJung120" panose="02020603020101020101" pitchFamily="18" charset="-127"/>
+                </a:rPr>
+                <a:t>, </a:t>
+              </a:r>
+              <a:r>
+                <a:rPr kumimoji="1" lang="ko-KR" altLang="en-US" sz="1050" dirty="0">
+                  <a:solidFill>
+                    <a:schemeClr val="tx1">
+                      <a:lumMod val="50000"/>
+                      <a:lumOff val="50000"/>
+                    </a:schemeClr>
+                  </a:solidFill>
+                  <a:latin typeface="THEJung120" panose="02020603020101020101" pitchFamily="18" charset="-127"/>
+                  <a:ea typeface="THEJung120" panose="02020603020101020101" pitchFamily="18" charset="-127"/>
+                </a:rPr>
+                <a:t>기능 구현들을 통해 사용자의 지게차 기능 이해를 돕는 프로그램이다</a:t>
+              </a:r>
+              <a:r>
+                <a:rPr kumimoji="1" lang="en-US" altLang="ko-KR" sz="1050" dirty="0">
+                  <a:solidFill>
+                    <a:schemeClr val="tx1">
+                      <a:lumMod val="50000"/>
+                      <a:lumOff val="50000"/>
+                    </a:schemeClr>
+                  </a:solidFill>
+                  <a:latin typeface="THEJung120" panose="02020603020101020101" pitchFamily="18" charset="-127"/>
+                  <a:ea typeface="THEJung120" panose="02020603020101020101" pitchFamily="18" charset="-127"/>
+                </a:rPr>
+                <a:t>.</a:t>
+              </a:r>
+            </a:p>
+          </p:txBody>
+        </p:sp>
+      </p:grpSp>
+      <p:grpSp>
+        <p:nvGrpSpPr>
+          <p:cNvPr id="54" name="그룹 53">
+            <a:extLst>
+              <a:ext uri="{FF2B5EF4-FFF2-40B4-BE49-F238E27FC236}">
+                <a16:creationId xmlns:a16="http://schemas.microsoft.com/office/drawing/2014/main" id="{AA1A521A-A55B-423C-BDFC-095FEA984DDB}"/>
+              </a:ext>
+            </a:extLst>
+          </p:cNvPr>
+          <p:cNvGrpSpPr/>
+          <p:nvPr/>
+        </p:nvGrpSpPr>
+        <p:grpSpPr>
+          <a:xfrm>
+            <a:off x="8164382" y="2191057"/>
+            <a:ext cx="1508979" cy="585939"/>
+            <a:chOff x="6657264" y="2669246"/>
+            <a:chExt cx="1508979" cy="585939"/>
+          </a:xfrm>
+        </p:grpSpPr>
+        <p:sp>
+          <p:nvSpPr>
+            <p:cNvPr id="55" name="삼각형 45">
+              <a:extLst>
+                <a:ext uri="{FF2B5EF4-FFF2-40B4-BE49-F238E27FC236}">
+                  <a16:creationId xmlns:a16="http://schemas.microsoft.com/office/drawing/2014/main" id="{316E335C-4377-4551-A3FF-F538F5DBA443}"/>
+                </a:ext>
+              </a:extLst>
+            </p:cNvPr>
+            <p:cNvSpPr/>
+            <p:nvPr/>
+          </p:nvSpPr>
+          <p:spPr>
+            <a:xfrm rot="5400000">
+              <a:off x="6652273" y="2730796"/>
+              <a:ext cx="133104" cy="123122"/>
+            </a:xfrm>
+            <a:prstGeom prst="triangle">
+              <a:avLst/>
+            </a:prstGeom>
+            <a:solidFill>
+              <a:srgbClr val="F4BA5B"/>
+            </a:solidFill>
+            <a:ln>
+              <a:noFill/>
+            </a:ln>
+          </p:spPr>
+          <p:style>
+            <a:lnRef idx="2">
+              <a:schemeClr val="accent1">
+                <a:shade val="50000"/>
+              </a:schemeClr>
+            </a:lnRef>
+            <a:fillRef idx="1">
+              <a:schemeClr val="accent1"/>
+            </a:fillRef>
+            <a:effectRef idx="0">
+              <a:schemeClr val="accent1"/>
+            </a:effectRef>
+            <a:fontRef idx="minor">
+              <a:schemeClr val="lt1"/>
+            </a:fontRef>
+          </p:style>
+          <p:txBody>
+            <a:bodyPr rtlCol="0" anchor="ctr"/>
+            <a:lstStyle/>
+            <a:p>
+              <a:pPr algn="ctr"/>
+              <a:endParaRPr kumimoji="1" lang="ko-KR" altLang="en-US" sz="1463"/>
+            </a:p>
+          </p:txBody>
+        </p:sp>
+        <p:sp>
+          <p:nvSpPr>
+            <p:cNvPr id="56" name="TextBox 55">
+              <a:extLst>
+                <a:ext uri="{FF2B5EF4-FFF2-40B4-BE49-F238E27FC236}">
+                  <a16:creationId xmlns:a16="http://schemas.microsoft.com/office/drawing/2014/main" id="{1AFA309F-BC4E-4DFD-9F4A-A4E87E99556F}"/>
+                </a:ext>
+              </a:extLst>
+            </p:cNvPr>
+            <p:cNvSpPr txBox="1"/>
+            <p:nvPr/>
+          </p:nvSpPr>
+          <p:spPr>
+            <a:xfrm>
+              <a:off x="6812234" y="2669246"/>
+              <a:ext cx="1354009" cy="276999"/>
+            </a:xfrm>
+            <a:prstGeom prst="rect">
+              <a:avLst/>
+            </a:prstGeom>
+            <a:noFill/>
+          </p:spPr>
+          <p:txBody>
+            <a:bodyPr wrap="square" rtlCol="0">
+              <a:spAutoFit/>
+            </a:bodyPr>
+            <a:lstStyle/>
+            <a:p>
+              <a:r>
+                <a:rPr kumimoji="1" lang="ko-KR" altLang="en-US" sz="1200" b="1" dirty="0">
+                  <a:latin typeface="THEJung120" panose="02020603020101020101" pitchFamily="18" charset="-127"/>
+                  <a:ea typeface="THEJung120" panose="02020603020101020101" pitchFamily="18" charset="-127"/>
+                </a:rPr>
+                <a:t>개발인원</a:t>
+              </a:r>
+            </a:p>
+          </p:txBody>
+        </p:sp>
+        <p:sp>
+          <p:nvSpPr>
+            <p:cNvPr id="57" name="TextBox 56">
+              <a:extLst>
+                <a:ext uri="{FF2B5EF4-FFF2-40B4-BE49-F238E27FC236}">
+                  <a16:creationId xmlns:a16="http://schemas.microsoft.com/office/drawing/2014/main" id="{EB0B94E1-5A3F-4180-A81D-030F3327DD50}"/>
+                </a:ext>
+              </a:extLst>
+            </p:cNvPr>
+            <p:cNvSpPr txBox="1"/>
+            <p:nvPr/>
+          </p:nvSpPr>
+          <p:spPr>
+            <a:xfrm>
+              <a:off x="6657264" y="3001269"/>
+              <a:ext cx="393056" cy="253916"/>
+            </a:xfrm>
+            <a:prstGeom prst="rect">
+              <a:avLst/>
+            </a:prstGeom>
+            <a:noFill/>
+          </p:spPr>
+          <p:txBody>
+            <a:bodyPr wrap="none" rtlCol="0">
+              <a:spAutoFit/>
+            </a:bodyPr>
+            <a:lstStyle/>
+            <a:p>
+              <a:r>
+                <a:rPr kumimoji="1" lang="en-US" altLang="ko-KR" sz="1050" dirty="0">
+                  <a:solidFill>
+                    <a:schemeClr val="tx1">
+                      <a:lumMod val="50000"/>
+                      <a:lumOff val="50000"/>
+                    </a:schemeClr>
+                  </a:solidFill>
+                  <a:latin typeface="THEJung120" panose="02020603020101020101" pitchFamily="18" charset="-127"/>
+                  <a:ea typeface="THEJung120" panose="02020603020101020101" pitchFamily="18" charset="-127"/>
+                </a:rPr>
+                <a:t>4</a:t>
+              </a:r>
+              <a:r>
+                <a:rPr kumimoji="1" lang="ko-KR" altLang="en-US" sz="1050" dirty="0">
+                  <a:solidFill>
+                    <a:schemeClr val="tx1">
+                      <a:lumMod val="50000"/>
+                      <a:lumOff val="50000"/>
+                    </a:schemeClr>
+                  </a:solidFill>
+                  <a:latin typeface="THEJung120" panose="02020603020101020101" pitchFamily="18" charset="-127"/>
+                  <a:ea typeface="THEJung120" panose="02020603020101020101" pitchFamily="18" charset="-127"/>
+                </a:rPr>
+                <a:t>명</a:t>
+              </a:r>
+              <a:endParaRPr kumimoji="1" lang="en-US" altLang="ko-KR" sz="1050" dirty="0">
+                <a:solidFill>
+                  <a:schemeClr val="tx1">
+                    <a:lumMod val="50000"/>
+                    <a:lumOff val="50000"/>
+                  </a:schemeClr>
+                </a:solidFill>
+                <a:latin typeface="THEJung120" panose="02020603020101020101" pitchFamily="18" charset="-127"/>
+                <a:ea typeface="THEJung120" panose="02020603020101020101" pitchFamily="18" charset="-127"/>
+              </a:endParaRPr>
+            </a:p>
+          </p:txBody>
+        </p:sp>
+      </p:grpSp>
+      <p:grpSp>
+        <p:nvGrpSpPr>
+          <p:cNvPr id="58" name="그룹 57">
+            <a:extLst>
+              <a:ext uri="{FF2B5EF4-FFF2-40B4-BE49-F238E27FC236}">
+                <a16:creationId xmlns:a16="http://schemas.microsoft.com/office/drawing/2014/main" id="{6DD84803-2C42-4EF2-8D53-E46F7E8442D4}"/>
+              </a:ext>
+            </a:extLst>
+          </p:cNvPr>
+          <p:cNvGrpSpPr/>
+          <p:nvPr/>
+        </p:nvGrpSpPr>
+        <p:grpSpPr>
+          <a:xfrm>
+            <a:off x="8161497" y="3029041"/>
+            <a:ext cx="1508979" cy="694564"/>
+            <a:chOff x="6657264" y="3368786"/>
+            <a:chExt cx="1508979" cy="694564"/>
+          </a:xfrm>
+        </p:grpSpPr>
+        <p:sp>
+          <p:nvSpPr>
+            <p:cNvPr id="59" name="삼각형 45">
+              <a:extLst>
+                <a:ext uri="{FF2B5EF4-FFF2-40B4-BE49-F238E27FC236}">
+                  <a16:creationId xmlns:a16="http://schemas.microsoft.com/office/drawing/2014/main" id="{6A064AA8-CC8B-4DB7-A51E-7A3879BDCF20}"/>
+                </a:ext>
+              </a:extLst>
+            </p:cNvPr>
+            <p:cNvSpPr/>
+            <p:nvPr/>
+          </p:nvSpPr>
+          <p:spPr>
+            <a:xfrm rot="5400000">
+              <a:off x="6652273" y="3430336"/>
+              <a:ext cx="133104" cy="123122"/>
+            </a:xfrm>
+            <a:prstGeom prst="triangle">
+              <a:avLst/>
+            </a:prstGeom>
+            <a:solidFill>
+              <a:srgbClr val="F4BA5B"/>
+            </a:solidFill>
+            <a:ln>
+              <a:noFill/>
+            </a:ln>
+          </p:spPr>
+          <p:style>
+            <a:lnRef idx="2">
+              <a:schemeClr val="accent1">
+                <a:shade val="50000"/>
+              </a:schemeClr>
+            </a:lnRef>
+            <a:fillRef idx="1">
+              <a:schemeClr val="accent1"/>
+            </a:fillRef>
+            <a:effectRef idx="0">
+              <a:schemeClr val="accent1"/>
+            </a:effectRef>
+            <a:fontRef idx="minor">
+              <a:schemeClr val="lt1"/>
+            </a:fontRef>
+          </p:style>
+          <p:txBody>
+            <a:bodyPr rtlCol="0" anchor="ctr"/>
+            <a:lstStyle/>
+            <a:p>
+              <a:pPr algn="ctr"/>
+              <a:endParaRPr kumimoji="1" lang="ko-KR" altLang="en-US" sz="1463"/>
+            </a:p>
+          </p:txBody>
+        </p:sp>
+        <p:sp>
+          <p:nvSpPr>
+            <p:cNvPr id="60" name="TextBox 59">
+              <a:extLst>
+                <a:ext uri="{FF2B5EF4-FFF2-40B4-BE49-F238E27FC236}">
+                  <a16:creationId xmlns:a16="http://schemas.microsoft.com/office/drawing/2014/main" id="{07C3476C-C47A-41EC-87FB-FE5EF9CB3A6F}"/>
+                </a:ext>
+              </a:extLst>
+            </p:cNvPr>
+            <p:cNvSpPr txBox="1"/>
+            <p:nvPr/>
+          </p:nvSpPr>
+          <p:spPr>
+            <a:xfrm>
+              <a:off x="6812234" y="3368786"/>
+              <a:ext cx="1354009" cy="276999"/>
+            </a:xfrm>
+            <a:prstGeom prst="rect">
+              <a:avLst/>
+            </a:prstGeom>
+            <a:noFill/>
+          </p:spPr>
+          <p:txBody>
+            <a:bodyPr wrap="square" rtlCol="0">
+              <a:spAutoFit/>
+            </a:bodyPr>
+            <a:lstStyle/>
+            <a:p>
+              <a:r>
+                <a:rPr kumimoji="1" lang="en-US" altLang="ko-KR" sz="1200" b="1" dirty="0">
+                  <a:latin typeface="THEJung120" panose="02020603020101020101" pitchFamily="18" charset="-127"/>
+                  <a:ea typeface="THEJung120" panose="02020603020101020101" pitchFamily="18" charset="-127"/>
+                </a:rPr>
+                <a:t>SKILLS / IDE</a:t>
+              </a:r>
+              <a:endParaRPr kumimoji="1" lang="ko-KR" altLang="en-US" sz="1200" b="1" dirty="0">
+                <a:latin typeface="THEJung120" panose="02020603020101020101" pitchFamily="18" charset="-127"/>
+                <a:ea typeface="THEJung120" panose="02020603020101020101" pitchFamily="18" charset="-127"/>
+              </a:endParaRPr>
+            </a:p>
+          </p:txBody>
+        </p:sp>
+        <p:sp>
+          <p:nvSpPr>
+            <p:cNvPr id="61" name="TextBox 60">
+              <a:extLst>
+                <a:ext uri="{FF2B5EF4-FFF2-40B4-BE49-F238E27FC236}">
+                  <a16:creationId xmlns:a16="http://schemas.microsoft.com/office/drawing/2014/main" id="{C2EF1987-02DD-4CD0-87B2-C6D98E043FB4}"/>
+                </a:ext>
+              </a:extLst>
+            </p:cNvPr>
+            <p:cNvSpPr txBox="1"/>
+            <p:nvPr/>
+          </p:nvSpPr>
+          <p:spPr>
+            <a:xfrm>
+              <a:off x="6660149" y="3647852"/>
+              <a:ext cx="503664" cy="415498"/>
+            </a:xfrm>
+            <a:prstGeom prst="rect">
+              <a:avLst/>
+            </a:prstGeom>
+            <a:noFill/>
+          </p:spPr>
+          <p:txBody>
+            <a:bodyPr wrap="none" rtlCol="0">
+              <a:spAutoFit/>
+            </a:bodyPr>
+            <a:lstStyle/>
+            <a:p>
+              <a:r>
+                <a:rPr kumimoji="1" lang="en-US" altLang="ko-KR" sz="1050" dirty="0">
+                  <a:solidFill>
+                    <a:schemeClr val="tx1">
+                      <a:lumMod val="50000"/>
+                      <a:lumOff val="50000"/>
+                    </a:schemeClr>
+                  </a:solidFill>
+                  <a:latin typeface="THEJung120" panose="02020603020101020101" pitchFamily="18" charset="-127"/>
+                  <a:ea typeface="THEJung120" panose="02020603020101020101" pitchFamily="18" charset="-127"/>
+                </a:rPr>
+                <a:t>C#</a:t>
+              </a:r>
+            </a:p>
+            <a:p>
+              <a:r>
+                <a:rPr kumimoji="1" lang="en-US" altLang="ko-KR" sz="1050" dirty="0">
+                  <a:solidFill>
+                    <a:schemeClr val="tx1">
+                      <a:lumMod val="50000"/>
+                      <a:lumOff val="50000"/>
+                    </a:schemeClr>
+                  </a:solidFill>
+                  <a:latin typeface="THEJung120" panose="02020603020101020101" pitchFamily="18" charset="-127"/>
+                  <a:ea typeface="THEJung120" panose="02020603020101020101" pitchFamily="18" charset="-127"/>
+                </a:rPr>
+                <a:t>Unity</a:t>
+              </a:r>
+            </a:p>
+          </p:txBody>
+        </p:sp>
+      </p:grpSp>
+      <p:grpSp>
+        <p:nvGrpSpPr>
+          <p:cNvPr id="14" name="그룹 13">
+            <a:extLst>
+              <a:ext uri="{FF2B5EF4-FFF2-40B4-BE49-F238E27FC236}">
+                <a16:creationId xmlns:a16="http://schemas.microsoft.com/office/drawing/2014/main" id="{7E205A67-892E-443D-B478-FD9CF18594DC}"/>
+              </a:ext>
+            </a:extLst>
+          </p:cNvPr>
+          <p:cNvGrpSpPr/>
+          <p:nvPr/>
+        </p:nvGrpSpPr>
+        <p:grpSpPr>
+          <a:xfrm>
+            <a:off x="6249801" y="5374522"/>
+            <a:ext cx="2986468" cy="488430"/>
+            <a:chOff x="6253152" y="5636807"/>
+            <a:chExt cx="2986468" cy="488430"/>
+          </a:xfrm>
+        </p:grpSpPr>
+        <p:sp>
+          <p:nvSpPr>
+            <p:cNvPr id="149" name="삼각형 45">
+              <a:extLst>
+                <a:ext uri="{FF2B5EF4-FFF2-40B4-BE49-F238E27FC236}">
+                  <a16:creationId xmlns:a16="http://schemas.microsoft.com/office/drawing/2014/main" id="{079A80A8-5369-461E-B6E4-135C69EE1526}"/>
+                </a:ext>
+              </a:extLst>
+            </p:cNvPr>
+            <p:cNvSpPr/>
+            <p:nvPr/>
+          </p:nvSpPr>
+          <p:spPr>
+            <a:xfrm rot="5400000">
+              <a:off x="6248161" y="5698357"/>
+              <a:ext cx="133104" cy="123122"/>
+            </a:xfrm>
+            <a:prstGeom prst="triangle">
+              <a:avLst/>
+            </a:prstGeom>
+            <a:solidFill>
+              <a:srgbClr val="F4BA5B"/>
+            </a:solidFill>
+            <a:ln>
+              <a:noFill/>
+            </a:ln>
+          </p:spPr>
+          <p:style>
+            <a:lnRef idx="2">
+              <a:schemeClr val="accent1">
+                <a:shade val="50000"/>
+              </a:schemeClr>
+            </a:lnRef>
+            <a:fillRef idx="1">
+              <a:schemeClr val="accent1"/>
+            </a:fillRef>
+            <a:effectRef idx="0">
+              <a:schemeClr val="accent1"/>
+            </a:effectRef>
+            <a:fontRef idx="minor">
+              <a:schemeClr val="lt1"/>
+            </a:fontRef>
+          </p:style>
+          <p:txBody>
+            <a:bodyPr rtlCol="0" anchor="ctr"/>
+            <a:lstStyle/>
+            <a:p>
+              <a:pPr algn="ctr"/>
+              <a:endParaRPr kumimoji="1" lang="ko-KR" altLang="en-US" sz="1463"/>
+            </a:p>
+          </p:txBody>
+        </p:sp>
+        <p:sp>
+          <p:nvSpPr>
+            <p:cNvPr id="150" name="TextBox 149">
+              <a:extLst>
+                <a:ext uri="{FF2B5EF4-FFF2-40B4-BE49-F238E27FC236}">
+                  <a16:creationId xmlns:a16="http://schemas.microsoft.com/office/drawing/2014/main" id="{2C68DE23-AD92-4A6A-9490-222E27A3994C}"/>
+                </a:ext>
+              </a:extLst>
+            </p:cNvPr>
+            <p:cNvSpPr txBox="1"/>
+            <p:nvPr/>
+          </p:nvSpPr>
+          <p:spPr>
+            <a:xfrm>
+              <a:off x="6408121" y="5636807"/>
+              <a:ext cx="1759611" cy="276999"/>
+            </a:xfrm>
+            <a:prstGeom prst="rect">
+              <a:avLst/>
+            </a:prstGeom>
+            <a:noFill/>
+          </p:spPr>
+          <p:txBody>
+            <a:bodyPr wrap="square" rtlCol="0">
+              <a:spAutoFit/>
+            </a:bodyPr>
+            <a:lstStyle/>
+            <a:p>
+              <a:r>
+                <a:rPr kumimoji="1" lang="ko-KR" altLang="en-US" sz="1200" b="1" dirty="0">
+                  <a:latin typeface="THEJung120" panose="02020603020101020101" pitchFamily="18" charset="-127"/>
+                  <a:ea typeface="THEJung120" panose="02020603020101020101" pitchFamily="18" charset="-127"/>
+                </a:rPr>
+                <a:t>관련정보</a:t>
+              </a:r>
+              <a:r>
+                <a:rPr kumimoji="1" lang="en-US" altLang="ko-KR" sz="1200" b="1" dirty="0">
+                  <a:latin typeface="THEJung120" panose="02020603020101020101" pitchFamily="18" charset="-127"/>
+                  <a:ea typeface="THEJung120" panose="02020603020101020101" pitchFamily="18" charset="-127"/>
+                </a:rPr>
+                <a:t>(Github URL</a:t>
+              </a:r>
+              <a:r>
+                <a:rPr kumimoji="1" lang="en-US" altLang="ko-KR" sz="1050" b="1" dirty="0">
+                  <a:latin typeface="THEJung120" panose="02020603020101020101" pitchFamily="18" charset="-127"/>
+                  <a:ea typeface="THEJung120" panose="02020603020101020101" pitchFamily="18" charset="-127"/>
+                </a:rPr>
+                <a:t>)</a:t>
+              </a:r>
+              <a:endParaRPr kumimoji="1" lang="ko-KR" altLang="en-US" sz="1050" b="1" dirty="0">
+                <a:latin typeface="THEJung120" panose="02020603020101020101" pitchFamily="18" charset="-127"/>
+                <a:ea typeface="THEJung120" panose="02020603020101020101" pitchFamily="18" charset="-127"/>
+              </a:endParaRPr>
+            </a:p>
+          </p:txBody>
+        </p:sp>
+        <p:sp>
+          <p:nvSpPr>
+            <p:cNvPr id="63" name="TextBox 62">
+              <a:extLst>
+                <a:ext uri="{FF2B5EF4-FFF2-40B4-BE49-F238E27FC236}">
+                  <a16:creationId xmlns:a16="http://schemas.microsoft.com/office/drawing/2014/main" id="{8461F896-2F95-4A36-BBF4-3E97C2382EBE}"/>
+                </a:ext>
+              </a:extLst>
+            </p:cNvPr>
+            <p:cNvSpPr txBox="1"/>
+            <p:nvPr/>
+          </p:nvSpPr>
+          <p:spPr>
+            <a:xfrm>
+              <a:off x="6253152" y="5871321"/>
+              <a:ext cx="2986468" cy="253916"/>
+            </a:xfrm>
+            <a:prstGeom prst="rect">
+              <a:avLst/>
+            </a:prstGeom>
+            <a:noFill/>
+          </p:spPr>
+          <p:txBody>
+            <a:bodyPr wrap="square" rtlCol="0">
+              <a:spAutoFit/>
+            </a:bodyPr>
+            <a:lstStyle/>
+            <a:p>
+              <a:endParaRPr kumimoji="1" lang="ko-KR" altLang="en-US" sz="1050" dirty="0">
+                <a:solidFill>
+                  <a:schemeClr val="tx1">
+                    <a:lumMod val="50000"/>
+                    <a:lumOff val="50000"/>
+                  </a:schemeClr>
+                </a:solidFill>
+                <a:latin typeface="THEJung120" panose="02020603020101020101" pitchFamily="18" charset="-127"/>
+                <a:ea typeface="THEJung120" panose="02020603020101020101" pitchFamily="18" charset="-127"/>
+              </a:endParaRPr>
+            </a:p>
+          </p:txBody>
+        </p:sp>
+      </p:grpSp>
+    </p:spTree>
+    <p:extLst>
+      <p:ext uri="{BB962C8B-B14F-4D97-AF65-F5344CB8AC3E}">
+        <p14:creationId xmlns:p14="http://schemas.microsoft.com/office/powerpoint/2010/main" val="1708223213"/>
+      </p:ext>
+    </p:extLst>
+  </p:cSld>
+  <p:clrMapOvr>
+    <a:masterClrMapping/>
+  </p:clrMapOvr>
+</p:sld>
+</file>
+
+<file path=ppt/slides/slide8.xml><?xml version="1.0" encoding="utf-8"?>
 <p:sld xmlns:a="http://schemas.openxmlformats.org/drawingml/2006/main" xmlns:r="http://schemas.openxmlformats.org/officeDocument/2006/relationships" xmlns:p="http://schemas.openxmlformats.org/presentationml/2006/main">
   <p:cSld>
     <p:spTree>
@@ -15135,7 +19371,7 @@
 </p:sld>
 </file>
 
-<file path=ppt/slides/slide7.xml><?xml version="1.0" encoding="utf-8"?>
+<file path=ppt/slides/slide9.xml><?xml version="1.0" encoding="utf-8"?>
 <p:sld xmlns:a="http://schemas.openxmlformats.org/drawingml/2006/main" xmlns:r="http://schemas.openxmlformats.org/officeDocument/2006/relationships" xmlns:p="http://schemas.openxmlformats.org/presentationml/2006/main">
   <p:cSld>
     <p:spTree>
@@ -16983,882 +21219,6 @@
     <p:extLst>
       <p:ext uri="{BB962C8B-B14F-4D97-AF65-F5344CB8AC3E}">
         <p14:creationId xmlns:p14="http://schemas.microsoft.com/office/powerpoint/2010/main" val="4167520047"/>
-      </p:ext>
-    </p:extLst>
-  </p:cSld>
-  <p:clrMapOvr>
-    <a:masterClrMapping/>
-  </p:clrMapOvr>
-</p:sld>
-</file>
-
-<file path=ppt/slides/slide8.xml><?xml version="1.0" encoding="utf-8"?>
-<p:sld xmlns:a="http://schemas.openxmlformats.org/drawingml/2006/main" xmlns:r="http://schemas.openxmlformats.org/officeDocument/2006/relationships" xmlns:p="http://schemas.openxmlformats.org/presentationml/2006/main">
-  <p:cSld>
-    <p:spTree>
-      <p:nvGrpSpPr>
-        <p:cNvPr id="1" name=""/>
-        <p:cNvGrpSpPr/>
-        <p:nvPr/>
-      </p:nvGrpSpPr>
-      <p:grpSpPr>
-        <a:xfrm>
-          <a:off x="0" y="0"/>
-          <a:ext cx="0" cy="0"/>
-          <a:chOff x="0" y="0"/>
-          <a:chExt cx="0" cy="0"/>
-        </a:xfrm>
-      </p:grpSpPr>
-      <p:sp>
-        <p:nvSpPr>
-          <p:cNvPr id="5" name="직사각형 4">
-            <a:extLst>
-              <a:ext uri="{FF2B5EF4-FFF2-40B4-BE49-F238E27FC236}">
-                <a16:creationId xmlns:a16="http://schemas.microsoft.com/office/drawing/2014/main" id="{2B3F9EF3-0CD7-BF45-A62B-CCE747692D8B}"/>
-              </a:ext>
-            </a:extLst>
-          </p:cNvPr>
-          <p:cNvSpPr/>
-          <p:nvPr/>
-        </p:nvSpPr>
-        <p:spPr>
-          <a:xfrm>
-            <a:off x="235570" y="218114"/>
-            <a:ext cx="9670430" cy="6426523"/>
-          </a:xfrm>
-          <a:prstGeom prst="rect">
-            <a:avLst/>
-          </a:prstGeom>
-          <a:solidFill>
-            <a:schemeClr val="bg1"/>
-          </a:solidFill>
-          <a:ln>
-            <a:noFill/>
-          </a:ln>
-        </p:spPr>
-        <p:style>
-          <a:lnRef idx="2">
-            <a:schemeClr val="accent1">
-              <a:shade val="50000"/>
-            </a:schemeClr>
-          </a:lnRef>
-          <a:fillRef idx="1">
-            <a:schemeClr val="accent1"/>
-          </a:fillRef>
-          <a:effectRef idx="0">
-            <a:schemeClr val="accent1"/>
-          </a:effectRef>
-          <a:fontRef idx="minor">
-            <a:schemeClr val="lt1"/>
-          </a:fontRef>
-        </p:style>
-        <p:txBody>
-          <a:bodyPr rtlCol="0" anchor="ctr"/>
-          <a:lstStyle/>
-          <a:p>
-            <a:pPr algn="ctr"/>
-            <a:endParaRPr kumimoji="1" lang="ko-KR" altLang="en-US" sz="1463"/>
-          </a:p>
-        </p:txBody>
-      </p:sp>
-      <p:sp>
-        <p:nvSpPr>
-          <p:cNvPr id="28" name="직사각형 27">
-            <a:extLst>
-              <a:ext uri="{FF2B5EF4-FFF2-40B4-BE49-F238E27FC236}">
-                <a16:creationId xmlns:a16="http://schemas.microsoft.com/office/drawing/2014/main" id="{7C10AF55-6BCB-45F8-9FE6-A70ABEEB5470}"/>
-              </a:ext>
-            </a:extLst>
-          </p:cNvPr>
-          <p:cNvSpPr/>
-          <p:nvPr/>
-        </p:nvSpPr>
-        <p:spPr>
-          <a:xfrm>
-            <a:off x="802827" y="2156251"/>
-            <a:ext cx="206103" cy="45719"/>
-          </a:xfrm>
-          <a:prstGeom prst="rect">
-            <a:avLst/>
-          </a:prstGeom>
-          <a:solidFill>
-            <a:schemeClr val="bg2">
-              <a:lumMod val="75000"/>
-            </a:schemeClr>
-          </a:solidFill>
-          <a:ln>
-            <a:noFill/>
-          </a:ln>
-        </p:spPr>
-        <p:style>
-          <a:lnRef idx="2">
-            <a:schemeClr val="accent1">
-              <a:shade val="50000"/>
-            </a:schemeClr>
-          </a:lnRef>
-          <a:fillRef idx="1">
-            <a:schemeClr val="accent1"/>
-          </a:fillRef>
-          <a:effectRef idx="0">
-            <a:schemeClr val="accent1"/>
-          </a:effectRef>
-          <a:fontRef idx="minor">
-            <a:schemeClr val="lt1"/>
-          </a:fontRef>
-        </p:style>
-        <p:txBody>
-          <a:bodyPr rtlCol="0" anchor="ctr"/>
-          <a:lstStyle/>
-          <a:p>
-            <a:pPr algn="ctr"/>
-            <a:endParaRPr kumimoji="1" lang="ko-KR" altLang="en-US" sz="1463"/>
-          </a:p>
-        </p:txBody>
-      </p:sp>
-      <p:sp>
-        <p:nvSpPr>
-          <p:cNvPr id="29" name="TextBox 28">
-            <a:extLst>
-              <a:ext uri="{FF2B5EF4-FFF2-40B4-BE49-F238E27FC236}">
-                <a16:creationId xmlns:a16="http://schemas.microsoft.com/office/drawing/2014/main" id="{67463258-7260-4739-B638-37F50559702E}"/>
-              </a:ext>
-            </a:extLst>
-          </p:cNvPr>
-          <p:cNvSpPr txBox="1"/>
-          <p:nvPr/>
-        </p:nvSpPr>
-        <p:spPr>
-          <a:xfrm>
-            <a:off x="1008930" y="2051123"/>
-            <a:ext cx="1819728" cy="261610"/>
-          </a:xfrm>
-          <a:prstGeom prst="rect">
-            <a:avLst/>
-          </a:prstGeom>
-          <a:noFill/>
-        </p:spPr>
-        <p:txBody>
-          <a:bodyPr wrap="square" rtlCol="0">
-            <a:spAutoFit/>
-          </a:bodyPr>
-          <a:lstStyle/>
-          <a:p>
-            <a:r>
-              <a:rPr kumimoji="1" lang="en-US" altLang="ko-KR" sz="1100" b="1" dirty="0">
-                <a:latin typeface="THEJung120" panose="02020603020101020101" pitchFamily="18" charset="-127"/>
-                <a:ea typeface="THEJung120" panose="02020603020101020101" pitchFamily="18" charset="-127"/>
-              </a:rPr>
-              <a:t>ACTIVITY</a:t>
-            </a:r>
-            <a:r>
-              <a:rPr kumimoji="1" lang="ko-KR" altLang="en-US" sz="1100" b="1" dirty="0">
-                <a:latin typeface="THEJung120" panose="02020603020101020101" pitchFamily="18" charset="-127"/>
-                <a:ea typeface="THEJung120" panose="02020603020101020101" pitchFamily="18" charset="-127"/>
-              </a:rPr>
-              <a:t> </a:t>
-            </a:r>
-            <a:r>
-              <a:rPr kumimoji="1" lang="en-US" altLang="ko-KR" sz="1100" b="1" dirty="0">
-                <a:latin typeface="THEJung120" panose="02020603020101020101" pitchFamily="18" charset="-127"/>
-                <a:ea typeface="THEJung120" panose="02020603020101020101" pitchFamily="18" charset="-127"/>
-              </a:rPr>
-              <a:t>&amp;</a:t>
-            </a:r>
-            <a:r>
-              <a:rPr kumimoji="1" lang="ko-KR" altLang="en-US" sz="1100" b="1" dirty="0">
-                <a:latin typeface="THEJung120" panose="02020603020101020101" pitchFamily="18" charset="-127"/>
-                <a:ea typeface="THEJung120" panose="02020603020101020101" pitchFamily="18" charset="-127"/>
-              </a:rPr>
-              <a:t> </a:t>
-            </a:r>
-            <a:r>
-              <a:rPr kumimoji="1" lang="en-US" altLang="ko-KR" sz="1100" b="1" dirty="0">
-                <a:latin typeface="THEJung120" panose="02020603020101020101" pitchFamily="18" charset="-127"/>
-                <a:ea typeface="THEJung120" panose="02020603020101020101" pitchFamily="18" charset="-127"/>
-              </a:rPr>
-              <a:t>AWARDS</a:t>
-            </a:r>
-            <a:endParaRPr kumimoji="1" lang="ko-KR" altLang="en-US" sz="1100" b="1" dirty="0">
-              <a:latin typeface="THEJung120" panose="02020603020101020101" pitchFamily="18" charset="-127"/>
-              <a:ea typeface="THEJung120" panose="02020603020101020101" pitchFamily="18" charset="-127"/>
-            </a:endParaRPr>
-          </a:p>
-        </p:txBody>
-      </p:sp>
-      <p:sp>
-        <p:nvSpPr>
-          <p:cNvPr id="36" name="TextBox 35">
-            <a:extLst>
-              <a:ext uri="{FF2B5EF4-FFF2-40B4-BE49-F238E27FC236}">
-                <a16:creationId xmlns:a16="http://schemas.microsoft.com/office/drawing/2014/main" id="{A15FCF10-2B62-4230-A75D-3C5F43E9A473}"/>
-              </a:ext>
-            </a:extLst>
-          </p:cNvPr>
-          <p:cNvSpPr txBox="1"/>
-          <p:nvPr/>
-        </p:nvSpPr>
-        <p:spPr>
-          <a:xfrm>
-            <a:off x="698862" y="2438801"/>
-            <a:ext cx="1313180" cy="246221"/>
-          </a:xfrm>
-          <a:prstGeom prst="rect">
-            <a:avLst/>
-          </a:prstGeom>
-          <a:noFill/>
-        </p:spPr>
-        <p:txBody>
-          <a:bodyPr wrap="none" rtlCol="0">
-            <a:spAutoFit/>
-          </a:bodyPr>
-          <a:lstStyle/>
-          <a:p>
-            <a:r>
-              <a:rPr kumimoji="1" lang="en-US" altLang="ko-KR" sz="1000" dirty="0">
-                <a:solidFill>
-                  <a:schemeClr val="tx1">
-                    <a:lumMod val="50000"/>
-                    <a:lumOff val="50000"/>
-                  </a:schemeClr>
-                </a:solidFill>
-                <a:latin typeface="THEJung120" panose="02020603020101020101" pitchFamily="18" charset="-127"/>
-                <a:ea typeface="THEJung120" panose="02020603020101020101" pitchFamily="18" charset="-127"/>
-              </a:rPr>
-              <a:t>2017.09 ~ 2017.12 </a:t>
-            </a:r>
-            <a:endParaRPr kumimoji="1" lang="ko-KR" altLang="en-US" sz="1000" dirty="0">
-              <a:solidFill>
-                <a:schemeClr val="tx1">
-                  <a:lumMod val="50000"/>
-                  <a:lumOff val="50000"/>
-                </a:schemeClr>
-              </a:solidFill>
-              <a:latin typeface="THEJung120" panose="02020603020101020101" pitchFamily="18" charset="-127"/>
-              <a:ea typeface="THEJung120" panose="02020603020101020101" pitchFamily="18" charset="-127"/>
-            </a:endParaRPr>
-          </a:p>
-        </p:txBody>
-      </p:sp>
-      <p:sp>
-        <p:nvSpPr>
-          <p:cNvPr id="62" name="TextBox 61">
-            <a:extLst>
-              <a:ext uri="{FF2B5EF4-FFF2-40B4-BE49-F238E27FC236}">
-                <a16:creationId xmlns:a16="http://schemas.microsoft.com/office/drawing/2014/main" id="{792A242E-0DA2-404E-BE42-16AD54BA6A00}"/>
-              </a:ext>
-            </a:extLst>
-          </p:cNvPr>
-          <p:cNvSpPr txBox="1"/>
-          <p:nvPr/>
-        </p:nvSpPr>
-        <p:spPr>
-          <a:xfrm>
-            <a:off x="698862" y="2772950"/>
-            <a:ext cx="1268296" cy="246221"/>
-          </a:xfrm>
-          <a:prstGeom prst="rect">
-            <a:avLst/>
-          </a:prstGeom>
-          <a:noFill/>
-        </p:spPr>
-        <p:txBody>
-          <a:bodyPr wrap="none" rtlCol="0">
-            <a:spAutoFit/>
-          </a:bodyPr>
-          <a:lstStyle/>
-          <a:p>
-            <a:r>
-              <a:rPr kumimoji="1" lang="en-US" altLang="ko-KR" sz="1000" dirty="0">
-                <a:solidFill>
-                  <a:schemeClr val="tx1">
-                    <a:lumMod val="50000"/>
-                    <a:lumOff val="50000"/>
-                  </a:schemeClr>
-                </a:solidFill>
-                <a:latin typeface="THEJung120" panose="02020603020101020101" pitchFamily="18" charset="-127"/>
-                <a:ea typeface="THEJung120" panose="02020603020101020101" pitchFamily="18" charset="-127"/>
-              </a:rPr>
-              <a:t>2019.03 ~ 2019.07</a:t>
-            </a:r>
-            <a:endParaRPr kumimoji="1" lang="ko-KR" altLang="en-US" sz="1000" dirty="0">
-              <a:solidFill>
-                <a:schemeClr val="tx1">
-                  <a:lumMod val="50000"/>
-                  <a:lumOff val="50000"/>
-                </a:schemeClr>
-              </a:solidFill>
-              <a:latin typeface="THEJung120" panose="02020603020101020101" pitchFamily="18" charset="-127"/>
-              <a:ea typeface="THEJung120" panose="02020603020101020101" pitchFamily="18" charset="-127"/>
-            </a:endParaRPr>
-          </a:p>
-        </p:txBody>
-      </p:sp>
-      <p:sp>
-        <p:nvSpPr>
-          <p:cNvPr id="76" name="직사각형 75">
-            <a:extLst>
-              <a:ext uri="{FF2B5EF4-FFF2-40B4-BE49-F238E27FC236}">
-                <a16:creationId xmlns:a16="http://schemas.microsoft.com/office/drawing/2014/main" id="{E385CB93-8168-44E2-9990-3760E46DB94F}"/>
-              </a:ext>
-            </a:extLst>
-          </p:cNvPr>
-          <p:cNvSpPr/>
-          <p:nvPr/>
-        </p:nvSpPr>
-        <p:spPr>
-          <a:xfrm>
-            <a:off x="5354413" y="2156251"/>
-            <a:ext cx="206103" cy="45719"/>
-          </a:xfrm>
-          <a:prstGeom prst="rect">
-            <a:avLst/>
-          </a:prstGeom>
-          <a:solidFill>
-            <a:schemeClr val="bg2">
-              <a:lumMod val="75000"/>
-            </a:schemeClr>
-          </a:solidFill>
-          <a:ln>
-            <a:noFill/>
-          </a:ln>
-        </p:spPr>
-        <p:style>
-          <a:lnRef idx="2">
-            <a:schemeClr val="accent1">
-              <a:shade val="50000"/>
-            </a:schemeClr>
-          </a:lnRef>
-          <a:fillRef idx="1">
-            <a:schemeClr val="accent1"/>
-          </a:fillRef>
-          <a:effectRef idx="0">
-            <a:schemeClr val="accent1"/>
-          </a:effectRef>
-          <a:fontRef idx="minor">
-            <a:schemeClr val="lt1"/>
-          </a:fontRef>
-        </p:style>
-        <p:txBody>
-          <a:bodyPr rtlCol="0" anchor="ctr"/>
-          <a:lstStyle/>
-          <a:p>
-            <a:pPr algn="ctr"/>
-            <a:endParaRPr kumimoji="1" lang="ko-KR" altLang="en-US" sz="1463"/>
-          </a:p>
-        </p:txBody>
-      </p:sp>
-      <p:sp>
-        <p:nvSpPr>
-          <p:cNvPr id="77" name="TextBox 76">
-            <a:extLst>
-              <a:ext uri="{FF2B5EF4-FFF2-40B4-BE49-F238E27FC236}">
-                <a16:creationId xmlns:a16="http://schemas.microsoft.com/office/drawing/2014/main" id="{649BC077-8B18-481A-9274-391108CD7B8C}"/>
-              </a:ext>
-            </a:extLst>
-          </p:cNvPr>
-          <p:cNvSpPr txBox="1"/>
-          <p:nvPr/>
-        </p:nvSpPr>
-        <p:spPr>
-          <a:xfrm>
-            <a:off x="5560516" y="2044447"/>
-            <a:ext cx="1615950" cy="261610"/>
-          </a:xfrm>
-          <a:prstGeom prst="rect">
-            <a:avLst/>
-          </a:prstGeom>
-          <a:noFill/>
-        </p:spPr>
-        <p:txBody>
-          <a:bodyPr wrap="square" rtlCol="0">
-            <a:spAutoFit/>
-          </a:bodyPr>
-          <a:lstStyle/>
-          <a:p>
-            <a:r>
-              <a:rPr kumimoji="1" lang="en-US" altLang="ko-KR" sz="1100" b="1" dirty="0">
-                <a:latin typeface="THEJung120" panose="02020603020101020101" pitchFamily="18" charset="-127"/>
-                <a:ea typeface="THEJung120" panose="02020603020101020101" pitchFamily="18" charset="-127"/>
-              </a:rPr>
-              <a:t>LICENSE</a:t>
-            </a:r>
-            <a:endParaRPr kumimoji="1" lang="ko-KR" altLang="en-US" sz="1000" b="1" dirty="0">
-              <a:latin typeface="THEJung120" panose="02020603020101020101" pitchFamily="18" charset="-127"/>
-              <a:ea typeface="THEJung120" panose="02020603020101020101" pitchFamily="18" charset="-127"/>
-            </a:endParaRPr>
-          </a:p>
-        </p:txBody>
-      </p:sp>
-      <p:sp>
-        <p:nvSpPr>
-          <p:cNvPr id="80" name="TextBox 79">
-            <a:extLst>
-              <a:ext uri="{FF2B5EF4-FFF2-40B4-BE49-F238E27FC236}">
-                <a16:creationId xmlns:a16="http://schemas.microsoft.com/office/drawing/2014/main" id="{EEF4D7F6-4493-4FFE-8B5A-EFC9CAE605D7}"/>
-              </a:ext>
-            </a:extLst>
-          </p:cNvPr>
-          <p:cNvSpPr txBox="1"/>
-          <p:nvPr/>
-        </p:nvSpPr>
-        <p:spPr>
-          <a:xfrm>
-            <a:off x="5275009" y="2413596"/>
-            <a:ext cx="806631" cy="246221"/>
-          </a:xfrm>
-          <a:prstGeom prst="rect">
-            <a:avLst/>
-          </a:prstGeom>
-          <a:noFill/>
-        </p:spPr>
-        <p:txBody>
-          <a:bodyPr wrap="none" rtlCol="0">
-            <a:spAutoFit/>
-          </a:bodyPr>
-          <a:lstStyle/>
-          <a:p>
-            <a:r>
-              <a:rPr kumimoji="1" lang="en-US" altLang="ko-KR" sz="1000" dirty="0">
-                <a:solidFill>
-                  <a:schemeClr val="tx1">
-                    <a:lumMod val="50000"/>
-                    <a:lumOff val="50000"/>
-                  </a:schemeClr>
-                </a:solidFill>
-                <a:latin typeface="THEJung120" panose="02020603020101020101" pitchFamily="18" charset="-127"/>
-                <a:ea typeface="THEJung120" panose="02020603020101020101" pitchFamily="18" charset="-127"/>
-              </a:rPr>
-              <a:t>2019.09.12</a:t>
-            </a:r>
-            <a:endParaRPr kumimoji="1" lang="ko-KR" altLang="en-US" sz="1000" dirty="0">
-              <a:solidFill>
-                <a:schemeClr val="tx1">
-                  <a:lumMod val="50000"/>
-                  <a:lumOff val="50000"/>
-                </a:schemeClr>
-              </a:solidFill>
-              <a:latin typeface="THEJung120" panose="02020603020101020101" pitchFamily="18" charset="-127"/>
-              <a:ea typeface="THEJung120" panose="02020603020101020101" pitchFamily="18" charset="-127"/>
-            </a:endParaRPr>
-          </a:p>
-        </p:txBody>
-      </p:sp>
-      <p:sp>
-        <p:nvSpPr>
-          <p:cNvPr id="81" name="TextBox 80">
-            <a:extLst>
-              <a:ext uri="{FF2B5EF4-FFF2-40B4-BE49-F238E27FC236}">
-                <a16:creationId xmlns:a16="http://schemas.microsoft.com/office/drawing/2014/main" id="{46996166-DEBF-4CEE-B324-A84490C016C9}"/>
-              </a:ext>
-            </a:extLst>
-          </p:cNvPr>
-          <p:cNvSpPr txBox="1"/>
-          <p:nvPr/>
-        </p:nvSpPr>
-        <p:spPr>
-          <a:xfrm>
-            <a:off x="6040710" y="2413596"/>
-            <a:ext cx="1702710" cy="246221"/>
-          </a:xfrm>
-          <a:prstGeom prst="rect">
-            <a:avLst/>
-          </a:prstGeom>
-          <a:noFill/>
-        </p:spPr>
-        <p:txBody>
-          <a:bodyPr wrap="none" rtlCol="0">
-            <a:spAutoFit/>
-          </a:bodyPr>
-          <a:lstStyle/>
-          <a:p>
-            <a:r>
-              <a:rPr kumimoji="1" lang="en-US" altLang="ko-KR" sz="1000" dirty="0" err="1">
-                <a:solidFill>
-                  <a:schemeClr val="tx1">
-                    <a:lumMod val="50000"/>
-                    <a:lumOff val="50000"/>
-                  </a:schemeClr>
-                </a:solidFill>
-                <a:latin typeface="THEJung120" panose="02020603020101020101" pitchFamily="18" charset="-127"/>
-                <a:ea typeface="THEJung120" panose="02020603020101020101" pitchFamily="18" charset="-127"/>
-              </a:rPr>
-              <a:t>OPIC</a:t>
-            </a:r>
-            <a:r>
-              <a:rPr kumimoji="1" lang="en-US" altLang="ko-KR" sz="1000" dirty="0">
-                <a:solidFill>
-                  <a:schemeClr val="tx1">
-                    <a:lumMod val="50000"/>
-                    <a:lumOff val="50000"/>
-                  </a:schemeClr>
-                </a:solidFill>
-                <a:latin typeface="THEJung120" panose="02020603020101020101" pitchFamily="18" charset="-127"/>
-                <a:ea typeface="THEJung120" panose="02020603020101020101" pitchFamily="18" charset="-127"/>
-              </a:rPr>
-              <a:t> – Advanced Low(AL)</a:t>
-            </a:r>
-            <a:endParaRPr kumimoji="1" lang="ko-KR" altLang="en-US" sz="1000" dirty="0">
-              <a:solidFill>
-                <a:schemeClr val="tx1">
-                  <a:lumMod val="50000"/>
-                  <a:lumOff val="50000"/>
-                </a:schemeClr>
-              </a:solidFill>
-              <a:latin typeface="THEJung120" panose="02020603020101020101" pitchFamily="18" charset="-127"/>
-              <a:ea typeface="THEJung120" panose="02020603020101020101" pitchFamily="18" charset="-127"/>
-            </a:endParaRPr>
-          </a:p>
-        </p:txBody>
-      </p:sp>
-      <p:grpSp>
-        <p:nvGrpSpPr>
-          <p:cNvPr id="26" name="그룹 25">
-            <a:extLst>
-              <a:ext uri="{FF2B5EF4-FFF2-40B4-BE49-F238E27FC236}">
-                <a16:creationId xmlns:a16="http://schemas.microsoft.com/office/drawing/2014/main" id="{3D324D16-FA20-4D17-AD34-3B4E3AF6C7B0}"/>
-              </a:ext>
-            </a:extLst>
-          </p:cNvPr>
-          <p:cNvGrpSpPr/>
-          <p:nvPr/>
-        </p:nvGrpSpPr>
-        <p:grpSpPr>
-          <a:xfrm>
-            <a:off x="351449" y="452819"/>
-            <a:ext cx="3530256" cy="657764"/>
-            <a:chOff x="351449" y="452819"/>
-            <a:chExt cx="3530256" cy="657764"/>
-          </a:xfrm>
-        </p:grpSpPr>
-        <p:sp>
-          <p:nvSpPr>
-            <p:cNvPr id="27" name="TextBox 26">
-              <a:extLst>
-                <a:ext uri="{FF2B5EF4-FFF2-40B4-BE49-F238E27FC236}">
-                  <a16:creationId xmlns:a16="http://schemas.microsoft.com/office/drawing/2014/main" id="{765BF1CD-60DD-4BAE-BD4C-D3A4966F3423}"/>
-                </a:ext>
-              </a:extLst>
-            </p:cNvPr>
-            <p:cNvSpPr txBox="1"/>
-            <p:nvPr/>
-          </p:nvSpPr>
-          <p:spPr>
-            <a:xfrm>
-              <a:off x="463182" y="864362"/>
-              <a:ext cx="1282277" cy="230832"/>
-            </a:xfrm>
-            <a:prstGeom prst="rect">
-              <a:avLst/>
-            </a:prstGeom>
-            <a:noFill/>
-          </p:spPr>
-          <p:txBody>
-            <a:bodyPr wrap="square" rtlCol="0">
-              <a:spAutoFit/>
-            </a:bodyPr>
-            <a:lstStyle/>
-            <a:p>
-              <a:r>
-                <a:rPr lang="ko-KR" altLang="en-US" sz="900" dirty="0">
-                  <a:solidFill>
-                    <a:schemeClr val="accent3">
-                      <a:lumMod val="75000"/>
-                    </a:schemeClr>
-                  </a:solidFill>
-                  <a:latin typeface="NanumBarunGothic" panose="020B0603020101020101" pitchFamily="34" charset="-127"/>
-                  <a:ea typeface="NanumBarunGothic" panose="020B0603020101020101" pitchFamily="34" charset="-127"/>
-                </a:rPr>
-                <a:t>인적사항</a:t>
-              </a:r>
-              <a:endParaRPr lang="ko-KR" altLang="en-US" sz="700" dirty="0">
-                <a:solidFill>
-                  <a:schemeClr val="accent3">
-                    <a:lumMod val="75000"/>
-                  </a:schemeClr>
-                </a:solidFill>
-                <a:latin typeface="NanumBarunGothic" panose="020B0603020101020101" pitchFamily="34" charset="-127"/>
-                <a:ea typeface="NanumBarunGothic" panose="020B0603020101020101" pitchFamily="34" charset="-127"/>
-              </a:endParaRPr>
-            </a:p>
-          </p:txBody>
-        </p:sp>
-        <p:sp>
-          <p:nvSpPr>
-            <p:cNvPr id="30" name="TextBox 29">
-              <a:extLst>
-                <a:ext uri="{FF2B5EF4-FFF2-40B4-BE49-F238E27FC236}">
-                  <a16:creationId xmlns:a16="http://schemas.microsoft.com/office/drawing/2014/main" id="{812C2522-980D-4EAF-A5F5-717911DEDE64}"/>
-                </a:ext>
-              </a:extLst>
-            </p:cNvPr>
-            <p:cNvSpPr txBox="1"/>
-            <p:nvPr/>
-          </p:nvSpPr>
-          <p:spPr>
-            <a:xfrm>
-              <a:off x="1164070" y="864362"/>
-              <a:ext cx="830163" cy="230832"/>
-            </a:xfrm>
-            <a:prstGeom prst="rect">
-              <a:avLst/>
-            </a:prstGeom>
-            <a:noFill/>
-          </p:spPr>
-          <p:txBody>
-            <a:bodyPr wrap="square" rtlCol="0">
-              <a:spAutoFit/>
-            </a:bodyPr>
-            <a:lstStyle/>
-            <a:p>
-              <a:r>
-                <a:rPr lang="ko-KR" altLang="en-US" sz="900" dirty="0">
-                  <a:solidFill>
-                    <a:schemeClr val="accent3">
-                      <a:lumMod val="75000"/>
-                    </a:schemeClr>
-                  </a:solidFill>
-                  <a:latin typeface="NanumBarunGothic" panose="020B0603020101020101" pitchFamily="34" charset="-127"/>
-                  <a:ea typeface="NanumBarunGothic" panose="020B0603020101020101" pitchFamily="34" charset="-127"/>
-                </a:rPr>
-                <a:t>이수 과목</a:t>
-              </a:r>
-            </a:p>
-          </p:txBody>
-        </p:sp>
-        <p:sp>
-          <p:nvSpPr>
-            <p:cNvPr id="31" name="TextBox 30">
-              <a:extLst>
-                <a:ext uri="{FF2B5EF4-FFF2-40B4-BE49-F238E27FC236}">
-                  <a16:creationId xmlns:a16="http://schemas.microsoft.com/office/drawing/2014/main" id="{5DC9E580-2EA0-45CF-B93D-8109673C28E4}"/>
-                </a:ext>
-              </a:extLst>
-            </p:cNvPr>
-            <p:cNvSpPr txBox="1"/>
-            <p:nvPr/>
-          </p:nvSpPr>
-          <p:spPr>
-            <a:xfrm>
-              <a:off x="1881749" y="861711"/>
-              <a:ext cx="1282277" cy="230832"/>
-            </a:xfrm>
-            <a:prstGeom prst="rect">
-              <a:avLst/>
-            </a:prstGeom>
-            <a:noFill/>
-          </p:spPr>
-          <p:txBody>
-            <a:bodyPr wrap="square" rtlCol="0">
-              <a:spAutoFit/>
-            </a:bodyPr>
-            <a:lstStyle/>
-            <a:p>
-              <a:r>
-                <a:rPr lang="en-US" altLang="ko-KR" sz="900" dirty="0">
-                  <a:solidFill>
-                    <a:schemeClr val="accent3">
-                      <a:lumMod val="75000"/>
-                    </a:schemeClr>
-                  </a:solidFill>
-                  <a:latin typeface="NanumBarunGothic" panose="020B0603020101020101" pitchFamily="34" charset="-127"/>
-                  <a:ea typeface="NanumBarunGothic" panose="020B0603020101020101" pitchFamily="34" charset="-127"/>
-                </a:rPr>
-                <a:t>PROJECTS</a:t>
-              </a:r>
-              <a:endParaRPr lang="ko-KR" altLang="en-US" sz="800" dirty="0">
-                <a:solidFill>
-                  <a:schemeClr val="accent3">
-                    <a:lumMod val="75000"/>
-                  </a:schemeClr>
-                </a:solidFill>
-                <a:latin typeface="NanumBarunGothic" panose="020B0603020101020101" pitchFamily="34" charset="-127"/>
-                <a:ea typeface="NanumBarunGothic" panose="020B0603020101020101" pitchFamily="34" charset="-127"/>
-              </a:endParaRPr>
-            </a:p>
-          </p:txBody>
-        </p:sp>
-        <p:sp>
-          <p:nvSpPr>
-            <p:cNvPr id="32" name="TextBox 31">
-              <a:extLst>
-                <a:ext uri="{FF2B5EF4-FFF2-40B4-BE49-F238E27FC236}">
-                  <a16:creationId xmlns:a16="http://schemas.microsoft.com/office/drawing/2014/main" id="{13BD290D-D487-40C4-BB79-4FFE305190F4}"/>
-                </a:ext>
-              </a:extLst>
-            </p:cNvPr>
-            <p:cNvSpPr txBox="1"/>
-            <p:nvPr/>
-          </p:nvSpPr>
-          <p:spPr>
-            <a:xfrm>
-              <a:off x="2612739" y="864362"/>
-              <a:ext cx="1268966" cy="246221"/>
-            </a:xfrm>
-            <a:prstGeom prst="rect">
-              <a:avLst/>
-            </a:prstGeom>
-            <a:noFill/>
-          </p:spPr>
-          <p:txBody>
-            <a:bodyPr wrap="square" rtlCol="0">
-              <a:spAutoFit/>
-            </a:bodyPr>
-            <a:lstStyle/>
-            <a:p>
-              <a:r>
-                <a:rPr lang="ko-KR" altLang="en-US" sz="1000" b="1" dirty="0">
-                  <a:latin typeface="NanumBarunGothic" panose="020B0603020101020101" pitchFamily="34" charset="-127"/>
-                  <a:ea typeface="NanumBarunGothic" panose="020B0603020101020101" pitchFamily="34" charset="-127"/>
-                </a:rPr>
-                <a:t>교내외활동</a:t>
-              </a:r>
-              <a:r>
-                <a:rPr lang="en-US" altLang="ko-KR" sz="1000" b="1" dirty="0">
-                  <a:latin typeface="NanumBarunGothic" panose="020B0603020101020101" pitchFamily="34" charset="-127"/>
-                  <a:ea typeface="NanumBarunGothic" panose="020B0603020101020101" pitchFamily="34" charset="-127"/>
-                </a:rPr>
-                <a:t>/</a:t>
-              </a:r>
-              <a:r>
-                <a:rPr lang="ko-KR" altLang="en-US" sz="1000" b="1" dirty="0">
-                  <a:latin typeface="NanumBarunGothic" panose="020B0603020101020101" pitchFamily="34" charset="-127"/>
-                  <a:ea typeface="NanumBarunGothic" panose="020B0603020101020101" pitchFamily="34" charset="-127"/>
-                </a:rPr>
-                <a:t>자격증</a:t>
-              </a:r>
-            </a:p>
-          </p:txBody>
-        </p:sp>
-        <p:sp>
-          <p:nvSpPr>
-            <p:cNvPr id="33" name="TextBox 32">
-              <a:extLst>
-                <a:ext uri="{FF2B5EF4-FFF2-40B4-BE49-F238E27FC236}">
-                  <a16:creationId xmlns:a16="http://schemas.microsoft.com/office/drawing/2014/main" id="{8EFF71DE-7CEC-430D-96D4-59FBA2BDF0B6}"/>
-                </a:ext>
-              </a:extLst>
-            </p:cNvPr>
-            <p:cNvSpPr txBox="1"/>
-            <p:nvPr/>
-          </p:nvSpPr>
-          <p:spPr>
-            <a:xfrm>
-              <a:off x="351449" y="452819"/>
-              <a:ext cx="2836739" cy="369332"/>
-            </a:xfrm>
-            <a:prstGeom prst="rect">
-              <a:avLst/>
-            </a:prstGeom>
-            <a:noFill/>
-          </p:spPr>
-          <p:txBody>
-            <a:bodyPr wrap="square" rtlCol="0">
-              <a:spAutoFit/>
-            </a:bodyPr>
-            <a:lstStyle/>
-            <a:p>
-              <a:r>
-                <a:rPr lang="en-US" altLang="ko-KR" sz="1000" b="1" dirty="0">
-                  <a:solidFill>
-                    <a:srgbClr val="EC8A62"/>
-                  </a:solidFill>
-                  <a:latin typeface="NanumBarunGothic" panose="020B0603020101020101" pitchFamily="34" charset="-127"/>
-                  <a:ea typeface="NanumBarunGothic" panose="020B0603020101020101" pitchFamily="34" charset="-127"/>
-                </a:rPr>
-                <a:t>  </a:t>
-              </a:r>
-              <a:r>
-                <a:rPr lang="en-US" altLang="ko-KR" b="1" dirty="0">
-                  <a:solidFill>
-                    <a:srgbClr val="EC8A62"/>
-                  </a:solidFill>
-                  <a:latin typeface="NanumBarunGothic" panose="020B0603020101020101" pitchFamily="34" charset="-127"/>
-                  <a:ea typeface="NanumBarunGothic" panose="020B0603020101020101" pitchFamily="34" charset="-127"/>
-                </a:rPr>
-                <a:t>[PORTFOLIO] </a:t>
-              </a:r>
-              <a:r>
-                <a:rPr lang="ko-KR" altLang="en-US" b="1" dirty="0">
-                  <a:solidFill>
-                    <a:srgbClr val="EC8A62"/>
-                  </a:solidFill>
-                  <a:latin typeface="NanumBarunGothic" panose="020B0603020101020101" pitchFamily="34" charset="-127"/>
-                  <a:ea typeface="NanumBarunGothic" panose="020B0603020101020101" pitchFamily="34" charset="-127"/>
-                </a:rPr>
-                <a:t>홍길동</a:t>
-              </a:r>
-              <a:endParaRPr lang="ko-KR" altLang="en-US" sz="1000" b="1" dirty="0">
-                <a:solidFill>
-                  <a:srgbClr val="EC8A62"/>
-                </a:solidFill>
-                <a:latin typeface="NanumBarunGothic" panose="020B0603020101020101" pitchFamily="34" charset="-127"/>
-                <a:ea typeface="NanumBarunGothic" panose="020B0603020101020101" pitchFamily="34" charset="-127"/>
-              </a:endParaRPr>
-            </a:p>
-          </p:txBody>
-        </p:sp>
-      </p:grpSp>
-      <p:sp>
-        <p:nvSpPr>
-          <p:cNvPr id="39" name="TextBox 38">
-            <a:extLst>
-              <a:ext uri="{FF2B5EF4-FFF2-40B4-BE49-F238E27FC236}">
-                <a16:creationId xmlns:a16="http://schemas.microsoft.com/office/drawing/2014/main" id="{6BB0614F-D9F9-4A54-ACF6-C1EA1280A3E8}"/>
-              </a:ext>
-            </a:extLst>
-          </p:cNvPr>
-          <p:cNvSpPr txBox="1"/>
-          <p:nvPr/>
-        </p:nvSpPr>
-        <p:spPr>
-          <a:xfrm>
-            <a:off x="2100081" y="2442885"/>
-            <a:ext cx="1085554" cy="246221"/>
-          </a:xfrm>
-          <a:prstGeom prst="rect">
-            <a:avLst/>
-          </a:prstGeom>
-          <a:noFill/>
-        </p:spPr>
-        <p:txBody>
-          <a:bodyPr wrap="none" rtlCol="0">
-            <a:spAutoFit/>
-          </a:bodyPr>
-          <a:lstStyle/>
-          <a:p>
-            <a:r>
-              <a:rPr kumimoji="1" lang="en-US" altLang="ko-KR" sz="1000" dirty="0">
-                <a:solidFill>
-                  <a:schemeClr val="tx1">
-                    <a:lumMod val="50000"/>
-                    <a:lumOff val="50000"/>
-                  </a:schemeClr>
-                </a:solidFill>
-                <a:latin typeface="THEJung120" panose="02020603020101020101" pitchFamily="18" charset="-127"/>
-                <a:ea typeface="THEJung120" panose="02020603020101020101" pitchFamily="18" charset="-127"/>
-              </a:rPr>
-              <a:t>OOO </a:t>
-            </a:r>
-            <a:r>
-              <a:rPr kumimoji="1" lang="ko-KR" altLang="en-US" sz="1000" dirty="0">
-                <a:solidFill>
-                  <a:schemeClr val="tx1">
-                    <a:lumMod val="50000"/>
-                    <a:lumOff val="50000"/>
-                  </a:schemeClr>
-                </a:solidFill>
-                <a:latin typeface="THEJung120" panose="02020603020101020101" pitchFamily="18" charset="-127"/>
-                <a:ea typeface="THEJung120" panose="02020603020101020101" pitchFamily="18" charset="-127"/>
-              </a:rPr>
-              <a:t>활동 참여</a:t>
-            </a:r>
-          </a:p>
-        </p:txBody>
-      </p:sp>
-    </p:spTree>
-    <p:extLst>
-      <p:ext uri="{BB962C8B-B14F-4D97-AF65-F5344CB8AC3E}">
-        <p14:creationId xmlns:p14="http://schemas.microsoft.com/office/powerpoint/2010/main" val="1806846976"/>
       </p:ext>
     </p:extLst>
   </p:cSld>
